--- a/docs/WDP_Presentation.pptx
+++ b/docs/WDP_Presentation.pptx
@@ -122,8 +122,686 @@
 <p1510:revInfo xmlns:a="http://schemas.openxmlformats.org/drawingml/2006/main" xmlns:r="http://schemas.openxmlformats.org/officeDocument/2006/relationships" xmlns:p1510="http://schemas.microsoft.com/office/powerpoint/2015/10/main">
   <p1510:revLst>
     <p1510:client id="{1BF6B73B-C4D5-4154-AB5E-3D78FE85D8FA}" v="2495" dt="2019-12-21T06:13:17.524"/>
+    <p1510:client id="{6724D517-B934-48AB-B092-CEB22CB71531}" v="124" dt="2019-12-21T08:27:05.182"/>
+    <p1510:client id="{93A0A090-D88F-434F-96F0-61D39631F6E9}" v="277" dt="2019-12-21T08:46:37.754"/>
+    <p1510:client id="{C78B4BC9-7320-4F35-9609-DAA60C15AB21}" v="14" dt="2019-12-21T08:40:27.353"/>
   </p1510:revLst>
 </p1510:revInfo>
+</file>
+
+<file path=ppt/changesInfos/changesInfo1.xml><?xml version="1.0" encoding="utf-8"?>
+<pc:chgInfo xmlns:a="http://schemas.openxmlformats.org/drawingml/2006/main" xmlns:r="http://schemas.openxmlformats.org/officeDocument/2006/relationships" xmlns:ac="http://schemas.microsoft.com/office/drawing/2013/main/command" xmlns:pc="http://schemas.microsoft.com/office/powerpoint/2013/main/command">
+  <pc:docChgLst>
+    <pc:chgData name="Trần Thu Phương" userId="f020fe7c1985b273" providerId="Windows Live" clId="Web-{93A0A090-D88F-434F-96F0-61D39631F6E9}"/>
+    <pc:docChg chg="modSld">
+      <pc:chgData name="Trần Thu Phương" userId="f020fe7c1985b273" providerId="Windows Live" clId="Web-{93A0A090-D88F-434F-96F0-61D39631F6E9}" dt="2019-12-21T08:46:37.754" v="272" actId="20577"/>
+      <pc:docMkLst>
+        <pc:docMk/>
+      </pc:docMkLst>
+      <pc:sldChg chg="modSp">
+        <pc:chgData name="Trần Thu Phương" userId="f020fe7c1985b273" providerId="Windows Live" clId="Web-{93A0A090-D88F-434F-96F0-61D39631F6E9}" dt="2019-12-21T08:42:30.049" v="215" actId="20577"/>
+        <pc:sldMkLst>
+          <pc:docMk/>
+          <pc:sldMk cId="3683157201" sldId="257"/>
+        </pc:sldMkLst>
+        <pc:spChg chg="mod">
+          <ac:chgData name="Trần Thu Phương" userId="f020fe7c1985b273" providerId="Windows Live" clId="Web-{93A0A090-D88F-434F-96F0-61D39631F6E9}" dt="2019-12-21T08:42:30.049" v="215" actId="20577"/>
+          <ac:spMkLst>
+            <pc:docMk/>
+            <pc:sldMk cId="3683157201" sldId="257"/>
+            <ac:spMk id="3" creationId="{263755E6-F4FD-42B9-9433-97116C8E3259}"/>
+          </ac:spMkLst>
+        </pc:spChg>
+      </pc:sldChg>
+      <pc:sldChg chg="modSp">
+        <pc:chgData name="Trần Thu Phương" userId="f020fe7c1985b273" providerId="Windows Live" clId="Web-{93A0A090-D88F-434F-96F0-61D39631F6E9}" dt="2019-12-21T08:35:10.531" v="41" actId="20577"/>
+        <pc:sldMkLst>
+          <pc:docMk/>
+          <pc:sldMk cId="3541946810" sldId="258"/>
+        </pc:sldMkLst>
+        <pc:spChg chg="mod">
+          <ac:chgData name="Trần Thu Phương" userId="f020fe7c1985b273" providerId="Windows Live" clId="Web-{93A0A090-D88F-434F-96F0-61D39631F6E9}" dt="2019-12-21T08:35:10.531" v="41" actId="20577"/>
+          <ac:spMkLst>
+            <pc:docMk/>
+            <pc:sldMk cId="3541946810" sldId="258"/>
+            <ac:spMk id="3" creationId="{BD5A7F2D-1ED0-4A5C-885E-A3D5E3C82694}"/>
+          </ac:spMkLst>
+        </pc:spChg>
+      </pc:sldChg>
+      <pc:sldChg chg="modSp">
+        <pc:chgData name="Trần Thu Phương" userId="f020fe7c1985b273" providerId="Windows Live" clId="Web-{93A0A090-D88F-434F-96F0-61D39631F6E9}" dt="2019-12-21T08:35:35.203" v="45" actId="1076"/>
+        <pc:sldMkLst>
+          <pc:docMk/>
+          <pc:sldMk cId="788368943" sldId="259"/>
+        </pc:sldMkLst>
+        <pc:spChg chg="mod">
+          <ac:chgData name="Trần Thu Phương" userId="f020fe7c1985b273" providerId="Windows Live" clId="Web-{93A0A090-D88F-434F-96F0-61D39631F6E9}" dt="2019-12-21T08:35:24.875" v="43" actId="20577"/>
+          <ac:spMkLst>
+            <pc:docMk/>
+            <pc:sldMk cId="788368943" sldId="259"/>
+            <ac:spMk id="2" creationId="{440C391B-C68B-4EFC-98AA-DA8931DF341B}"/>
+          </ac:spMkLst>
+        </pc:spChg>
+        <pc:picChg chg="mod">
+          <ac:chgData name="Trần Thu Phương" userId="f020fe7c1985b273" providerId="Windows Live" clId="Web-{93A0A090-D88F-434F-96F0-61D39631F6E9}" dt="2019-12-21T08:35:30.656" v="44" actId="1076"/>
+          <ac:picMkLst>
+            <pc:docMk/>
+            <pc:sldMk cId="788368943" sldId="259"/>
+            <ac:picMk id="6" creationId="{9489AB50-4B91-40E5-99F4-A37E5FE5EDF7}"/>
+          </ac:picMkLst>
+        </pc:picChg>
+        <pc:picChg chg="mod">
+          <ac:chgData name="Trần Thu Phương" userId="f020fe7c1985b273" providerId="Windows Live" clId="Web-{93A0A090-D88F-434F-96F0-61D39631F6E9}" dt="2019-12-21T08:35:35.203" v="45" actId="1076"/>
+          <ac:picMkLst>
+            <pc:docMk/>
+            <pc:sldMk cId="788368943" sldId="259"/>
+            <ac:picMk id="10" creationId="{B9B5D3C1-D3EB-450D-B492-38E8987180FF}"/>
+          </ac:picMkLst>
+        </pc:picChg>
+      </pc:sldChg>
+      <pc:sldChg chg="modSp">
+        <pc:chgData name="Trần Thu Phương" userId="f020fe7c1985b273" providerId="Windows Live" clId="Web-{93A0A090-D88F-434F-96F0-61D39631F6E9}" dt="2019-12-21T08:42:50.706" v="224" actId="20577"/>
+        <pc:sldMkLst>
+          <pc:docMk/>
+          <pc:sldMk cId="989804604" sldId="260"/>
+        </pc:sldMkLst>
+        <pc:spChg chg="mod">
+          <ac:chgData name="Trần Thu Phương" userId="f020fe7c1985b273" providerId="Windows Live" clId="Web-{93A0A090-D88F-434F-96F0-61D39631F6E9}" dt="2019-12-21T08:42:50.706" v="224" actId="20577"/>
+          <ac:spMkLst>
+            <pc:docMk/>
+            <pc:sldMk cId="989804604" sldId="260"/>
+            <ac:spMk id="2" creationId="{2C50911F-64FC-4985-B615-9DD5B40158F4}"/>
+          </ac:spMkLst>
+        </pc:spChg>
+        <pc:spChg chg="mod">
+          <ac:chgData name="Trần Thu Phương" userId="f020fe7c1985b273" providerId="Windows Live" clId="Web-{93A0A090-D88F-434F-96F0-61D39631F6E9}" dt="2019-12-21T08:36:12.094" v="53" actId="1076"/>
+          <ac:spMkLst>
+            <pc:docMk/>
+            <pc:sldMk cId="989804604" sldId="260"/>
+            <ac:spMk id="3" creationId="{EF2C7380-71B5-4475-9DF5-C70B51C1DAA7}"/>
+          </ac:spMkLst>
+        </pc:spChg>
+        <pc:picChg chg="mod">
+          <ac:chgData name="Trần Thu Phương" userId="f020fe7c1985b273" providerId="Windows Live" clId="Web-{93A0A090-D88F-434F-96F0-61D39631F6E9}" dt="2019-12-21T08:36:22.031" v="56" actId="14100"/>
+          <ac:picMkLst>
+            <pc:docMk/>
+            <pc:sldMk cId="989804604" sldId="260"/>
+            <ac:picMk id="4" creationId="{4419B726-8668-4EB9-8745-1D3324F75F15}"/>
+          </ac:picMkLst>
+        </pc:picChg>
+        <pc:picChg chg="mod">
+          <ac:chgData name="Trần Thu Phương" userId="f020fe7c1985b273" providerId="Windows Live" clId="Web-{93A0A090-D88F-434F-96F0-61D39631F6E9}" dt="2019-12-21T08:36:17.422" v="55" actId="1076"/>
+          <ac:picMkLst>
+            <pc:docMk/>
+            <pc:sldMk cId="989804604" sldId="260"/>
+            <ac:picMk id="6" creationId="{4F0F4C72-5AFB-447A-B901-3747AEE29A8A}"/>
+          </ac:picMkLst>
+        </pc:picChg>
+        <pc:picChg chg="mod">
+          <ac:chgData name="Trần Thu Phương" userId="f020fe7c1985b273" providerId="Windows Live" clId="Web-{93A0A090-D88F-434F-96F0-61D39631F6E9}" dt="2019-12-21T08:36:25.781" v="57" actId="1076"/>
+          <ac:picMkLst>
+            <pc:docMk/>
+            <pc:sldMk cId="989804604" sldId="260"/>
+            <ac:picMk id="8" creationId="{3BB04397-2DD6-41EC-8169-074BF3C93488}"/>
+          </ac:picMkLst>
+        </pc:picChg>
+      </pc:sldChg>
+      <pc:sldChg chg="modSp">
+        <pc:chgData name="Trần Thu Phương" userId="f020fe7c1985b273" providerId="Windows Live" clId="Web-{93A0A090-D88F-434F-96F0-61D39631F6E9}" dt="2019-12-21T08:46:37.739" v="271" actId="20577"/>
+        <pc:sldMkLst>
+          <pc:docMk/>
+          <pc:sldMk cId="1837674348" sldId="261"/>
+        </pc:sldMkLst>
+        <pc:spChg chg="mod">
+          <ac:chgData name="Trần Thu Phương" userId="f020fe7c1985b273" providerId="Windows Live" clId="Web-{93A0A090-D88F-434F-96F0-61D39631F6E9}" dt="2019-12-21T08:42:34.331" v="219" actId="20577"/>
+          <ac:spMkLst>
+            <pc:docMk/>
+            <pc:sldMk cId="1837674348" sldId="261"/>
+            <ac:spMk id="2" creationId="{EFFFD7BF-4A23-4812-82E3-6510D2D751FE}"/>
+          </ac:spMkLst>
+        </pc:spChg>
+        <pc:spChg chg="mod">
+          <ac:chgData name="Trần Thu Phương" userId="f020fe7c1985b273" providerId="Windows Live" clId="Web-{93A0A090-D88F-434F-96F0-61D39631F6E9}" dt="2019-12-21T08:46:37.739" v="271" actId="20577"/>
+          <ac:spMkLst>
+            <pc:docMk/>
+            <pc:sldMk cId="1837674348" sldId="261"/>
+            <ac:spMk id="3" creationId="{AD7C4816-CEC9-49E6-82C3-921511DC6766}"/>
+          </ac:spMkLst>
+        </pc:spChg>
+      </pc:sldChg>
+      <pc:sldChg chg="modSp">
+        <pc:chgData name="Trần Thu Phương" userId="f020fe7c1985b273" providerId="Windows Live" clId="Web-{93A0A090-D88F-434F-96F0-61D39631F6E9}" dt="2019-12-21T08:41:35.611" v="180" actId="20577"/>
+        <pc:sldMkLst>
+          <pc:docMk/>
+          <pc:sldMk cId="4760418" sldId="262"/>
+        </pc:sldMkLst>
+        <pc:spChg chg="mod">
+          <ac:chgData name="Trần Thu Phương" userId="f020fe7c1985b273" providerId="Windows Live" clId="Web-{93A0A090-D88F-434F-96F0-61D39631F6E9}" dt="2019-12-21T08:41:35.611" v="180" actId="20577"/>
+          <ac:spMkLst>
+            <pc:docMk/>
+            <pc:sldMk cId="4760418" sldId="262"/>
+            <ac:spMk id="3" creationId="{0B15E4F1-15BC-4453-892E-B5450694B9D7}"/>
+          </ac:spMkLst>
+        </pc:spChg>
+      </pc:sldChg>
+    </pc:docChg>
+  </pc:docChgLst>
+  <pc:docChgLst>
+    <pc:chgData name="Thinh Le" userId="82a42ec170b74f8f" providerId="Windows Live" clId="Web-{C78B4BC9-7320-4F35-9609-DAA60C15AB21}"/>
+    <pc:docChg chg="modSld">
+      <pc:chgData name="Thinh Le" userId="82a42ec170b74f8f" providerId="Windows Live" clId="Web-{C78B4BC9-7320-4F35-9609-DAA60C15AB21}" dt="2019-12-21T08:40:26.853" v="11" actId="1076"/>
+      <pc:docMkLst>
+        <pc:docMk/>
+      </pc:docMkLst>
+      <pc:sldChg chg="modSp">
+        <pc:chgData name="Thinh Le" userId="82a42ec170b74f8f" providerId="Windows Live" clId="Web-{C78B4BC9-7320-4F35-9609-DAA60C15AB21}" dt="2019-12-21T08:36:19.305" v="0" actId="20577"/>
+        <pc:sldMkLst>
+          <pc:docMk/>
+          <pc:sldMk cId="3541946810" sldId="258"/>
+        </pc:sldMkLst>
+        <pc:spChg chg="mod">
+          <ac:chgData name="Thinh Le" userId="82a42ec170b74f8f" providerId="Windows Live" clId="Web-{C78B4BC9-7320-4F35-9609-DAA60C15AB21}" dt="2019-12-21T08:36:19.305" v="0" actId="20577"/>
+          <ac:spMkLst>
+            <pc:docMk/>
+            <pc:sldMk cId="3541946810" sldId="258"/>
+            <ac:spMk id="3" creationId="{BD5A7F2D-1ED0-4A5C-885E-A3D5E3C82694}"/>
+          </ac:spMkLst>
+        </pc:spChg>
+      </pc:sldChg>
+      <pc:sldChg chg="addSp delSp modSp">
+        <pc:chgData name="Thinh Le" userId="82a42ec170b74f8f" providerId="Windows Live" clId="Web-{C78B4BC9-7320-4F35-9609-DAA60C15AB21}" dt="2019-12-21T08:40:26.853" v="11" actId="1076"/>
+        <pc:sldMkLst>
+          <pc:docMk/>
+          <pc:sldMk cId="788368943" sldId="259"/>
+        </pc:sldMkLst>
+        <pc:picChg chg="add mod">
+          <ac:chgData name="Thinh Le" userId="82a42ec170b74f8f" providerId="Windows Live" clId="Web-{C78B4BC9-7320-4F35-9609-DAA60C15AB21}" dt="2019-12-21T08:40:26.853" v="11" actId="1076"/>
+          <ac:picMkLst>
+            <pc:docMk/>
+            <pc:sldMk cId="788368943" sldId="259"/>
+            <ac:picMk id="3" creationId="{509508E8-671D-4212-B354-4CC0A5775471}"/>
+          </ac:picMkLst>
+        </pc:picChg>
+        <pc:picChg chg="del">
+          <ac:chgData name="Thinh Le" userId="82a42ec170b74f8f" providerId="Windows Live" clId="Web-{C78B4BC9-7320-4F35-9609-DAA60C15AB21}" dt="2019-12-21T08:40:14.978" v="9"/>
+          <ac:picMkLst>
+            <pc:docMk/>
+            <pc:sldMk cId="788368943" sldId="259"/>
+            <ac:picMk id="10" creationId="{B9B5D3C1-D3EB-450D-B492-38E8987180FF}"/>
+          </ac:picMkLst>
+        </pc:picChg>
+      </pc:sldChg>
+      <pc:sldChg chg="modSp">
+        <pc:chgData name="Thinh Le" userId="82a42ec170b74f8f" providerId="Windows Live" clId="Web-{C78B4BC9-7320-4F35-9609-DAA60C15AB21}" dt="2019-12-21T08:37:13.618" v="8" actId="20577"/>
+        <pc:sldMkLst>
+          <pc:docMk/>
+          <pc:sldMk cId="1837674348" sldId="261"/>
+        </pc:sldMkLst>
+        <pc:spChg chg="mod">
+          <ac:chgData name="Thinh Le" userId="82a42ec170b74f8f" providerId="Windows Live" clId="Web-{C78B4BC9-7320-4F35-9609-DAA60C15AB21}" dt="2019-12-21T08:37:13.618" v="8" actId="20577"/>
+          <ac:spMkLst>
+            <pc:docMk/>
+            <pc:sldMk cId="1837674348" sldId="261"/>
+            <ac:spMk id="2" creationId="{EFFFD7BF-4A23-4812-82E3-6510D2D751FE}"/>
+          </ac:spMkLst>
+        </pc:spChg>
+      </pc:sldChg>
+    </pc:docChg>
+  </pc:docChgLst>
+  <pc:docChgLst>
+    <pc:chgData name="Người dùng Khách" providerId="Windows Live" clId="Web-{6724D517-B934-48AB-B092-CEB22CB71531}"/>
+    <pc:docChg chg="modSld">
+      <pc:chgData name="Người dùng Khách" userId="" providerId="Windows Live" clId="Web-{6724D517-B934-48AB-B092-CEB22CB71531}" dt="2019-12-21T08:27:03.035" v="116" actId="20577"/>
+      <pc:docMkLst>
+        <pc:docMk/>
+      </pc:docMkLst>
+      <pc:sldChg chg="modSp">
+        <pc:chgData name="Người dùng Khách" userId="" providerId="Windows Live" clId="Web-{6724D517-B934-48AB-B092-CEB22CB71531}" dt="2019-12-21T08:24:18.904" v="30" actId="20577"/>
+        <pc:sldMkLst>
+          <pc:docMk/>
+          <pc:sldMk cId="356326839" sldId="256"/>
+        </pc:sldMkLst>
+        <pc:spChg chg="mod">
+          <ac:chgData name="Người dùng Khách" userId="" providerId="Windows Live" clId="Web-{6724D517-B934-48AB-B092-CEB22CB71531}" dt="2019-12-21T08:24:18.904" v="30" actId="20577"/>
+          <ac:spMkLst>
+            <pc:docMk/>
+            <pc:sldMk cId="356326839" sldId="256"/>
+            <ac:spMk id="2" creationId="{00000000-0000-0000-0000-000000000000}"/>
+          </ac:spMkLst>
+        </pc:spChg>
+        <pc:spChg chg="mod">
+          <ac:chgData name="Người dùng Khách" userId="" providerId="Windows Live" clId="Web-{6724D517-B934-48AB-B092-CEB22CB71531}" dt="2019-12-21T08:23:39.496" v="26" actId="20577"/>
+          <ac:spMkLst>
+            <pc:docMk/>
+            <pc:sldMk cId="356326839" sldId="256"/>
+            <ac:spMk id="3" creationId="{00000000-0000-0000-0000-000000000000}"/>
+          </ac:spMkLst>
+        </pc:spChg>
+      </pc:sldChg>
+      <pc:sldChg chg="modSp">
+        <pc:chgData name="Người dùng Khách" userId="" providerId="Windows Live" clId="Web-{6724D517-B934-48AB-B092-CEB22CB71531}" dt="2019-12-21T08:27:03.032" v="115" actId="20577"/>
+        <pc:sldMkLst>
+          <pc:docMk/>
+          <pc:sldMk cId="3683157201" sldId="257"/>
+        </pc:sldMkLst>
+        <pc:spChg chg="mod">
+          <ac:chgData name="Người dùng Khách" userId="" providerId="Windows Live" clId="Web-{6724D517-B934-48AB-B092-CEB22CB71531}" dt="2019-12-21T08:24:49.711" v="39" actId="20577"/>
+          <ac:spMkLst>
+            <pc:docMk/>
+            <pc:sldMk cId="3683157201" sldId="257"/>
+            <ac:spMk id="2" creationId="{74BCCBF5-F38C-4D7F-AFEB-0EC8E7B99940}"/>
+          </ac:spMkLst>
+        </pc:spChg>
+        <pc:spChg chg="mod">
+          <ac:chgData name="Người dùng Khách" userId="" providerId="Windows Live" clId="Web-{6724D517-B934-48AB-B092-CEB22CB71531}" dt="2019-12-21T08:27:03.032" v="115" actId="20577"/>
+          <ac:spMkLst>
+            <pc:docMk/>
+            <pc:sldMk cId="3683157201" sldId="257"/>
+            <ac:spMk id="3" creationId="{263755E6-F4FD-42B9-9433-97116C8E3259}"/>
+          </ac:spMkLst>
+        </pc:spChg>
+      </pc:sldChg>
+      <pc:sldChg chg="modSp">
+        <pc:chgData name="Người dùng Khách" userId="" providerId="Windows Live" clId="Web-{6724D517-B934-48AB-B092-CEB22CB71531}" dt="2019-12-21T08:26:55.891" v="90" actId="20577"/>
+        <pc:sldMkLst>
+          <pc:docMk/>
+          <pc:sldMk cId="3541946810" sldId="258"/>
+        </pc:sldMkLst>
+        <pc:spChg chg="mod">
+          <ac:chgData name="Người dùng Khách" userId="" providerId="Windows Live" clId="Web-{6724D517-B934-48AB-B092-CEB22CB71531}" dt="2019-12-21T08:26:55.891" v="90" actId="20577"/>
+          <ac:spMkLst>
+            <pc:docMk/>
+            <pc:sldMk cId="3541946810" sldId="258"/>
+            <ac:spMk id="2" creationId="{2C48D3DB-B446-4458-BBE3-721C0777718E}"/>
+          </ac:spMkLst>
+        </pc:spChg>
+        <pc:spChg chg="mod">
+          <ac:chgData name="Người dùng Khách" userId="" providerId="Windows Live" clId="Web-{6724D517-B934-48AB-B092-CEB22CB71531}" dt="2019-12-21T08:25:43.396" v="82" actId="20577"/>
+          <ac:spMkLst>
+            <pc:docMk/>
+            <pc:sldMk cId="3541946810" sldId="258"/>
+            <ac:spMk id="3" creationId="{BD5A7F2D-1ED0-4A5C-885E-A3D5E3C82694}"/>
+          </ac:spMkLst>
+        </pc:spChg>
+      </pc:sldChg>
+      <pc:sldChg chg="modSp">
+        <pc:chgData name="Người dùng Khách" userId="" providerId="Windows Live" clId="Web-{6724D517-B934-48AB-B092-CEB22CB71531}" dt="2019-12-21T08:21:25.762" v="10" actId="20577"/>
+        <pc:sldMkLst>
+          <pc:docMk/>
+          <pc:sldMk cId="989804604" sldId="260"/>
+        </pc:sldMkLst>
+        <pc:spChg chg="mod">
+          <ac:chgData name="Người dùng Khách" userId="" providerId="Windows Live" clId="Web-{6724D517-B934-48AB-B092-CEB22CB71531}" dt="2019-12-21T08:21:25.762" v="10" actId="20577"/>
+          <ac:spMkLst>
+            <pc:docMk/>
+            <pc:sldMk cId="989804604" sldId="260"/>
+            <ac:spMk id="2" creationId="{2C50911F-64FC-4985-B615-9DD5B40158F4}"/>
+          </ac:spMkLst>
+        </pc:spChg>
+      </pc:sldChg>
+    </pc:docChg>
+  </pc:docChgLst>
+  <pc:docChgLst>
+    <pc:chgData name="Thinh Le" userId="82a42ec170b74f8f" providerId="Windows Live" clId="Web-{1BF6B73B-C4D5-4154-AB5E-3D78FE85D8FA}"/>
+    <pc:docChg chg="addSld delSld modSld sldOrd">
+      <pc:chgData name="Thinh Le" userId="82a42ec170b74f8f" providerId="Windows Live" clId="Web-{1BF6B73B-C4D5-4154-AB5E-3D78FE85D8FA}" dt="2019-12-21T06:13:17.524" v="2479"/>
+      <pc:docMkLst>
+        <pc:docMk/>
+      </pc:docMkLst>
+      <pc:sldChg chg="addSp delSp modSp mod setBg setClrOvrMap">
+        <pc:chgData name="Thinh Le" userId="82a42ec170b74f8f" providerId="Windows Live" clId="Web-{1BF6B73B-C4D5-4154-AB5E-3D78FE85D8FA}" dt="2019-12-21T05:41:43.667" v="232"/>
+        <pc:sldMkLst>
+          <pc:docMk/>
+          <pc:sldMk cId="356326839" sldId="256"/>
+        </pc:sldMkLst>
+        <pc:spChg chg="mod">
+          <ac:chgData name="Thinh Le" userId="82a42ec170b74f8f" providerId="Windows Live" clId="Web-{1BF6B73B-C4D5-4154-AB5E-3D78FE85D8FA}" dt="2019-12-21T05:41:43.667" v="232"/>
+          <ac:spMkLst>
+            <pc:docMk/>
+            <pc:sldMk cId="356326839" sldId="256"/>
+            <ac:spMk id="2" creationId="{00000000-0000-0000-0000-000000000000}"/>
+          </ac:spMkLst>
+        </pc:spChg>
+        <pc:spChg chg="mod">
+          <ac:chgData name="Thinh Le" userId="82a42ec170b74f8f" providerId="Windows Live" clId="Web-{1BF6B73B-C4D5-4154-AB5E-3D78FE85D8FA}" dt="2019-12-21T05:41:43.667" v="232"/>
+          <ac:spMkLst>
+            <pc:docMk/>
+            <pc:sldMk cId="356326839" sldId="256"/>
+            <ac:spMk id="3" creationId="{00000000-0000-0000-0000-000000000000}"/>
+          </ac:spMkLst>
+        </pc:spChg>
+        <pc:spChg chg="add del">
+          <ac:chgData name="Thinh Le" userId="82a42ec170b74f8f" providerId="Windows Live" clId="Web-{1BF6B73B-C4D5-4154-AB5E-3D78FE85D8FA}" dt="2019-12-21T05:40:01.745" v="60"/>
+          <ac:spMkLst>
+            <pc:docMk/>
+            <pc:sldMk cId="356326839" sldId="256"/>
+            <ac:spMk id="6" creationId="{56981798-4550-46DA-9172-4846E2FB66EC}"/>
+          </ac:spMkLst>
+        </pc:spChg>
+        <pc:spChg chg="add del">
+          <ac:chgData name="Thinh Le" userId="82a42ec170b74f8f" providerId="Windows Live" clId="Web-{1BF6B73B-C4D5-4154-AB5E-3D78FE85D8FA}" dt="2019-12-21T05:40:01.745" v="60"/>
+          <ac:spMkLst>
+            <pc:docMk/>
+            <pc:sldMk cId="356326839" sldId="256"/>
+            <ac:spMk id="7" creationId="{D82EB7D3-3AD8-4ED1-9E1A-2906E14635E3}"/>
+          </ac:spMkLst>
+        </pc:spChg>
+        <pc:spChg chg="add del">
+          <ac:chgData name="Thinh Le" userId="82a42ec170b74f8f" providerId="Windows Live" clId="Web-{1BF6B73B-C4D5-4154-AB5E-3D78FE85D8FA}" dt="2019-12-21T05:38:51.495" v="3"/>
+          <ac:spMkLst>
+            <pc:docMk/>
+            <pc:sldMk cId="356326839" sldId="256"/>
+            <ac:spMk id="9" creationId="{11CAC6F2-0806-417B-BF5D-5AEF6195FA49}"/>
+          </ac:spMkLst>
+        </pc:spChg>
+        <pc:spChg chg="add del">
+          <ac:chgData name="Thinh Le" userId="82a42ec170b74f8f" providerId="Windows Live" clId="Web-{1BF6B73B-C4D5-4154-AB5E-3D78FE85D8FA}" dt="2019-12-21T05:38:51.495" v="3"/>
+          <ac:spMkLst>
+            <pc:docMk/>
+            <pc:sldMk cId="356326839" sldId="256"/>
+            <ac:spMk id="11" creationId="{D4723B02-0AAB-4F6E-BA41-8ED99D559D93}"/>
+          </ac:spMkLst>
+        </pc:spChg>
+        <pc:spChg chg="add del">
+          <ac:chgData name="Thinh Le" userId="82a42ec170b74f8f" providerId="Windows Live" clId="Web-{1BF6B73B-C4D5-4154-AB5E-3D78FE85D8FA}" dt="2019-12-21T05:40:01.745" v="60"/>
+          <ac:spMkLst>
+            <pc:docMk/>
+            <pc:sldMk cId="356326839" sldId="256"/>
+            <ac:spMk id="13" creationId="{2D529E20-662F-4915-ACD7-970C026FDB7F}"/>
+          </ac:spMkLst>
+        </pc:spChg>
+        <pc:spChg chg="add del">
+          <ac:chgData name="Thinh Le" userId="82a42ec170b74f8f" providerId="Windows Live" clId="Web-{1BF6B73B-C4D5-4154-AB5E-3D78FE85D8FA}" dt="2019-12-21T05:40:01.729" v="59"/>
+          <ac:spMkLst>
+            <pc:docMk/>
+            <pc:sldMk cId="356326839" sldId="256"/>
+            <ac:spMk id="18" creationId="{56981798-4550-46DA-9172-4846E2FB66EC}"/>
+          </ac:spMkLst>
+        </pc:spChg>
+        <pc:spChg chg="add del">
+          <ac:chgData name="Thinh Le" userId="82a42ec170b74f8f" providerId="Windows Live" clId="Web-{1BF6B73B-C4D5-4154-AB5E-3D78FE85D8FA}" dt="2019-12-21T05:40:01.729" v="59"/>
+          <ac:spMkLst>
+            <pc:docMk/>
+            <pc:sldMk cId="356326839" sldId="256"/>
+            <ac:spMk id="20" creationId="{D82EB7D3-3AD8-4ED1-9E1A-2906E14635E3}"/>
+          </ac:spMkLst>
+        </pc:spChg>
+        <pc:spChg chg="add del">
+          <ac:chgData name="Thinh Le" userId="82a42ec170b74f8f" providerId="Windows Live" clId="Web-{1BF6B73B-C4D5-4154-AB5E-3D78FE85D8FA}" dt="2019-12-21T05:40:01.729" v="59"/>
+          <ac:spMkLst>
+            <pc:docMk/>
+            <pc:sldMk cId="356326839" sldId="256"/>
+            <ac:spMk id="22" creationId="{2D529E20-662F-4915-ACD7-970C026FDB7F}"/>
+          </ac:spMkLst>
+        </pc:spChg>
+        <pc:spChg chg="add">
+          <ac:chgData name="Thinh Le" userId="82a42ec170b74f8f" providerId="Windows Live" clId="Web-{1BF6B73B-C4D5-4154-AB5E-3D78FE85D8FA}" dt="2019-12-21T05:41:43.667" v="232"/>
+          <ac:spMkLst>
+            <pc:docMk/>
+            <pc:sldMk cId="356326839" sldId="256"/>
+            <ac:spMk id="23" creationId="{4E212B76-74CB-461F-90A3-EF4F2397A883}"/>
+          </ac:spMkLst>
+        </pc:spChg>
+        <pc:spChg chg="add">
+          <ac:chgData name="Thinh Le" userId="82a42ec170b74f8f" providerId="Windows Live" clId="Web-{1BF6B73B-C4D5-4154-AB5E-3D78FE85D8FA}" dt="2019-12-21T05:41:43.667" v="232"/>
+          <ac:spMkLst>
+            <pc:docMk/>
+            <pc:sldMk cId="356326839" sldId="256"/>
+            <ac:spMk id="24" creationId="{81E746D0-4B37-4869-B2EF-79D5F0FFFBC9}"/>
+          </ac:spMkLst>
+        </pc:spChg>
+        <pc:spChg chg="add del">
+          <ac:chgData name="Thinh Le" userId="82a42ec170b74f8f" providerId="Windows Live" clId="Web-{1BF6B73B-C4D5-4154-AB5E-3D78FE85D8FA}" dt="2019-12-21T05:41:43.651" v="231"/>
+          <ac:spMkLst>
+            <pc:docMk/>
+            <pc:sldMk cId="356326839" sldId="256"/>
+            <ac:spMk id="26" creationId="{11CAC6F2-0806-417B-BF5D-5AEF6195FA49}"/>
+          </ac:spMkLst>
+        </pc:spChg>
+        <pc:spChg chg="add del">
+          <ac:chgData name="Thinh Le" userId="82a42ec170b74f8f" providerId="Windows Live" clId="Web-{1BF6B73B-C4D5-4154-AB5E-3D78FE85D8FA}" dt="2019-12-21T05:41:43.651" v="231"/>
+          <ac:spMkLst>
+            <pc:docMk/>
+            <pc:sldMk cId="356326839" sldId="256"/>
+            <ac:spMk id="28" creationId="{D4723B02-0AAB-4F6E-BA41-8ED99D559D93}"/>
+          </ac:spMkLst>
+        </pc:spChg>
+        <pc:grpChg chg="add del">
+          <ac:chgData name="Thinh Le" userId="82a42ec170b74f8f" providerId="Windows Live" clId="Web-{1BF6B73B-C4D5-4154-AB5E-3D78FE85D8FA}" dt="2019-12-21T05:41:43.667" v="232"/>
+          <ac:grpSpMkLst>
+            <pc:docMk/>
+            <pc:sldMk cId="356326839" sldId="256"/>
+            <ac:grpSpMk id="15" creationId="{7E2D86BB-893F-471B-AD66-50E01777C082}"/>
+          </ac:grpSpMkLst>
+        </pc:grpChg>
+        <pc:picChg chg="add mod">
+          <ac:chgData name="Thinh Le" userId="82a42ec170b74f8f" providerId="Windows Live" clId="Web-{1BF6B73B-C4D5-4154-AB5E-3D78FE85D8FA}" dt="2019-12-21T05:41:43.667" v="232"/>
+          <ac:picMkLst>
+            <pc:docMk/>
+            <pc:sldMk cId="356326839" sldId="256"/>
+            <ac:picMk id="4" creationId="{EA3D2D5F-A069-4CE3-B042-20233ECA7BD5}"/>
+          </ac:picMkLst>
+        </pc:picChg>
+      </pc:sldChg>
+      <pc:sldChg chg="modSp new">
+        <pc:chgData name="Thinh Le" userId="82a42ec170b74f8f" providerId="Windows Live" clId="Web-{1BF6B73B-C4D5-4154-AB5E-3D78FE85D8FA}" dt="2019-12-21T05:43:11.995" v="379" actId="20577"/>
+        <pc:sldMkLst>
+          <pc:docMk/>
+          <pc:sldMk cId="3683157201" sldId="257"/>
+        </pc:sldMkLst>
+        <pc:spChg chg="mod">
+          <ac:chgData name="Thinh Le" userId="82a42ec170b74f8f" providerId="Windows Live" clId="Web-{1BF6B73B-C4D5-4154-AB5E-3D78FE85D8FA}" dt="2019-12-21T05:42:20.088" v="246" actId="20577"/>
+          <ac:spMkLst>
+            <pc:docMk/>
+            <pc:sldMk cId="3683157201" sldId="257"/>
+            <ac:spMk id="2" creationId="{74BCCBF5-F38C-4D7F-AFEB-0EC8E7B99940}"/>
+          </ac:spMkLst>
+        </pc:spChg>
+        <pc:spChg chg="mod">
+          <ac:chgData name="Thinh Le" userId="82a42ec170b74f8f" providerId="Windows Live" clId="Web-{1BF6B73B-C4D5-4154-AB5E-3D78FE85D8FA}" dt="2019-12-21T05:43:11.995" v="379" actId="20577"/>
+          <ac:spMkLst>
+            <pc:docMk/>
+            <pc:sldMk cId="3683157201" sldId="257"/>
+            <ac:spMk id="3" creationId="{263755E6-F4FD-42B9-9433-97116C8E3259}"/>
+          </ac:spMkLst>
+        </pc:spChg>
+      </pc:sldChg>
+      <pc:sldChg chg="modSp new">
+        <pc:chgData name="Thinh Le" userId="82a42ec170b74f8f" providerId="Windows Live" clId="Web-{1BF6B73B-C4D5-4154-AB5E-3D78FE85D8FA}" dt="2019-12-21T05:53:27.311" v="1415" actId="20577"/>
+        <pc:sldMkLst>
+          <pc:docMk/>
+          <pc:sldMk cId="3541946810" sldId="258"/>
+        </pc:sldMkLst>
+        <pc:spChg chg="mod">
+          <ac:chgData name="Thinh Le" userId="82a42ec170b74f8f" providerId="Windows Live" clId="Web-{1BF6B73B-C4D5-4154-AB5E-3D78FE85D8FA}" dt="2019-12-21T05:43:42.839" v="395" actId="20577"/>
+          <ac:spMkLst>
+            <pc:docMk/>
+            <pc:sldMk cId="3541946810" sldId="258"/>
+            <ac:spMk id="2" creationId="{2C48D3DB-B446-4458-BBE3-721C0777718E}"/>
+          </ac:spMkLst>
+        </pc:spChg>
+        <pc:spChg chg="mod">
+          <ac:chgData name="Thinh Le" userId="82a42ec170b74f8f" providerId="Windows Live" clId="Web-{1BF6B73B-C4D5-4154-AB5E-3D78FE85D8FA}" dt="2019-12-21T05:53:27.311" v="1415" actId="20577"/>
+          <ac:spMkLst>
+            <pc:docMk/>
+            <pc:sldMk cId="3541946810" sldId="258"/>
+            <ac:spMk id="3" creationId="{BD5A7F2D-1ED0-4A5C-885E-A3D5E3C82694}"/>
+          </ac:spMkLst>
+        </pc:spChg>
+      </pc:sldChg>
+      <pc:sldChg chg="addSp delSp modSp new">
+        <pc:chgData name="Thinh Le" userId="82a42ec170b74f8f" providerId="Windows Live" clId="Web-{1BF6B73B-C4D5-4154-AB5E-3D78FE85D8FA}" dt="2019-12-21T05:56:12.532" v="1450" actId="1076"/>
+        <pc:sldMkLst>
+          <pc:docMk/>
+          <pc:sldMk cId="788368943" sldId="259"/>
+        </pc:sldMkLst>
+        <pc:spChg chg="mod">
+          <ac:chgData name="Thinh Le" userId="82a42ec170b74f8f" providerId="Windows Live" clId="Web-{1BF6B73B-C4D5-4154-AB5E-3D78FE85D8FA}" dt="2019-12-21T05:53:42.295" v="1436" actId="20577"/>
+          <ac:spMkLst>
+            <pc:docMk/>
+            <pc:sldMk cId="788368943" sldId="259"/>
+            <ac:spMk id="2" creationId="{440C391B-C68B-4EFC-98AA-DA8931DF341B}"/>
+          </ac:spMkLst>
+        </pc:spChg>
+        <pc:spChg chg="del">
+          <ac:chgData name="Thinh Le" userId="82a42ec170b74f8f" providerId="Windows Live" clId="Web-{1BF6B73B-C4D5-4154-AB5E-3D78FE85D8FA}" dt="2019-12-21T05:54:14.154" v="1437"/>
+          <ac:spMkLst>
+            <pc:docMk/>
+            <pc:sldMk cId="788368943" sldId="259"/>
+            <ac:spMk id="3" creationId="{1A070D59-8BF9-4B67-BD73-85CE7C5EE074}"/>
+          </ac:spMkLst>
+        </pc:spChg>
+        <pc:picChg chg="add mod ord">
+          <ac:chgData name="Thinh Le" userId="82a42ec170b74f8f" providerId="Windows Live" clId="Web-{1BF6B73B-C4D5-4154-AB5E-3D78FE85D8FA}" dt="2019-12-21T05:56:04.532" v="1448" actId="1076"/>
+          <ac:picMkLst>
+            <pc:docMk/>
+            <pc:sldMk cId="788368943" sldId="259"/>
+            <ac:picMk id="4" creationId="{1B71C4E6-F645-47CF-A840-7EDFA94AC711}"/>
+          </ac:picMkLst>
+        </pc:picChg>
+        <pc:picChg chg="add mod">
+          <ac:chgData name="Thinh Le" userId="82a42ec170b74f8f" providerId="Windows Live" clId="Web-{1BF6B73B-C4D5-4154-AB5E-3D78FE85D8FA}" dt="2019-12-21T05:56:03.282" v="1447" actId="1076"/>
+          <ac:picMkLst>
+            <pc:docMk/>
+            <pc:sldMk cId="788368943" sldId="259"/>
+            <ac:picMk id="6" creationId="{9489AB50-4B91-40E5-99F4-A37E5FE5EDF7}"/>
+          </ac:picMkLst>
+        </pc:picChg>
+        <pc:picChg chg="add mod">
+          <ac:chgData name="Thinh Le" userId="82a42ec170b74f8f" providerId="Windows Live" clId="Web-{1BF6B73B-C4D5-4154-AB5E-3D78FE85D8FA}" dt="2019-12-21T05:56:12.532" v="1450" actId="1076"/>
+          <ac:picMkLst>
+            <pc:docMk/>
+            <pc:sldMk cId="788368943" sldId="259"/>
+            <ac:picMk id="8" creationId="{DA83D9BE-565F-441F-9C27-2C8C24ECF198}"/>
+          </ac:picMkLst>
+        </pc:picChg>
+        <pc:picChg chg="add mod">
+          <ac:chgData name="Thinh Le" userId="82a42ec170b74f8f" providerId="Windows Live" clId="Web-{1BF6B73B-C4D5-4154-AB5E-3D78FE85D8FA}" dt="2019-12-21T05:56:10.329" v="1449" actId="1076"/>
+          <ac:picMkLst>
+            <pc:docMk/>
+            <pc:sldMk cId="788368943" sldId="259"/>
+            <ac:picMk id="10" creationId="{B9B5D3C1-D3EB-450D-B492-38E8987180FF}"/>
+          </ac:picMkLst>
+        </pc:picChg>
+      </pc:sldChg>
+      <pc:sldChg chg="addSp modSp new">
+        <pc:chgData name="Thinh Le" userId="82a42ec170b74f8f" providerId="Windows Live" clId="Web-{1BF6B73B-C4D5-4154-AB5E-3D78FE85D8FA}" dt="2019-12-21T05:58:44.016" v="1556" actId="1076"/>
+        <pc:sldMkLst>
+          <pc:docMk/>
+          <pc:sldMk cId="989804604" sldId="260"/>
+        </pc:sldMkLst>
+        <pc:spChg chg="mod">
+          <ac:chgData name="Thinh Le" userId="82a42ec170b74f8f" providerId="Windows Live" clId="Web-{1BF6B73B-C4D5-4154-AB5E-3D78FE85D8FA}" dt="2019-12-21T05:57:01.516" v="1470" actId="20577"/>
+          <ac:spMkLst>
+            <pc:docMk/>
+            <pc:sldMk cId="989804604" sldId="260"/>
+            <ac:spMk id="2" creationId="{2C50911F-64FC-4985-B615-9DD5B40158F4}"/>
+          </ac:spMkLst>
+        </pc:spChg>
+        <pc:spChg chg="mod">
+          <ac:chgData name="Thinh Le" userId="82a42ec170b74f8f" providerId="Windows Live" clId="Web-{1BF6B73B-C4D5-4154-AB5E-3D78FE85D8FA}" dt="2019-12-21T05:57:53.407" v="1546" actId="20577"/>
+          <ac:spMkLst>
+            <pc:docMk/>
+            <pc:sldMk cId="989804604" sldId="260"/>
+            <ac:spMk id="3" creationId="{EF2C7380-71B5-4475-9DF5-C70B51C1DAA7}"/>
+          </ac:spMkLst>
+        </pc:spChg>
+        <pc:picChg chg="add mod">
+          <ac:chgData name="Thinh Le" userId="82a42ec170b74f8f" providerId="Windows Live" clId="Web-{1BF6B73B-C4D5-4154-AB5E-3D78FE85D8FA}" dt="2019-12-21T05:58:39.626" v="1554" actId="1076"/>
+          <ac:picMkLst>
+            <pc:docMk/>
+            <pc:sldMk cId="989804604" sldId="260"/>
+            <ac:picMk id="4" creationId="{4419B726-8668-4EB9-8745-1D3324F75F15}"/>
+          </ac:picMkLst>
+        </pc:picChg>
+        <pc:picChg chg="add mod">
+          <ac:chgData name="Thinh Le" userId="82a42ec170b74f8f" providerId="Windows Live" clId="Web-{1BF6B73B-C4D5-4154-AB5E-3D78FE85D8FA}" dt="2019-12-21T05:58:44.016" v="1556" actId="1076"/>
+          <ac:picMkLst>
+            <pc:docMk/>
+            <pc:sldMk cId="989804604" sldId="260"/>
+            <ac:picMk id="6" creationId="{4F0F4C72-5AFB-447A-B901-3747AEE29A8A}"/>
+          </ac:picMkLst>
+        </pc:picChg>
+        <pc:picChg chg="add mod">
+          <ac:chgData name="Thinh Le" userId="82a42ec170b74f8f" providerId="Windows Live" clId="Web-{1BF6B73B-C4D5-4154-AB5E-3D78FE85D8FA}" dt="2019-12-21T05:58:41.985" v="1555" actId="1076"/>
+          <ac:picMkLst>
+            <pc:docMk/>
+            <pc:sldMk cId="989804604" sldId="260"/>
+            <ac:picMk id="8" creationId="{3BB04397-2DD6-41EC-8169-074BF3C93488}"/>
+          </ac:picMkLst>
+        </pc:picChg>
+      </pc:sldChg>
+      <pc:sldChg chg="modSp new">
+        <pc:chgData name="Thinh Le" userId="82a42ec170b74f8f" providerId="Windows Live" clId="Web-{1BF6B73B-C4D5-4154-AB5E-3D78FE85D8FA}" dt="2019-12-21T06:12:00.336" v="2447" actId="20577"/>
+        <pc:sldMkLst>
+          <pc:docMk/>
+          <pc:sldMk cId="1837674348" sldId="261"/>
+        </pc:sldMkLst>
+        <pc:spChg chg="mod">
+          <ac:chgData name="Thinh Le" userId="82a42ec170b74f8f" providerId="Windows Live" clId="Web-{1BF6B73B-C4D5-4154-AB5E-3D78FE85D8FA}" dt="2019-12-21T06:05:46.039" v="1630" actId="20577"/>
+          <ac:spMkLst>
+            <pc:docMk/>
+            <pc:sldMk cId="1837674348" sldId="261"/>
+            <ac:spMk id="2" creationId="{EFFFD7BF-4A23-4812-82E3-6510D2D751FE}"/>
+          </ac:spMkLst>
+        </pc:spChg>
+        <pc:spChg chg="mod">
+          <ac:chgData name="Thinh Le" userId="82a42ec170b74f8f" providerId="Windows Live" clId="Web-{1BF6B73B-C4D5-4154-AB5E-3D78FE85D8FA}" dt="2019-12-21T06:12:00.336" v="2447" actId="20577"/>
+          <ac:spMkLst>
+            <pc:docMk/>
+            <pc:sldMk cId="1837674348" sldId="261"/>
+            <ac:spMk id="3" creationId="{AD7C4816-CEC9-49E6-82C3-921511DC6766}"/>
+          </ac:spMkLst>
+        </pc:spChg>
+      </pc:sldChg>
+      <pc:sldChg chg="addSp modSp new del">
+        <pc:chgData name="Thinh Le" userId="82a42ec170b74f8f" providerId="Windows Live" clId="Web-{1BF6B73B-C4D5-4154-AB5E-3D78FE85D8FA}" dt="2019-12-21T06:05:12.111" v="1611"/>
+        <pc:sldMkLst>
+          <pc:docMk/>
+          <pc:sldMk cId="3005811682" sldId="261"/>
+        </pc:sldMkLst>
+        <pc:spChg chg="add mod">
+          <ac:chgData name="Thinh Le" userId="82a42ec170b74f8f" providerId="Windows Live" clId="Web-{1BF6B73B-C4D5-4154-AB5E-3D78FE85D8FA}" dt="2019-12-21T06:04:29.986" v="1608" actId="20577"/>
+          <ac:spMkLst>
+            <pc:docMk/>
+            <pc:sldMk cId="3005811682" sldId="261"/>
+            <ac:spMk id="2" creationId="{6721DD74-C209-4750-8AD0-E8E7DDA5BBDE}"/>
+          </ac:spMkLst>
+        </pc:spChg>
+        <pc:spChg chg="add mod">
+          <ac:chgData name="Thinh Le" userId="82a42ec170b74f8f" providerId="Windows Live" clId="Web-{1BF6B73B-C4D5-4154-AB5E-3D78FE85D8FA}" dt="2019-12-21T06:04:27.033" v="1605" actId="20577"/>
+          <ac:spMkLst>
+            <pc:docMk/>
+            <pc:sldMk cId="3005811682" sldId="261"/>
+            <ac:spMk id="3" creationId="{0E6AB02B-499B-4B2B-AA5A-D607F37FF7CC}"/>
+          </ac:spMkLst>
+        </pc:spChg>
+      </pc:sldChg>
+      <pc:sldChg chg="new del">
+        <pc:chgData name="Thinh Le" userId="82a42ec170b74f8f" providerId="Windows Live" clId="Web-{1BF6B73B-C4D5-4154-AB5E-3D78FE85D8FA}" dt="2019-12-21T05:59:12.141" v="1558"/>
+        <pc:sldMkLst>
+          <pc:docMk/>
+          <pc:sldMk cId="3943542664" sldId="261"/>
+        </pc:sldMkLst>
+      </pc:sldChg>
+      <pc:sldChg chg="modSp new ord">
+        <pc:chgData name="Thinh Le" userId="82a42ec170b74f8f" providerId="Windows Live" clId="Web-{1BF6B73B-C4D5-4154-AB5E-3D78FE85D8FA}" dt="2019-12-21T06:13:17.524" v="2479"/>
+        <pc:sldMkLst>
+          <pc:docMk/>
+          <pc:sldMk cId="4760418" sldId="262"/>
+        </pc:sldMkLst>
+        <pc:spChg chg="mod">
+          <ac:chgData name="Thinh Le" userId="82a42ec170b74f8f" providerId="Windows Live" clId="Web-{1BF6B73B-C4D5-4154-AB5E-3D78FE85D8FA}" dt="2019-12-21T06:12:43.274" v="2476" actId="20577"/>
+          <ac:spMkLst>
+            <pc:docMk/>
+            <pc:sldMk cId="4760418" sldId="262"/>
+            <ac:spMk id="3" creationId="{0B15E4F1-15BC-4453-892E-B5450694B9D7}"/>
+          </ac:spMkLst>
+        </pc:spChg>
+      </pc:sldChg>
+    </pc:docChg>
+  </pc:docChgLst>
+</pc:chgInfo>
 </file>
 
 <file path=ppt/slideLayouts/slideLayout1.xml><?xml version="1.0" encoding="utf-8"?>
@@ -305,7 +983,6 @@
               <a:rPr lang="en-US"/>
               <a:t>Click to edit Master title style</a:t>
             </a:r>
-            <a:endParaRPr lang="en-US" dirty="0"/>
           </a:p>
         </p:txBody>
       </p:sp>
@@ -425,7 +1102,6 @@
               <a:rPr lang="en-US"/>
               <a:t>Click to edit Master subtitle style</a:t>
             </a:r>
-            <a:endParaRPr lang="en-US" dirty="0"/>
           </a:p>
         </p:txBody>
       </p:sp>
@@ -462,9 +1138,9 @@
             <a:fld id="{5923F103-BC34-4FE4-A40E-EDDEECFDA5D0}" type="datetimeFigureOut">
               <a:rPr lang="en-US" dirty="0"/>
               <a:pPr/>
-              <a:t>12/20/2019</a:t>
+              <a:t>12/21/2019</a:t>
             </a:fld>
-            <a:endParaRPr lang="en-US" dirty="0"/>
+            <a:endParaRPr lang="en-US"/>
           </a:p>
         </p:txBody>
       </p:sp>
@@ -498,7 +1174,7 @@
             </a:lvl1pPr>
           </a:lstStyle>
           <a:p>
-            <a:endParaRPr lang="en-US" dirty="0"/>
+            <a:endParaRPr lang="en-US"/>
           </a:p>
         </p:txBody>
       </p:sp>
@@ -563,7 +1239,7 @@
               <a:pPr/>
               <a:t>‹#›</a:t>
             </a:fld>
-            <a:endParaRPr lang="en-US" dirty="0"/>
+            <a:endParaRPr lang="en-US"/>
           </a:p>
         </p:txBody>
       </p:sp>
@@ -1372,7 +2048,6 @@
               <a:rPr lang="en-US"/>
               <a:t>Click to edit Master title style</a:t>
             </a:r>
-            <a:endParaRPr lang="en-US" dirty="0"/>
           </a:p>
         </p:txBody>
       </p:sp>
@@ -1451,7 +2126,6 @@
               <a:rPr lang="en-US"/>
               <a:t>Click icon to add picture</a:t>
             </a:r>
-            <a:endParaRPr lang="en-US" dirty="0"/>
           </a:p>
         </p:txBody>
       </p:sp>
@@ -1546,9 +2220,9 @@
           <a:p>
             <a:fld id="{923A1CC3-2375-41D4-9E03-427CAF2A4C1A}" type="datetimeFigureOut">
               <a:rPr lang="en-US" dirty="0"/>
-              <a:t>12/20/2019</a:t>
+              <a:t>12/21/2019</a:t>
             </a:fld>
-            <a:endParaRPr lang="en-US" dirty="0"/>
+            <a:endParaRPr lang="en-US"/>
           </a:p>
         </p:txBody>
       </p:sp>
@@ -1567,7 +2241,7 @@
           <a:bodyPr/>
           <a:lstStyle/>
           <a:p>
-            <a:endParaRPr lang="en-US" dirty="0"/>
+            <a:endParaRPr lang="en-US"/>
           </a:p>
         </p:txBody>
       </p:sp>
@@ -1627,7 +2301,7 @@
               <a:pPr/>
               <a:t>‹#›</a:t>
             </a:fld>
-            <a:endParaRPr lang="en-US" dirty="0"/>
+            <a:endParaRPr lang="en-US"/>
           </a:p>
         </p:txBody>
       </p:sp>
@@ -2434,7 +3108,6 @@
               <a:rPr lang="en-US"/>
               <a:t>Click to edit Master title style</a:t>
             </a:r>
-            <a:endParaRPr lang="en-US" dirty="0"/>
           </a:p>
         </p:txBody>
       </p:sp>
@@ -2522,9 +3195,9 @@
           <a:p>
             <a:fld id="{AFF16868-8199-4C2C-A5B1-63AEE139F88E}" type="datetimeFigureOut">
               <a:rPr lang="en-US" dirty="0"/>
-              <a:t>12/20/2019</a:t>
+              <a:t>12/21/2019</a:t>
             </a:fld>
-            <a:endParaRPr lang="en-US" dirty="0"/>
+            <a:endParaRPr lang="en-US"/>
           </a:p>
         </p:txBody>
       </p:sp>
@@ -2543,7 +3216,7 @@
           <a:bodyPr/>
           <a:lstStyle/>
           <a:p>
-            <a:endParaRPr lang="en-US" dirty="0"/>
+            <a:endParaRPr lang="en-US"/>
           </a:p>
         </p:txBody>
       </p:sp>
@@ -2603,7 +3276,7 @@
               <a:pPr/>
               <a:t>‹#›</a:t>
             </a:fld>
-            <a:endParaRPr lang="en-US" dirty="0"/>
+            <a:endParaRPr lang="en-US"/>
           </a:p>
         </p:txBody>
       </p:sp>
@@ -3406,7 +4079,7 @@
           <a:p>
             <a:pPr algn="r"/>
             <a:r>
-              <a:rPr lang="en-US" sz="9600" b="0" i="0" dirty="0">
+              <a:rPr lang="en-US" sz="9600" b="0" i="0">
                 <a:solidFill>
                   <a:schemeClr val="accent1">
                     <a:lumMod val="60000"/>
@@ -3445,7 +4118,7 @@
           <a:p>
             <a:pPr algn="r"/>
             <a:r>
-              <a:rPr lang="en-US" sz="9600" b="0" i="0" dirty="0">
+              <a:rPr lang="en-US" sz="9600" b="0" i="0">
                 <a:solidFill>
                   <a:schemeClr val="accent1">
                     <a:lumMod val="60000"/>
@@ -3488,7 +4161,6 @@
               <a:rPr lang="en-US"/>
               <a:t>Click to edit Master title style</a:t>
             </a:r>
-            <a:endParaRPr lang="en-US" dirty="0"/>
           </a:p>
         </p:txBody>
       </p:sp>
@@ -3652,9 +4324,9 @@
           <a:p>
             <a:fld id="{AAD9FF7F-6988-44CC-821B-644E70CD2F73}" type="datetimeFigureOut">
               <a:rPr lang="en-US" dirty="0"/>
-              <a:t>12/20/2019</a:t>
+              <a:t>12/21/2019</a:t>
             </a:fld>
-            <a:endParaRPr lang="en-US" dirty="0"/>
+            <a:endParaRPr lang="en-US"/>
           </a:p>
         </p:txBody>
       </p:sp>
@@ -3673,7 +4345,7 @@
           <a:bodyPr/>
           <a:lstStyle/>
           <a:p>
-            <a:endParaRPr lang="en-US" dirty="0"/>
+            <a:endParaRPr lang="en-US"/>
           </a:p>
         </p:txBody>
       </p:sp>
@@ -3733,7 +4405,7 @@
               <a:pPr/>
               <a:t>‹#›</a:t>
             </a:fld>
-            <a:endParaRPr lang="en-US" dirty="0"/>
+            <a:endParaRPr lang="en-US"/>
           </a:p>
         </p:txBody>
       </p:sp>
@@ -4540,7 +5212,6 @@
               <a:rPr lang="en-US"/>
               <a:t>Click to edit Master title style</a:t>
             </a:r>
-            <a:endParaRPr lang="en-US" dirty="0"/>
           </a:p>
         </p:txBody>
       </p:sp>
@@ -4681,9 +5352,9 @@
           <a:p>
             <a:fld id="{5C12C299-16B2-4475-990D-751901EACC14}" type="datetimeFigureOut">
               <a:rPr lang="en-US" dirty="0"/>
-              <a:t>12/20/2019</a:t>
+              <a:t>12/21/2019</a:t>
             </a:fld>
-            <a:endParaRPr lang="en-US" dirty="0"/>
+            <a:endParaRPr lang="en-US"/>
           </a:p>
         </p:txBody>
       </p:sp>
@@ -4702,7 +5373,7 @@
           <a:bodyPr/>
           <a:lstStyle/>
           <a:p>
-            <a:endParaRPr lang="en-US" dirty="0"/>
+            <a:endParaRPr lang="en-US"/>
           </a:p>
         </p:txBody>
       </p:sp>
@@ -4762,7 +5433,7 @@
               <a:pPr/>
               <a:t>‹#›</a:t>
             </a:fld>
-            <a:endParaRPr lang="en-US" dirty="0"/>
+            <a:endParaRPr lang="en-US"/>
           </a:p>
         </p:txBody>
       </p:sp>
@@ -4819,7 +5490,6 @@
               <a:rPr lang="en-US"/>
               <a:t>Click to edit Master title style</a:t>
             </a:r>
-            <a:endParaRPr lang="en-US" dirty="0"/>
           </a:p>
         </p:txBody>
       </p:sp>
@@ -5337,9 +6007,9 @@
           <a:p>
             <a:fld id="{9FE86839-B9D8-4651-8783-F325ECE74E65}" type="datetimeFigureOut">
               <a:rPr lang="en-US" dirty="0"/>
-              <a:t>12/20/2019</a:t>
+              <a:t>12/21/2019</a:t>
             </a:fld>
-            <a:endParaRPr lang="en-US" dirty="0"/>
+            <a:endParaRPr lang="en-US"/>
           </a:p>
         </p:txBody>
       </p:sp>
@@ -5358,7 +6028,7 @@
           <a:bodyPr/>
           <a:lstStyle/>
           <a:p>
-            <a:endParaRPr lang="en-US" dirty="0"/>
+            <a:endParaRPr lang="en-US"/>
           </a:p>
         </p:txBody>
       </p:sp>
@@ -5382,7 +6052,7 @@
               <a:pPr/>
               <a:t>‹#›</a:t>
             </a:fld>
-            <a:endParaRPr lang="en-US" dirty="0"/>
+            <a:endParaRPr lang="en-US"/>
           </a:p>
         </p:txBody>
       </p:sp>
@@ -5439,7 +6109,6 @@
               <a:rPr lang="en-US"/>
               <a:t>Click to edit Master title style</a:t>
             </a:r>
-            <a:endParaRPr lang="en-US" dirty="0"/>
           </a:p>
         </p:txBody>
       </p:sp>
@@ -5592,7 +6261,6 @@
               <a:rPr lang="en-US"/>
               <a:t>Click icon to add picture</a:t>
             </a:r>
-            <a:endParaRPr lang="en-US" dirty="0"/>
           </a:p>
         </p:txBody>
       </p:sp>
@@ -5812,7 +6480,6 @@
               <a:rPr lang="en-US"/>
               <a:t>Click icon to add picture</a:t>
             </a:r>
-            <a:endParaRPr lang="en-US" dirty="0"/>
           </a:p>
         </p:txBody>
       </p:sp>
@@ -6032,7 +6699,6 @@
               <a:rPr lang="en-US"/>
               <a:t>Click icon to add picture</a:t>
             </a:r>
-            <a:endParaRPr lang="en-US" dirty="0"/>
           </a:p>
         </p:txBody>
       </p:sp>
@@ -6194,9 +6860,9 @@
           <a:p>
             <a:fld id="{FD484F64-32F6-45C5-931F-ADC1662401D0}" type="datetimeFigureOut">
               <a:rPr lang="en-US" dirty="0"/>
-              <a:t>12/20/2019</a:t>
+              <a:t>12/21/2019</a:t>
             </a:fld>
-            <a:endParaRPr lang="en-US" dirty="0"/>
+            <a:endParaRPr lang="en-US"/>
           </a:p>
         </p:txBody>
       </p:sp>
@@ -6220,7 +6886,7 @@
           <a:bodyPr/>
           <a:lstStyle/>
           <a:p>
-            <a:endParaRPr lang="en-US" dirty="0"/>
+            <a:endParaRPr lang="en-US"/>
           </a:p>
         </p:txBody>
       </p:sp>
@@ -6244,7 +6910,7 @@
               <a:pPr/>
               <a:t>‹#›</a:t>
             </a:fld>
-            <a:endParaRPr lang="en-US" dirty="0"/>
+            <a:endParaRPr lang="en-US"/>
           </a:p>
         </p:txBody>
       </p:sp>
@@ -6297,7 +6963,6 @@
               <a:rPr lang="en-US"/>
               <a:t>Click to edit Master title style</a:t>
             </a:r>
-            <a:endParaRPr lang="en-US" dirty="0"/>
           </a:p>
         </p:txBody>
       </p:sp>
@@ -6354,7 +7019,6 @@
               <a:rPr lang="en-US"/>
               <a:t>Fifth level</a:t>
             </a:r>
-            <a:endParaRPr lang="en-US" dirty="0"/>
           </a:p>
         </p:txBody>
       </p:sp>
@@ -6380,9 +7044,9 @@
           <a:p>
             <a:fld id="{53086D93-FCAC-47E0-A2EE-787E62CA814C}" type="datetimeFigureOut">
               <a:rPr lang="en-US" dirty="0"/>
-              <a:t>12/20/2019</a:t>
+              <a:t>12/21/2019</a:t>
             </a:fld>
-            <a:endParaRPr lang="en-US" dirty="0"/>
+            <a:endParaRPr lang="en-US"/>
           </a:p>
         </p:txBody>
       </p:sp>
@@ -6401,7 +7065,7 @@
           <a:bodyPr/>
           <a:lstStyle/>
           <a:p>
-            <a:endParaRPr lang="en-US" dirty="0"/>
+            <a:endParaRPr lang="en-US"/>
           </a:p>
         </p:txBody>
       </p:sp>
@@ -6425,7 +7089,7 @@
               <a:pPr/>
               <a:t>‹#›</a:t>
             </a:fld>
-            <a:endParaRPr lang="en-US" dirty="0"/>
+            <a:endParaRPr lang="en-US"/>
           </a:p>
         </p:txBody>
       </p:sp>
@@ -7265,7 +7929,6 @@
               <a:rPr lang="en-US"/>
               <a:t>Click to edit Master title style</a:t>
             </a:r>
-            <a:endParaRPr lang="en-US" dirty="0"/>
           </a:p>
         </p:txBody>
       </p:sp>
@@ -7322,7 +7985,6 @@
               <a:rPr lang="en-US"/>
               <a:t>Fifth level</a:t>
             </a:r>
-            <a:endParaRPr lang="en-US" dirty="0"/>
           </a:p>
         </p:txBody>
       </p:sp>
@@ -7348,9 +8010,9 @@
           <a:p>
             <a:fld id="{CDA879A6-0FD0-4734-A311-86BFCA472E6E}" type="datetimeFigureOut">
               <a:rPr lang="en-US" dirty="0"/>
-              <a:t>12/20/2019</a:t>
+              <a:t>12/21/2019</a:t>
             </a:fld>
-            <a:endParaRPr lang="en-US" dirty="0"/>
+            <a:endParaRPr lang="en-US"/>
           </a:p>
         </p:txBody>
       </p:sp>
@@ -7369,7 +8031,7 @@
           <a:bodyPr/>
           <a:lstStyle/>
           <a:p>
-            <a:endParaRPr lang="en-US" dirty="0"/>
+            <a:endParaRPr lang="en-US"/>
           </a:p>
         </p:txBody>
       </p:sp>
@@ -7429,7 +8091,7 @@
               <a:pPr/>
               <a:t>‹#›</a:t>
             </a:fld>
-            <a:endParaRPr lang="en-US" dirty="0"/>
+            <a:endParaRPr lang="en-US"/>
           </a:p>
         </p:txBody>
       </p:sp>
@@ -7477,7 +8139,6 @@
               <a:rPr lang="en-US"/>
               <a:t>Click to edit Master title style</a:t>
             </a:r>
-            <a:endParaRPr lang="en-US" dirty="0"/>
           </a:p>
         </p:txBody>
       </p:sp>
@@ -7534,7 +8195,6 @@
               <a:rPr lang="en-US"/>
               <a:t>Fifth level</a:t>
             </a:r>
-            <a:endParaRPr lang="en-US" dirty="0"/>
           </a:p>
         </p:txBody>
       </p:sp>
@@ -7555,9 +8215,9 @@
           <a:p>
             <a:fld id="{19C9CA7B-DFD4-44B5-8C60-D14B8CD1FB59}" type="datetimeFigureOut">
               <a:rPr lang="en-US" dirty="0"/>
-              <a:t>12/20/2019</a:t>
+              <a:t>12/21/2019</a:t>
             </a:fld>
-            <a:endParaRPr lang="en-US" dirty="0"/>
+            <a:endParaRPr lang="en-US"/>
           </a:p>
         </p:txBody>
       </p:sp>
@@ -7576,7 +8236,7 @@
           <a:bodyPr/>
           <a:lstStyle/>
           <a:p>
-            <a:endParaRPr lang="en-US" dirty="0"/>
+            <a:endParaRPr lang="en-US"/>
           </a:p>
         </p:txBody>
       </p:sp>
@@ -7600,7 +8260,7 @@
               <a:pPr/>
               <a:t>‹#›</a:t>
             </a:fld>
-            <a:endParaRPr lang="en-US" dirty="0"/>
+            <a:endParaRPr lang="en-US"/>
           </a:p>
         </p:txBody>
       </p:sp>
@@ -8444,7 +9104,6 @@
               <a:rPr lang="en-US"/>
               <a:t>Click to edit Master title style</a:t>
             </a:r>
-            <a:endParaRPr lang="en-US" dirty="0"/>
           </a:p>
         </p:txBody>
       </p:sp>
@@ -8585,9 +9244,9 @@
           <a:p>
             <a:fld id="{F34E6425-0181-43F2-84FC-787E803FD2F8}" type="datetimeFigureOut">
               <a:rPr lang="en-US" dirty="0"/>
-              <a:t>12/20/2019</a:t>
+              <a:t>12/21/2019</a:t>
             </a:fld>
-            <a:endParaRPr lang="en-US" dirty="0"/>
+            <a:endParaRPr lang="en-US"/>
           </a:p>
         </p:txBody>
       </p:sp>
@@ -8606,7 +9265,7 @@
           <a:bodyPr/>
           <a:lstStyle/>
           <a:p>
-            <a:endParaRPr lang="en-US" dirty="0"/>
+            <a:endParaRPr lang="en-US"/>
           </a:p>
         </p:txBody>
       </p:sp>
@@ -8666,7 +9325,7 @@
               <a:pPr/>
               <a:t>‹#›</a:t>
             </a:fld>
-            <a:endParaRPr lang="en-US" dirty="0"/>
+            <a:endParaRPr lang="en-US"/>
           </a:p>
         </p:txBody>
       </p:sp>
@@ -8714,7 +9373,6 @@
               <a:rPr lang="en-US"/>
               <a:t>Click to edit Master title style</a:t>
             </a:r>
-            <a:endParaRPr lang="en-US" dirty="0"/>
           </a:p>
         </p:txBody>
       </p:sp>
@@ -8773,7 +9431,6 @@
               <a:rPr lang="en-US"/>
               <a:t>Fifth level</a:t>
             </a:r>
-            <a:endParaRPr lang="en-US" dirty="0"/>
           </a:p>
         </p:txBody>
       </p:sp>
@@ -8832,7 +9489,6 @@
               <a:rPr lang="en-US"/>
               <a:t>Fifth level</a:t>
             </a:r>
-            <a:endParaRPr lang="en-US" dirty="0"/>
           </a:p>
         </p:txBody>
       </p:sp>
@@ -8853,9 +9509,9 @@
           <a:p>
             <a:fld id="{3BDB8791-F1B0-41E7-B7FD-A781E65C4266}" type="datetimeFigureOut">
               <a:rPr lang="en-US" dirty="0"/>
-              <a:t>12/20/2019</a:t>
+              <a:t>12/21/2019</a:t>
             </a:fld>
-            <a:endParaRPr lang="en-US" dirty="0"/>
+            <a:endParaRPr lang="en-US"/>
           </a:p>
         </p:txBody>
       </p:sp>
@@ -8874,7 +9530,7 @@
           <a:bodyPr/>
           <a:lstStyle/>
           <a:p>
-            <a:endParaRPr lang="en-US" dirty="0"/>
+            <a:endParaRPr lang="en-US"/>
           </a:p>
         </p:txBody>
       </p:sp>
@@ -8898,7 +9554,7 @@
               <a:pPr/>
               <a:t>‹#›</a:t>
             </a:fld>
-            <a:endParaRPr lang="en-US" dirty="0"/>
+            <a:endParaRPr lang="en-US"/>
           </a:p>
         </p:txBody>
       </p:sp>
@@ -8950,7 +9606,6 @@
               <a:rPr lang="en-US"/>
               <a:t>Click to edit Master title style</a:t>
             </a:r>
-            <a:endParaRPr lang="en-US" dirty="0"/>
           </a:p>
         </p:txBody>
       </p:sp>
@@ -9080,7 +9735,6 @@
               <a:rPr lang="en-US"/>
               <a:t>Fifth level</a:t>
             </a:r>
-            <a:endParaRPr lang="en-US" dirty="0"/>
           </a:p>
         </p:txBody>
       </p:sp>
@@ -9238,7 +9892,6 @@
               <a:rPr lang="en-US"/>
               <a:t>Fifth level</a:t>
             </a:r>
-            <a:endParaRPr lang="en-US" dirty="0"/>
           </a:p>
         </p:txBody>
       </p:sp>
@@ -9259,9 +9912,9 @@
           <a:p>
             <a:fld id="{5FDD63B2-E120-4ED8-B27B-C685F510A5FE}" type="datetimeFigureOut">
               <a:rPr lang="en-US" dirty="0"/>
-              <a:t>12/20/2019</a:t>
+              <a:t>12/21/2019</a:t>
             </a:fld>
-            <a:endParaRPr lang="en-US" dirty="0"/>
+            <a:endParaRPr lang="en-US"/>
           </a:p>
         </p:txBody>
       </p:sp>
@@ -9280,7 +9933,7 @@
           <a:bodyPr/>
           <a:lstStyle/>
           <a:p>
-            <a:endParaRPr lang="en-US" dirty="0"/>
+            <a:endParaRPr lang="en-US"/>
           </a:p>
         </p:txBody>
       </p:sp>
@@ -9304,7 +9957,7 @@
               <a:pPr/>
               <a:t>‹#›</a:t>
             </a:fld>
-            <a:endParaRPr lang="en-US" dirty="0"/>
+            <a:endParaRPr lang="en-US"/>
           </a:p>
         </p:txBody>
       </p:sp>
@@ -9361,7 +10014,6 @@
               <a:rPr lang="en-US"/>
               <a:t>Click to edit Master title style</a:t>
             </a:r>
-            <a:endParaRPr lang="en-US" dirty="0"/>
           </a:p>
         </p:txBody>
       </p:sp>
@@ -9382,9 +10034,9 @@
           <a:p>
             <a:fld id="{7AA18ACC-A947-437B-A130-35BD54FDF1E9}" type="datetimeFigureOut">
               <a:rPr lang="en-US" dirty="0"/>
-              <a:t>12/20/2019</a:t>
+              <a:t>12/21/2019</a:t>
             </a:fld>
-            <a:endParaRPr lang="en-US" dirty="0"/>
+            <a:endParaRPr lang="en-US"/>
           </a:p>
         </p:txBody>
       </p:sp>
@@ -9403,7 +10055,7 @@
           <a:bodyPr/>
           <a:lstStyle/>
           <a:p>
-            <a:endParaRPr lang="en-US" dirty="0"/>
+            <a:endParaRPr lang="en-US"/>
           </a:p>
         </p:txBody>
       </p:sp>
@@ -9427,7 +10079,7 @@
               <a:pPr/>
               <a:t>‹#›</a:t>
             </a:fld>
-            <a:endParaRPr lang="en-US" dirty="0"/>
+            <a:endParaRPr lang="en-US"/>
           </a:p>
         </p:txBody>
       </p:sp>
@@ -9473,9 +10125,9 @@
           <a:p>
             <a:fld id="{7C8D7E02-BCB8-4D50-A234-369438C08659}" type="datetimeFigureOut">
               <a:rPr lang="en-US" dirty="0"/>
-              <a:t>12/20/2019</a:t>
+              <a:t>12/21/2019</a:t>
             </a:fld>
-            <a:endParaRPr lang="en-US" dirty="0"/>
+            <a:endParaRPr lang="en-US"/>
           </a:p>
         </p:txBody>
       </p:sp>
@@ -9494,7 +10146,7 @@
           <a:bodyPr/>
           <a:lstStyle/>
           <a:p>
-            <a:endParaRPr lang="en-US" dirty="0"/>
+            <a:endParaRPr lang="en-US"/>
           </a:p>
         </p:txBody>
       </p:sp>
@@ -9554,7 +10206,7 @@
               <a:pPr/>
               <a:t>‹#›</a:t>
             </a:fld>
-            <a:endParaRPr lang="en-US" dirty="0"/>
+            <a:endParaRPr lang="en-US"/>
           </a:p>
         </p:txBody>
       </p:sp>
@@ -10398,7 +11050,6 @@
               <a:rPr lang="en-US"/>
               <a:t>Click to edit Master title style</a:t>
             </a:r>
-            <a:endParaRPr lang="en-US" dirty="0"/>
           </a:p>
         </p:txBody>
       </p:sp>
@@ -10457,7 +11108,6 @@
               <a:rPr lang="en-US"/>
               <a:t>Fifth level</a:t>
             </a:r>
-            <a:endParaRPr lang="en-US" dirty="0"/>
           </a:p>
         </p:txBody>
       </p:sp>
@@ -10550,9 +11200,9 @@
           <a:p>
             <a:fld id="{76E86A4C-8E40-4F87-A4F0-01A0687C5742}" type="datetimeFigureOut">
               <a:rPr lang="en-US" dirty="0"/>
-              <a:t>12/20/2019</a:t>
+              <a:t>12/21/2019</a:t>
             </a:fld>
-            <a:endParaRPr lang="en-US" dirty="0"/>
+            <a:endParaRPr lang="en-US"/>
           </a:p>
         </p:txBody>
       </p:sp>
@@ -10571,7 +11221,7 @@
           <a:bodyPr/>
           <a:lstStyle/>
           <a:p>
-            <a:endParaRPr lang="en-US" dirty="0"/>
+            <a:endParaRPr lang="en-US"/>
           </a:p>
         </p:txBody>
       </p:sp>
@@ -10631,7 +11281,7 @@
               <a:pPr/>
               <a:t>‹#›</a:t>
             </a:fld>
-            <a:endParaRPr lang="en-US" dirty="0"/>
+            <a:endParaRPr lang="en-US"/>
           </a:p>
         </p:txBody>
       </p:sp>
@@ -11477,7 +12127,6 @@
               <a:rPr lang="en-US"/>
               <a:t>Click to edit Master title style</a:t>
             </a:r>
-            <a:endParaRPr lang="en-US" dirty="0"/>
           </a:p>
         </p:txBody>
       </p:sp>
@@ -11559,7 +12208,6 @@
               <a:rPr lang="en-US"/>
               <a:t>Click icon to add picture</a:t>
             </a:r>
-            <a:endParaRPr lang="en-US" dirty="0"/>
           </a:p>
         </p:txBody>
       </p:sp>
@@ -11654,9 +12302,9 @@
           <a:p>
             <a:fld id="{35E72C73-2D91-4E12-BA25-F0AA0C03599B}" type="datetimeFigureOut">
               <a:rPr lang="en-US" dirty="0"/>
-              <a:t>12/20/2019</a:t>
+              <a:t>12/21/2019</a:t>
             </a:fld>
-            <a:endParaRPr lang="en-US" dirty="0"/>
+            <a:endParaRPr lang="en-US"/>
           </a:p>
         </p:txBody>
       </p:sp>
@@ -11675,7 +12323,7 @@
           <a:bodyPr/>
           <a:lstStyle/>
           <a:p>
-            <a:endParaRPr lang="en-US" dirty="0"/>
+            <a:endParaRPr lang="en-US"/>
           </a:p>
         </p:txBody>
       </p:sp>
@@ -11735,7 +12383,7 @@
               <a:pPr/>
               <a:t>‹#›</a:t>
             </a:fld>
-            <a:endParaRPr lang="en-US" dirty="0"/>
+            <a:endParaRPr lang="en-US"/>
           </a:p>
         </p:txBody>
       </p:sp>
@@ -12548,7 +13196,6 @@
               <a:rPr lang="en-US"/>
               <a:t>Click to edit Master title style</a:t>
             </a:r>
-            <a:endParaRPr lang="en-US" dirty="0"/>
           </a:p>
         </p:txBody>
       </p:sp>
@@ -12610,7 +13257,6 @@
               <a:rPr lang="en-US"/>
               <a:t>Fifth level</a:t>
             </a:r>
-            <a:endParaRPr lang="en-US" dirty="0"/>
           </a:p>
         </p:txBody>
       </p:sp>
@@ -12647,9 +13293,9 @@
           <a:p>
             <a:fld id="{2BE451C3-0FF4-47C4-B829-773ADF60F88C}" type="datetimeFigureOut">
               <a:rPr lang="en-US" dirty="0"/>
-              <a:t>12/20/2019</a:t>
+              <a:t>12/21/2019</a:t>
             </a:fld>
-            <a:endParaRPr lang="en-US" dirty="0"/>
+            <a:endParaRPr lang="en-US"/>
           </a:p>
         </p:txBody>
       </p:sp>
@@ -12684,7 +13330,7 @@
             </a:lvl1pPr>
           </a:lstStyle>
           <a:p>
-            <a:endParaRPr lang="en-US" dirty="0"/>
+            <a:endParaRPr lang="en-US"/>
           </a:p>
         </p:txBody>
       </p:sp>
@@ -12760,7 +13406,7 @@
               <a:pPr/>
               <a:t>‹#›</a:t>
             </a:fld>
-            <a:endParaRPr lang="en-US" dirty="0"/>
+            <a:endParaRPr lang="en-US"/>
           </a:p>
         </p:txBody>
       </p:sp>
@@ -13313,10 +13959,12 @@
           <a:lstStyle/>
           <a:p>
             <a:r>
-              <a:rPr lang="en-US">
+              <a:rPr lang="en-US" sz="6600">
                 <a:solidFill>
                   <a:srgbClr val="EBEBEB"/>
                 </a:solidFill>
+                <a:latin typeface="Times New Roman"/>
+                <a:cs typeface="Times New Roman"/>
               </a:rPr>
               <a:t>Web Development Platform</a:t>
             </a:r>
@@ -13335,13 +13983,13 @@
         </p:nvSpPr>
         <p:spPr>
           <a:xfrm>
-            <a:off x="6744929" y="4591665"/>
+            <a:off x="6900793" y="4401165"/>
             <a:ext cx="4798142" cy="1622322"/>
           </a:xfrm>
         </p:spPr>
         <p:txBody>
-          <a:bodyPr>
-            <a:normAutofit/>
+          <a:bodyPr vert="horz" lIns="91440" tIns="45720" rIns="91440" bIns="45720" rtlCol="0" anchor="t">
+            <a:noAutofit/>
           </a:bodyPr>
           <a:lstStyle/>
           <a:p>
@@ -13351,11 +13999,23 @@
               </a:lnSpc>
             </a:pPr>
             <a:r>
-              <a:rPr lang="en-US" sz="1000" err="1"/>
+              <a:rPr lang="en-US" sz="1200" err="1">
+                <a:solidFill>
+                  <a:srgbClr val="FFFF00"/>
+                </a:solidFill>
+                <a:latin typeface="Times New Roman"/>
+                <a:cs typeface="Times New Roman"/>
+              </a:rPr>
               <a:t>Nhóm</a:t>
             </a:r>
             <a:r>
-              <a:rPr lang="en-US" sz="1000"/>
+              <a:rPr lang="en-US" sz="1200">
+                <a:solidFill>
+                  <a:srgbClr val="FFFF00"/>
+                </a:solidFill>
+                <a:latin typeface="Times New Roman"/>
+                <a:cs typeface="Times New Roman"/>
+              </a:rPr>
               <a:t> 1:</a:t>
             </a:r>
           </a:p>
@@ -13366,22 +14026,52 @@
               </a:lnSpc>
             </a:pPr>
             <a:r>
-              <a:rPr lang="en-US" sz="1000"/>
+              <a:rPr lang="en-US" sz="1200">
+                <a:solidFill>
+                  <a:srgbClr val="FFFF00"/>
+                </a:solidFill>
+                <a:latin typeface="Times New Roman"/>
+                <a:cs typeface="Times New Roman"/>
+              </a:rPr>
               <a:t>- Lê </a:t>
             </a:r>
             <a:r>
-              <a:rPr lang="en-US" sz="1000" err="1"/>
+              <a:rPr lang="en-US" sz="1200" err="1">
+                <a:solidFill>
+                  <a:srgbClr val="FFFF00"/>
+                </a:solidFill>
+                <a:latin typeface="Times New Roman"/>
+                <a:cs typeface="Times New Roman"/>
+              </a:rPr>
               <a:t>Văn</a:t>
             </a:r>
             <a:r>
-              <a:rPr lang="en-US" sz="1000"/>
+              <a:rPr lang="en-US" sz="1200">
+                <a:solidFill>
+                  <a:srgbClr val="FFFF00"/>
+                </a:solidFill>
+                <a:latin typeface="Times New Roman"/>
+                <a:cs typeface="Times New Roman"/>
+              </a:rPr>
               <a:t> </a:t>
             </a:r>
             <a:r>
-              <a:rPr lang="en-US" sz="1000" err="1"/>
+              <a:rPr lang="en-US" sz="1200" err="1">
+                <a:solidFill>
+                  <a:srgbClr val="FFFF00"/>
+                </a:solidFill>
+                <a:latin typeface="Times New Roman"/>
+                <a:cs typeface="Times New Roman"/>
+              </a:rPr>
               <a:t>thịnh</a:t>
             </a:r>
-            <a:endParaRPr lang="en-US" sz="1000"/>
+            <a:endParaRPr lang="en-US" sz="1200">
+              <a:solidFill>
+                <a:srgbClr val="FFFF00"/>
+              </a:solidFill>
+              <a:latin typeface="Times New Roman"/>
+              <a:cs typeface="Times New Roman"/>
+            </a:endParaRPr>
           </a:p>
           <a:p>
             <a:pPr>
@@ -13390,22 +14080,72 @@
               </a:lnSpc>
             </a:pPr>
             <a:r>
-              <a:rPr lang="en-US" sz="1000"/>
-              <a:t>- Nguyễn </a:t>
-            </a:r>
-            <a:r>
-              <a:rPr lang="en-US" sz="1000" err="1"/>
+              <a:rPr lang="en-US" sz="1200">
+                <a:solidFill>
+                  <a:srgbClr val="FFFF00"/>
+                </a:solidFill>
+                <a:latin typeface="Times New Roman"/>
+                <a:cs typeface="Times New Roman"/>
+              </a:rPr>
+              <a:t>- </a:t>
+            </a:r>
+            <a:r>
+              <a:rPr lang="en-US" sz="1200" err="1">
+                <a:solidFill>
+                  <a:srgbClr val="FFFF00"/>
+                </a:solidFill>
+                <a:latin typeface="Times New Roman"/>
+                <a:cs typeface="Times New Roman"/>
+              </a:rPr>
+              <a:t>Nguyễn</a:t>
+            </a:r>
+            <a:r>
+              <a:rPr lang="en-US" sz="1200">
+                <a:solidFill>
+                  <a:srgbClr val="FFFF00"/>
+                </a:solidFill>
+                <a:latin typeface="Times New Roman"/>
+                <a:cs typeface="Times New Roman"/>
+              </a:rPr>
+              <a:t> </a:t>
+            </a:r>
+            <a:r>
+              <a:rPr lang="en-US" sz="1200" err="1">
+                <a:solidFill>
+                  <a:srgbClr val="FFFF00"/>
+                </a:solidFill>
+                <a:latin typeface="Times New Roman"/>
+                <a:cs typeface="Times New Roman"/>
+              </a:rPr>
               <a:t>tuấn</a:t>
             </a:r>
             <a:r>
-              <a:rPr lang="en-US" sz="1000"/>
+              <a:rPr lang="en-US" sz="1200">
+                <a:solidFill>
+                  <a:srgbClr val="FFFF00"/>
+                </a:solidFill>
+                <a:latin typeface="Times New Roman"/>
+                <a:cs typeface="Times New Roman"/>
+              </a:rPr>
               <a:t> </a:t>
             </a:r>
             <a:r>
-              <a:rPr lang="en-US" sz="1000" err="1"/>
+              <a:rPr lang="en-US" sz="1200" err="1">
+                <a:solidFill>
+                  <a:srgbClr val="FFFF00"/>
+                </a:solidFill>
+                <a:latin typeface="Times New Roman"/>
+                <a:cs typeface="Times New Roman"/>
+              </a:rPr>
               <a:t>quốc</a:t>
             </a:r>
-            <a:endParaRPr lang="en-US" sz="1000"/>
+            <a:endParaRPr lang="en-US" sz="1200">
+              <a:solidFill>
+                <a:srgbClr val="FFFF00"/>
+              </a:solidFill>
+              <a:latin typeface="Times New Roman"/>
+              <a:cs typeface="Times New Roman"/>
+            </a:endParaRPr>
           </a:p>
           <a:p>
             <a:pPr>
@@ -13414,21 +14154,72 @@
               </a:lnSpc>
             </a:pPr>
             <a:r>
-              <a:rPr lang="en-US" sz="1000"/>
-              <a:t>- Trần </a:t>
-            </a:r>
-            <a:r>
-              <a:rPr lang="en-US" sz="1000" err="1"/>
+              <a:rPr lang="en-US" sz="1200">
+                <a:solidFill>
+                  <a:srgbClr val="FFFF00"/>
+                </a:solidFill>
+                <a:latin typeface="Times New Roman"/>
+                <a:cs typeface="Times New Roman"/>
+              </a:rPr>
+              <a:t>- </a:t>
+            </a:r>
+            <a:r>
+              <a:rPr lang="en-US" sz="1200" err="1">
+                <a:solidFill>
+                  <a:srgbClr val="FFFF00"/>
+                </a:solidFill>
+                <a:latin typeface="Times New Roman"/>
+                <a:cs typeface="Times New Roman"/>
+              </a:rPr>
+              <a:t>Trần</a:t>
+            </a:r>
+            <a:r>
+              <a:rPr lang="en-US" sz="1200">
+                <a:solidFill>
+                  <a:srgbClr val="FFFF00"/>
+                </a:solidFill>
+                <a:latin typeface="Times New Roman"/>
+                <a:cs typeface="Times New Roman"/>
+              </a:rPr>
+              <a:t> </a:t>
+            </a:r>
+            <a:r>
+              <a:rPr lang="en-US" sz="1200" err="1">
+                <a:solidFill>
+                  <a:srgbClr val="FFFF00"/>
+                </a:solidFill>
+                <a:latin typeface="Times New Roman"/>
+                <a:cs typeface="Times New Roman"/>
+              </a:rPr>
               <a:t>thu</a:t>
             </a:r>
             <a:r>
-              <a:rPr lang="en-US" sz="1000"/>
+              <a:rPr lang="en-US" sz="1200">
+                <a:solidFill>
+                  <a:srgbClr val="FFFF00"/>
+                </a:solidFill>
+                <a:latin typeface="Times New Roman"/>
+                <a:cs typeface="Times New Roman"/>
+              </a:rPr>
               <a:t> </a:t>
             </a:r>
             <a:r>
-              <a:rPr lang="en-US" sz="1000" err="1"/>
+              <a:rPr lang="en-US" sz="1200" err="1">
+                <a:solidFill>
+                  <a:srgbClr val="FFFF00"/>
+                </a:solidFill>
+                <a:latin typeface="Times New Roman"/>
+                <a:cs typeface="Times New Roman"/>
+              </a:rPr>
               <a:t>phương</a:t>
             </a:r>
+            <a:endParaRPr lang="en-US" sz="1200">
+              <a:solidFill>
+                <a:srgbClr val="FFFF00"/>
+              </a:solidFill>
+              <a:latin typeface="Times New Roman"/>
+              <a:cs typeface="Times New Roman"/>
+            </a:endParaRPr>
           </a:p>
           <a:p>
             <a:pPr>
@@ -13437,21 +14228,72 @@
               </a:lnSpc>
             </a:pPr>
             <a:r>
-              <a:rPr lang="en-US" sz="1000"/>
-              <a:t>- Nguyễn </a:t>
-            </a:r>
-            <a:r>
-              <a:rPr lang="en-US" sz="1000" err="1"/>
+              <a:rPr lang="en-US" sz="1200">
+                <a:solidFill>
+                  <a:srgbClr val="FFFF00"/>
+                </a:solidFill>
+                <a:latin typeface="Times New Roman"/>
+                <a:cs typeface="Times New Roman"/>
+              </a:rPr>
+              <a:t>- </a:t>
+            </a:r>
+            <a:r>
+              <a:rPr lang="en-US" sz="1200" err="1">
+                <a:solidFill>
+                  <a:srgbClr val="FFFF00"/>
+                </a:solidFill>
+                <a:latin typeface="Times New Roman"/>
+                <a:cs typeface="Times New Roman"/>
+              </a:rPr>
+              <a:t>Nguyễn</a:t>
+            </a:r>
+            <a:r>
+              <a:rPr lang="en-US" sz="1200">
+                <a:solidFill>
+                  <a:srgbClr val="FFFF00"/>
+                </a:solidFill>
+                <a:latin typeface="Times New Roman"/>
+                <a:cs typeface="Times New Roman"/>
+              </a:rPr>
+              <a:t> </a:t>
+            </a:r>
+            <a:r>
+              <a:rPr lang="en-US" sz="1200" err="1">
+                <a:solidFill>
+                  <a:srgbClr val="FFFF00"/>
+                </a:solidFill>
+                <a:latin typeface="Times New Roman"/>
+                <a:cs typeface="Times New Roman"/>
+              </a:rPr>
               <a:t>minh</a:t>
             </a:r>
             <a:r>
-              <a:rPr lang="en-US" sz="1000"/>
+              <a:rPr lang="en-US" sz="1200">
+                <a:solidFill>
+                  <a:srgbClr val="FFFF00"/>
+                </a:solidFill>
+                <a:latin typeface="Times New Roman"/>
+                <a:cs typeface="Times New Roman"/>
+              </a:rPr>
               <a:t> </a:t>
             </a:r>
             <a:r>
-              <a:rPr lang="en-US" sz="1000" err="1"/>
+              <a:rPr lang="en-US" sz="1200" err="1">
+                <a:solidFill>
+                  <a:srgbClr val="FFFF00"/>
+                </a:solidFill>
+                <a:latin typeface="Times New Roman"/>
+                <a:cs typeface="Times New Roman"/>
+              </a:rPr>
               <a:t>quân</a:t>
             </a:r>
+            <a:endParaRPr lang="en-US" sz="1200">
+              <a:solidFill>
+                <a:srgbClr val="FFFF00"/>
+              </a:solidFill>
+              <a:latin typeface="Times New Roman"/>
+              <a:cs typeface="Times New Roman"/>
+            </a:endParaRPr>
           </a:p>
           <a:p>
             <a:pPr>
@@ -13460,21 +14302,52 @@
               </a:lnSpc>
             </a:pPr>
             <a:r>
-              <a:rPr lang="en-US" sz="1000"/>
+              <a:rPr lang="en-US" sz="1200">
+                <a:solidFill>
+                  <a:srgbClr val="FFFF00"/>
+                </a:solidFill>
+                <a:latin typeface="Times New Roman"/>
+                <a:cs typeface="Times New Roman"/>
+              </a:rPr>
               <a:t>- Lê </a:t>
             </a:r>
             <a:r>
-              <a:rPr lang="en-US" sz="1000" err="1"/>
+              <a:rPr lang="en-US" sz="1200" err="1">
+                <a:solidFill>
+                  <a:srgbClr val="FFFF00"/>
+                </a:solidFill>
+                <a:latin typeface="Times New Roman"/>
+                <a:cs typeface="Times New Roman"/>
+              </a:rPr>
               <a:t>thanh</a:t>
             </a:r>
             <a:r>
-              <a:rPr lang="en-US" sz="1000"/>
+              <a:rPr lang="en-US" sz="1200">
+                <a:solidFill>
+                  <a:srgbClr val="FFFF00"/>
+                </a:solidFill>
+                <a:latin typeface="Times New Roman"/>
+                <a:cs typeface="Times New Roman"/>
+              </a:rPr>
               <a:t> </a:t>
             </a:r>
             <a:r>
-              <a:rPr lang="en-US" sz="1000" err="1"/>
+              <a:rPr lang="en-US" sz="1200" err="1">
+                <a:solidFill>
+                  <a:srgbClr val="FFFF00"/>
+                </a:solidFill>
+                <a:latin typeface="Times New Roman"/>
+                <a:cs typeface="Times New Roman"/>
+              </a:rPr>
               <a:t>tùng</a:t>
             </a:r>
+            <a:endParaRPr lang="en-US" sz="1200">
+              <a:solidFill>
+                <a:srgbClr val="FFFF00"/>
+              </a:solidFill>
+              <a:latin typeface="Times New Roman"/>
+              <a:cs typeface="Times New Roman"/>
+            </a:endParaRPr>
           </a:p>
         </p:txBody>
       </p:sp>
@@ -13621,16 +14494,11 @@
           <a:lstStyle/>
           <a:p>
             <a:r>
-              <a:rPr lang="en-US" dirty="0" err="1"/>
-              <a:t>Nội</a:t>
-            </a:r>
-            <a:r>
-              <a:rPr lang="en-US" dirty="0"/>
-              <a:t> dung </a:t>
-            </a:r>
-            <a:r>
-              <a:rPr lang="en-US" dirty="0" err="1"/>
-              <a:t>chính</a:t>
+              <a:rPr lang="en-US" sz="4400">
+                <a:latin typeface="Times New Roman"/>
+                <a:cs typeface="Times New Roman"/>
+              </a:rPr>
+              <a:t>Outline</a:t>
             </a:r>
           </a:p>
         </p:txBody>
@@ -13659,131 +14527,226 @@
           <a:lstStyle/>
           <a:p>
             <a:r>
-              <a:rPr lang="en-US" dirty="0"/>
+              <a:rPr lang="en-US" sz="3600">
+                <a:latin typeface="Times New Roman"/>
+                <a:cs typeface="Times New Roman"/>
+              </a:rPr>
               <a:t>1. </a:t>
             </a:r>
             <a:r>
-              <a:rPr lang="en-US" dirty="0" err="1"/>
-              <a:t>Đặt</a:t>
-            </a:r>
-            <a:r>
-              <a:rPr lang="en-US" dirty="0"/>
+              <a:rPr lang="en-US" sz="3600" err="1">
+                <a:latin typeface="Times New Roman"/>
+                <a:cs typeface="Times New Roman"/>
+              </a:rPr>
+              <a:t>Tổng</a:t>
+            </a:r>
+            <a:r>
+              <a:rPr lang="en-US" sz="3600">
+                <a:latin typeface="Times New Roman"/>
+                <a:cs typeface="Times New Roman"/>
+              </a:rPr>
               <a:t> </a:t>
             </a:r>
             <a:r>
-              <a:rPr lang="en-US" dirty="0" err="1"/>
-              <a:t>Vấn</a:t>
-            </a:r>
-            <a:r>
-              <a:rPr lang="en-US" dirty="0"/>
+              <a:rPr lang="en-US" sz="3600" err="1">
+                <a:latin typeface="Times New Roman"/>
+                <a:cs typeface="Times New Roman"/>
+              </a:rPr>
+              <a:t>quan</a:t>
+            </a:r>
+            <a:endParaRPr lang="en-US" sz="3600">
+              <a:latin typeface="Times New Roman"/>
+              <a:cs typeface="Times New Roman"/>
+            </a:endParaRPr>
+          </a:p>
+          <a:p>
+            <a:r>
+              <a:rPr lang="en-US" sz="3600">
+                <a:latin typeface="Times New Roman"/>
+                <a:cs typeface="Times New Roman"/>
+              </a:rPr>
+              <a:t>2. </a:t>
+            </a:r>
+            <a:r>
+              <a:rPr lang="en-US" sz="3600" err="1">
+                <a:latin typeface="Times New Roman"/>
+                <a:cs typeface="Times New Roman"/>
+              </a:rPr>
+              <a:t>Các</a:t>
+            </a:r>
+            <a:r>
+              <a:rPr lang="en-US" sz="3600">
+                <a:latin typeface="Times New Roman"/>
+                <a:cs typeface="Times New Roman"/>
+              </a:rPr>
               <a:t> </a:t>
             </a:r>
             <a:r>
-              <a:rPr lang="en-US" dirty="0" err="1"/>
-              <a:t>Đề</a:t>
-            </a:r>
-          </a:p>
-          <a:p>
-            <a:r>
-              <a:rPr lang="en-US" dirty="0"/>
-              <a:t>2. </a:t>
-            </a:r>
-            <a:r>
-              <a:rPr lang="en-US" dirty="0" err="1"/>
-              <a:t>Các</a:t>
-            </a:r>
-            <a:r>
-              <a:rPr lang="en-US" dirty="0"/>
+              <a:rPr lang="en-US" sz="3600" err="1">
+                <a:latin typeface="Times New Roman"/>
+                <a:cs typeface="Times New Roman"/>
+              </a:rPr>
+              <a:t>công</a:t>
+            </a:r>
+            <a:r>
+              <a:rPr lang="en-US" sz="3600">
+                <a:latin typeface="Times New Roman"/>
+                <a:cs typeface="Times New Roman"/>
+              </a:rPr>
               <a:t> </a:t>
             </a:r>
             <a:r>
-              <a:rPr lang="en-US" dirty="0" err="1"/>
-              <a:t>công</a:t>
-            </a:r>
-            <a:r>
-              <a:rPr lang="en-US" dirty="0"/>
+              <a:rPr lang="en-US" sz="3600" err="1">
+                <a:latin typeface="Times New Roman"/>
+                <a:cs typeface="Times New Roman"/>
+              </a:rPr>
+              <a:t>nghệ</a:t>
+            </a:r>
+            <a:r>
+              <a:rPr lang="en-US" sz="3600">
+                <a:latin typeface="Times New Roman"/>
+                <a:cs typeface="Times New Roman"/>
+              </a:rPr>
               <a:t> </a:t>
             </a:r>
             <a:r>
-              <a:rPr lang="en-US" dirty="0" err="1"/>
-              <a:t>nghệ</a:t>
-            </a:r>
-            <a:r>
-              <a:rPr lang="en-US" dirty="0"/>
+              <a:rPr lang="en-US" sz="3600" err="1">
+                <a:latin typeface="Times New Roman"/>
+                <a:cs typeface="Times New Roman"/>
+              </a:rPr>
+              <a:t>được</a:t>
+            </a:r>
+            <a:r>
+              <a:rPr lang="en-US" sz="3600">
+                <a:latin typeface="Times New Roman"/>
+                <a:cs typeface="Times New Roman"/>
+              </a:rPr>
               <a:t> </a:t>
             </a:r>
             <a:r>
-              <a:rPr lang="en-US" dirty="0" err="1"/>
-              <a:t>được</a:t>
-            </a:r>
-            <a:r>
-              <a:rPr lang="en-US" dirty="0"/>
+              <a:rPr lang="en-US" sz="3600" err="1">
+                <a:latin typeface="Times New Roman"/>
+                <a:cs typeface="Times New Roman"/>
+              </a:rPr>
+              <a:t>sử</a:t>
+            </a:r>
+            <a:r>
+              <a:rPr lang="en-US" sz="3600">
+                <a:latin typeface="Times New Roman"/>
+                <a:cs typeface="Times New Roman"/>
+              </a:rPr>
               <a:t> </a:t>
             </a:r>
             <a:r>
-              <a:rPr lang="en-US" dirty="0" err="1"/>
-              <a:t>sử</a:t>
-            </a:r>
-            <a:r>
-              <a:rPr lang="en-US" dirty="0"/>
+              <a:rPr lang="en-US" sz="3600" err="1">
+                <a:latin typeface="Times New Roman"/>
+                <a:cs typeface="Times New Roman"/>
+              </a:rPr>
+              <a:t>dụng</a:t>
+            </a:r>
+            <a:endParaRPr lang="en-US" sz="3600">
+              <a:latin typeface="Times New Roman"/>
+              <a:cs typeface="Times New Roman"/>
+            </a:endParaRPr>
+          </a:p>
+          <a:p>
+            <a:r>
+              <a:rPr lang="en-US" sz="3600">
+                <a:latin typeface="Times New Roman"/>
+                <a:cs typeface="Times New Roman"/>
+              </a:rPr>
+              <a:t>3. </a:t>
+            </a:r>
+            <a:r>
+              <a:rPr lang="en-US" sz="3600" err="1">
+                <a:latin typeface="Times New Roman"/>
+                <a:cs typeface="Times New Roman"/>
+              </a:rPr>
+              <a:t>Một</a:t>
+            </a:r>
+            <a:r>
+              <a:rPr lang="en-US" sz="3600">
+                <a:latin typeface="Times New Roman"/>
+                <a:cs typeface="Times New Roman"/>
+              </a:rPr>
               <a:t> </a:t>
             </a:r>
             <a:r>
-              <a:rPr lang="en-US" dirty="0" err="1"/>
+              <a:rPr lang="en-US" sz="3600" err="1">
+                <a:latin typeface="Times New Roman"/>
+                <a:cs typeface="Times New Roman"/>
+              </a:rPr>
+              <a:t>số</a:t>
+            </a:r>
+            <a:r>
+              <a:rPr lang="en-US" sz="3600">
+                <a:latin typeface="Times New Roman"/>
+                <a:cs typeface="Times New Roman"/>
+              </a:rPr>
+              <a:t> </a:t>
+            </a:r>
+            <a:r>
+              <a:rPr lang="en-US" sz="3600" err="1">
+                <a:latin typeface="Times New Roman"/>
+                <a:cs typeface="Times New Roman"/>
+              </a:rPr>
+              <a:t>chức</a:t>
+            </a:r>
+            <a:r>
+              <a:rPr lang="en-US" sz="3600">
+                <a:latin typeface="Times New Roman"/>
+                <a:cs typeface="Times New Roman"/>
+              </a:rPr>
+              <a:t> </a:t>
+            </a:r>
+            <a:r>
+              <a:rPr lang="en-US" sz="3600" err="1">
+                <a:latin typeface="Times New Roman"/>
+                <a:cs typeface="Times New Roman"/>
+              </a:rPr>
+              <a:t>năng</a:t>
+            </a:r>
+            <a:r>
+              <a:rPr lang="en-US" sz="3600">
+                <a:latin typeface="Times New Roman"/>
+                <a:cs typeface="Times New Roman"/>
+              </a:rPr>
+              <a:t> </a:t>
+            </a:r>
+          </a:p>
+          <a:p>
+            <a:r>
+              <a:rPr lang="en-US" sz="3600">
+                <a:latin typeface="Times New Roman"/>
+                <a:cs typeface="Times New Roman"/>
+              </a:rPr>
+              <a:t>4. Demo </a:t>
+            </a:r>
+            <a:r>
+              <a:rPr lang="en-US" sz="3600" err="1">
+                <a:latin typeface="Times New Roman"/>
+                <a:cs typeface="Times New Roman"/>
+              </a:rPr>
+              <a:t>ứng</a:t>
+            </a:r>
+            <a:r>
+              <a:rPr lang="en-US" sz="3600">
+                <a:latin typeface="Times New Roman"/>
+                <a:cs typeface="Times New Roman"/>
+              </a:rPr>
+              <a:t> </a:t>
+            </a:r>
+            <a:r>
+              <a:rPr lang="en-US" sz="3600" err="1">
+                <a:latin typeface="Times New Roman"/>
+                <a:cs typeface="Times New Roman"/>
+              </a:rPr>
               <a:t>dụng</a:t>
             </a:r>
-          </a:p>
-          <a:p>
-            <a:r>
-              <a:rPr lang="en-US" dirty="0"/>
-              <a:t>3. </a:t>
-            </a:r>
-            <a:r>
-              <a:rPr lang="en-US" dirty="0" err="1"/>
-              <a:t>Các</a:t>
-            </a:r>
-            <a:r>
-              <a:rPr lang="en-US" dirty="0"/>
-              <a:t> </a:t>
-            </a:r>
-            <a:r>
-              <a:rPr lang="en-US" dirty="0" err="1"/>
-              <a:t>chức</a:t>
-            </a:r>
-            <a:r>
-              <a:rPr lang="en-US" dirty="0"/>
-              <a:t> </a:t>
-            </a:r>
-            <a:r>
-              <a:rPr lang="en-US" dirty="0" err="1"/>
-              <a:t>năng</a:t>
-            </a:r>
-            <a:r>
-              <a:rPr lang="en-US" dirty="0"/>
-              <a:t> </a:t>
-            </a:r>
-            <a:r>
-              <a:rPr lang="en-US" dirty="0" err="1"/>
-              <a:t>chính</a:t>
-            </a:r>
-          </a:p>
-          <a:p>
-            <a:r>
-              <a:rPr lang="en-US" dirty="0"/>
-              <a:t>4. Demo </a:t>
-            </a:r>
-            <a:r>
-              <a:rPr lang="en-US" dirty="0" err="1"/>
-              <a:t>ứng</a:t>
-            </a:r>
-            <a:r>
-              <a:rPr lang="en-US" dirty="0"/>
-              <a:t> </a:t>
-            </a:r>
-            <a:r>
-              <a:rPr lang="en-US" dirty="0" err="1"/>
-              <a:t>dụng</a:t>
-            </a:r>
+            <a:endParaRPr lang="en-US" sz="3600">
+              <a:latin typeface="Times New Roman"/>
+              <a:cs typeface="Times New Roman"/>
+            </a:endParaRPr>
           </a:p>
         </p:txBody>
       </p:sp>
@@ -13839,28 +14802,32 @@
           <a:lstStyle/>
           <a:p>
             <a:r>
-              <a:rPr lang="en-US" dirty="0"/>
+              <a:rPr lang="en-US" sz="4400">
+                <a:latin typeface="Times New Roman"/>
+                <a:cs typeface="Times New Roman"/>
+              </a:rPr>
               <a:t>1. </a:t>
             </a:r>
             <a:r>
-              <a:rPr lang="en-US" dirty="0" err="1"/>
-              <a:t>Đặt</a:t>
-            </a:r>
-            <a:r>
-              <a:rPr lang="en-US" dirty="0"/>
-              <a:t> </a:t>
-            </a:r>
-            <a:r>
-              <a:rPr lang="en-US" dirty="0" err="1"/>
-              <a:t>vấn</a:t>
-            </a:r>
-            <a:r>
-              <a:rPr lang="en-US" dirty="0"/>
+              <a:rPr lang="en-US" sz="4400" err="1">
+                <a:latin typeface="Times New Roman"/>
+                <a:cs typeface="Times New Roman"/>
+              </a:rPr>
+              <a:t>Tổng</a:t>
+            </a:r>
+            <a:r>
+              <a:rPr lang="en-US" sz="4400">
+                <a:latin typeface="Times New Roman"/>
+                <a:cs typeface="Times New Roman"/>
+              </a:rPr>
               <a:t> </a:t>
             </a:r>
             <a:r>
-              <a:rPr lang="en-US" dirty="0" err="1"/>
-              <a:t>đề</a:t>
+              <a:rPr lang="en-US" sz="4400" err="1">
+                <a:latin typeface="Times New Roman"/>
+                <a:cs typeface="Times New Roman"/>
+              </a:rPr>
+              <a:t>quan</a:t>
             </a:r>
           </a:p>
         </p:txBody>
@@ -13883,391 +14850,991 @@
         </p:nvSpPr>
         <p:spPr>
           <a:xfrm>
-            <a:off x="1154954" y="2603500"/>
+            <a:off x="1154954" y="2447636"/>
             <a:ext cx="8825659" cy="3717094"/>
           </a:xfrm>
         </p:spPr>
         <p:txBody>
           <a:bodyPr vert="horz" lIns="91440" tIns="45720" rIns="91440" bIns="45720" rtlCol="0" anchor="t">
-            <a:normAutofit/>
+            <a:noAutofit/>
           </a:bodyPr>
           <a:lstStyle/>
           <a:p>
             <a:r>
-              <a:rPr lang="en-US" dirty="0" err="1"/>
-              <a:t>Hiện</a:t>
-            </a:r>
-            <a:r>
-              <a:rPr lang="en-US" dirty="0"/>
-              <a:t> nay, 1 </a:t>
-            </a:r>
-            <a:r>
-              <a:rPr lang="en-US" dirty="0" err="1"/>
-              <a:t>lập</a:t>
-            </a:r>
-            <a:r>
-              <a:rPr lang="en-US" dirty="0"/>
+              <a:rPr lang="en-US" sz="2400">
+                <a:latin typeface="Times New Roman"/>
+                <a:ea typeface="+mn-lt"/>
+                <a:cs typeface="+mn-lt"/>
+              </a:rPr>
+              <a:t>WDP </a:t>
+            </a:r>
+            <a:r>
+              <a:rPr lang="en-US" sz="2400" err="1">
+                <a:latin typeface="Times New Roman"/>
+                <a:ea typeface="+mn-lt"/>
+                <a:cs typeface="+mn-lt"/>
+              </a:rPr>
+              <a:t>là</a:t>
+            </a:r>
+            <a:r>
+              <a:rPr lang="en-US" sz="2400">
+                <a:latin typeface="Times New Roman"/>
+                <a:ea typeface="+mn-lt"/>
+                <a:cs typeface="+mn-lt"/>
+              </a:rPr>
               <a:t> </a:t>
             </a:r>
             <a:r>
-              <a:rPr lang="en-US" dirty="0" err="1"/>
+              <a:rPr lang="en-US" sz="2400" err="1">
+                <a:latin typeface="Times New Roman"/>
+                <a:ea typeface="+mn-lt"/>
+                <a:cs typeface="+mn-lt"/>
+              </a:rPr>
+              <a:t>một</a:t>
+            </a:r>
+            <a:r>
+              <a:rPr lang="en-US" sz="2400">
+                <a:latin typeface="Times New Roman"/>
+                <a:ea typeface="+mn-lt"/>
+                <a:cs typeface="+mn-lt"/>
+              </a:rPr>
+              <a:t> </a:t>
+            </a:r>
+            <a:r>
+              <a:rPr lang="en-US" sz="2400" err="1">
+                <a:latin typeface="Times New Roman"/>
+                <a:ea typeface="+mn-lt"/>
+                <a:cs typeface="+mn-lt"/>
+              </a:rPr>
               <a:t>trình</a:t>
             </a:r>
             <a:r>
-              <a:rPr lang="en-US" dirty="0"/>
+              <a:rPr lang="en-US" sz="2400">
+                <a:latin typeface="Times New Roman"/>
+                <a:ea typeface="+mn-lt"/>
+                <a:cs typeface="+mn-lt"/>
+              </a:rPr>
               <a:t> </a:t>
             </a:r>
             <a:r>
-              <a:rPr lang="en-US" dirty="0" err="1"/>
-              <a:t>viên</a:t>
-            </a:r>
-            <a:r>
-              <a:rPr lang="en-US" dirty="0"/>
-              <a:t> web </a:t>
-            </a:r>
-            <a:r>
-              <a:rPr lang="en-US" dirty="0" err="1"/>
-              <a:t>phải</a:t>
-            </a:r>
-            <a:r>
-              <a:rPr lang="en-US" dirty="0"/>
+              <a:rPr lang="en-US" sz="2400" err="1">
+                <a:latin typeface="Times New Roman"/>
+                <a:ea typeface="+mn-lt"/>
+                <a:cs typeface="+mn-lt"/>
+              </a:rPr>
+              <a:t>soạn</a:t>
+            </a:r>
+            <a:r>
+              <a:rPr lang="en-US" sz="2400">
+                <a:latin typeface="Times New Roman"/>
+                <a:ea typeface="+mn-lt"/>
+                <a:cs typeface="+mn-lt"/>
+              </a:rPr>
               <a:t> </a:t>
             </a:r>
             <a:r>
-              <a:rPr lang="en-US" dirty="0" err="1"/>
+              <a:rPr lang="en-US" sz="2400" err="1">
+                <a:latin typeface="Times New Roman"/>
+                <a:ea typeface="+mn-lt"/>
+                <a:cs typeface="+mn-lt"/>
+              </a:rPr>
+              <a:t>thảo</a:t>
+            </a:r>
+            <a:r>
+              <a:rPr lang="en-US" sz="2400">
+                <a:latin typeface="Times New Roman"/>
+                <a:ea typeface="+mn-lt"/>
+                <a:cs typeface="+mn-lt"/>
+              </a:rPr>
+              <a:t> code online </a:t>
+            </a:r>
+            <a:r>
+              <a:rPr lang="en-US" sz="2400" err="1">
+                <a:latin typeface="Times New Roman"/>
+                <a:ea typeface="+mn-lt"/>
+                <a:cs typeface="+mn-lt"/>
+              </a:rPr>
+              <a:t>được</a:t>
+            </a:r>
+            <a:r>
+              <a:rPr lang="en-US" sz="2400">
+                <a:latin typeface="Times New Roman"/>
+                <a:ea typeface="+mn-lt"/>
+                <a:cs typeface="+mn-lt"/>
+              </a:rPr>
+              <a:t> </a:t>
+            </a:r>
+            <a:r>
+              <a:rPr lang="en-US" sz="2400" err="1">
+                <a:latin typeface="Times New Roman"/>
+                <a:ea typeface="+mn-lt"/>
+                <a:cs typeface="+mn-lt"/>
+              </a:rPr>
+              <a:t>xây</a:t>
+            </a:r>
+            <a:r>
+              <a:rPr lang="en-US" sz="2400">
+                <a:latin typeface="Times New Roman"/>
+                <a:ea typeface="+mn-lt"/>
+                <a:cs typeface="+mn-lt"/>
+              </a:rPr>
+              <a:t> </a:t>
+            </a:r>
+            <a:r>
+              <a:rPr lang="en-US" sz="2400" err="1">
+                <a:latin typeface="Times New Roman"/>
+                <a:ea typeface="+mn-lt"/>
+                <a:cs typeface="+mn-lt"/>
+              </a:rPr>
+              <a:t>dựng</a:t>
+            </a:r>
+            <a:r>
+              <a:rPr lang="en-US" sz="2400">
+                <a:latin typeface="Times New Roman"/>
+                <a:ea typeface="+mn-lt"/>
+                <a:cs typeface="+mn-lt"/>
+              </a:rPr>
+              <a:t> </a:t>
+            </a:r>
+            <a:r>
+              <a:rPr lang="en-US" sz="2400" err="1">
+                <a:latin typeface="Times New Roman"/>
+                <a:ea typeface="+mn-lt"/>
+                <a:cs typeface="+mn-lt"/>
+              </a:rPr>
+              <a:t>để</a:t>
+            </a:r>
+            <a:r>
+              <a:rPr lang="en-US" sz="2400">
+                <a:latin typeface="Times New Roman"/>
+                <a:ea typeface="+mn-lt"/>
+                <a:cs typeface="+mn-lt"/>
+              </a:rPr>
+              <a:t> </a:t>
+            </a:r>
+            <a:r>
+              <a:rPr lang="en-US" sz="2400" err="1">
+                <a:latin typeface="Times New Roman"/>
+                <a:ea typeface="+mn-lt"/>
+                <a:cs typeface="+mn-lt"/>
+              </a:rPr>
+              <a:t>phát</a:t>
+            </a:r>
+            <a:r>
+              <a:rPr lang="en-US" sz="2400">
+                <a:latin typeface="Times New Roman"/>
+                <a:ea typeface="+mn-lt"/>
+                <a:cs typeface="+mn-lt"/>
+              </a:rPr>
+              <a:t> </a:t>
+            </a:r>
+            <a:r>
+              <a:rPr lang="en-US" sz="2400" err="1">
+                <a:latin typeface="Times New Roman"/>
+                <a:ea typeface="+mn-lt"/>
+                <a:cs typeface="+mn-lt"/>
+              </a:rPr>
+              <a:t>triển</a:t>
+            </a:r>
+            <a:r>
+              <a:rPr lang="en-US" sz="2400">
+                <a:latin typeface="Times New Roman"/>
+                <a:ea typeface="+mn-lt"/>
+                <a:cs typeface="+mn-lt"/>
+              </a:rPr>
+              <a:t> </a:t>
+            </a:r>
+            <a:r>
+              <a:rPr lang="en-US" sz="2400" err="1">
+                <a:latin typeface="Times New Roman"/>
+                <a:ea typeface="+mn-lt"/>
+                <a:cs typeface="+mn-lt"/>
+              </a:rPr>
+              <a:t>ứng</a:t>
+            </a:r>
+            <a:r>
+              <a:rPr lang="en-US" sz="2400">
+                <a:latin typeface="Times New Roman"/>
+                <a:ea typeface="+mn-lt"/>
+                <a:cs typeface="+mn-lt"/>
+              </a:rPr>
+              <a:t> </a:t>
+            </a:r>
+            <a:r>
+              <a:rPr lang="en-US" sz="2400" err="1">
+                <a:latin typeface="Times New Roman"/>
+                <a:ea typeface="+mn-lt"/>
+                <a:cs typeface="+mn-lt"/>
+              </a:rPr>
+              <a:t>dụng</a:t>
+            </a:r>
+            <a:r>
+              <a:rPr lang="en-US" sz="2400">
+                <a:latin typeface="Times New Roman"/>
+                <a:ea typeface="+mn-lt"/>
+                <a:cs typeface="+mn-lt"/>
+              </a:rPr>
+              <a:t> Web. </a:t>
+            </a:r>
+            <a:endParaRPr lang="en-US" sz="2400">
+              <a:latin typeface="Times New Roman"/>
+              <a:ea typeface="+mn-lt"/>
+              <a:cs typeface="Times New Roman"/>
+            </a:endParaRPr>
+          </a:p>
+          <a:p>
+            <a:r>
+              <a:rPr lang="en-US" sz="2400" err="1">
+                <a:latin typeface="Times New Roman"/>
+                <a:ea typeface="+mn-lt"/>
+                <a:cs typeface="+mn-lt"/>
+              </a:rPr>
+              <a:t>Nó</a:t>
+            </a:r>
+            <a:r>
+              <a:rPr lang="en-US" sz="2400">
+                <a:latin typeface="Times New Roman"/>
+                <a:ea typeface="+mn-lt"/>
+                <a:cs typeface="+mn-lt"/>
+              </a:rPr>
+              <a:t> </a:t>
+            </a:r>
+            <a:r>
+              <a:rPr lang="en-US" sz="2400" err="1">
+                <a:latin typeface="Times New Roman"/>
+                <a:ea typeface="+mn-lt"/>
+                <a:cs typeface="+mn-lt"/>
+              </a:rPr>
+              <a:t>cho</a:t>
+            </a:r>
+            <a:r>
+              <a:rPr lang="en-US" sz="2400">
+                <a:latin typeface="Times New Roman"/>
+                <a:ea typeface="+mn-lt"/>
+                <a:cs typeface="+mn-lt"/>
+              </a:rPr>
+              <a:t> </a:t>
+            </a:r>
+            <a:r>
+              <a:rPr lang="en-US" sz="2400" err="1">
+                <a:latin typeface="Times New Roman"/>
+                <a:ea typeface="+mn-lt"/>
+                <a:cs typeface="+mn-lt"/>
+              </a:rPr>
+              <a:t>phép</a:t>
+            </a:r>
+            <a:r>
+              <a:rPr lang="en-US" sz="2400">
+                <a:latin typeface="Times New Roman"/>
+                <a:ea typeface="+mn-lt"/>
+                <a:cs typeface="+mn-lt"/>
+              </a:rPr>
+              <a:t> </a:t>
+            </a:r>
+            <a:r>
+              <a:rPr lang="en-US" sz="2400" err="1">
+                <a:latin typeface="Times New Roman"/>
+                <a:ea typeface="+mn-lt"/>
+                <a:cs typeface="+mn-lt"/>
+              </a:rPr>
+              <a:t>tiết</a:t>
+            </a:r>
+            <a:r>
+              <a:rPr lang="en-US" sz="2400">
+                <a:latin typeface="Times New Roman"/>
+                <a:ea typeface="+mn-lt"/>
+                <a:cs typeface="+mn-lt"/>
+              </a:rPr>
+              <a:t> </a:t>
+            </a:r>
+            <a:r>
+              <a:rPr lang="en-US" sz="2400" err="1">
+                <a:latin typeface="Times New Roman"/>
+                <a:ea typeface="+mn-lt"/>
+                <a:cs typeface="+mn-lt"/>
+              </a:rPr>
+              <a:t>kiệm</a:t>
+            </a:r>
+            <a:r>
+              <a:rPr lang="en-US" sz="2400">
+                <a:latin typeface="Times New Roman"/>
+                <a:ea typeface="+mn-lt"/>
+                <a:cs typeface="+mn-lt"/>
+              </a:rPr>
+              <a:t> </a:t>
+            </a:r>
+            <a:r>
+              <a:rPr lang="en-US" sz="2400" err="1">
+                <a:latin typeface="Times New Roman"/>
+                <a:ea typeface="+mn-lt"/>
+                <a:cs typeface="+mn-lt"/>
+              </a:rPr>
+              <a:t>được</a:t>
+            </a:r>
+            <a:r>
+              <a:rPr lang="en-US" sz="2400">
+                <a:latin typeface="Times New Roman"/>
+                <a:ea typeface="+mn-lt"/>
+                <a:cs typeface="+mn-lt"/>
+              </a:rPr>
+              <a:t> </a:t>
+            </a:r>
+            <a:r>
+              <a:rPr lang="en-US" sz="2400" err="1">
+                <a:latin typeface="Times New Roman"/>
+                <a:ea typeface="+mn-lt"/>
+                <a:cs typeface="+mn-lt"/>
+              </a:rPr>
+              <a:t>không</a:t>
+            </a:r>
+            <a:r>
+              <a:rPr lang="en-US" sz="2400">
+                <a:latin typeface="Times New Roman"/>
+                <a:ea typeface="+mn-lt"/>
+                <a:cs typeface="+mn-lt"/>
+              </a:rPr>
+              <a:t> </a:t>
+            </a:r>
+            <a:r>
+              <a:rPr lang="en-US" sz="2400" err="1">
+                <a:latin typeface="Times New Roman"/>
+                <a:ea typeface="+mn-lt"/>
+                <a:cs typeface="+mn-lt"/>
+              </a:rPr>
+              <a:t>gian</a:t>
+            </a:r>
+            <a:r>
+              <a:rPr lang="en-US" sz="2400">
+                <a:latin typeface="Times New Roman"/>
+                <a:ea typeface="+mn-lt"/>
+                <a:cs typeface="+mn-lt"/>
+              </a:rPr>
+              <a:t> </a:t>
+            </a:r>
+            <a:r>
+              <a:rPr lang="en-US" sz="2400" err="1">
+                <a:latin typeface="Times New Roman"/>
+                <a:ea typeface="+mn-lt"/>
+                <a:cs typeface="+mn-lt"/>
+              </a:rPr>
+              <a:t>chứa</a:t>
+            </a:r>
+            <a:r>
+              <a:rPr lang="en-US" sz="2400">
+                <a:latin typeface="Times New Roman"/>
+                <a:ea typeface="+mn-lt"/>
+                <a:cs typeface="+mn-lt"/>
+              </a:rPr>
+              <a:t> </a:t>
+            </a:r>
+            <a:r>
+              <a:rPr lang="en-US" sz="2400" err="1">
+                <a:latin typeface="Times New Roman"/>
+                <a:ea typeface="+mn-lt"/>
+                <a:cs typeface="+mn-lt"/>
+              </a:rPr>
+              <a:t>dữ</a:t>
+            </a:r>
+            <a:r>
+              <a:rPr lang="en-US" sz="2400">
+                <a:latin typeface="Times New Roman"/>
+                <a:ea typeface="+mn-lt"/>
+                <a:cs typeface="+mn-lt"/>
+              </a:rPr>
+              <a:t> </a:t>
+            </a:r>
+            <a:r>
+              <a:rPr lang="en-US" sz="2400" err="1">
+                <a:latin typeface="Times New Roman"/>
+                <a:ea typeface="+mn-lt"/>
+                <a:cs typeface="+mn-lt"/>
+              </a:rPr>
+              <a:t>liệu</a:t>
+            </a:r>
+            <a:r>
+              <a:rPr lang="en-US" sz="2400">
+                <a:latin typeface="Times New Roman"/>
+                <a:ea typeface="+mn-lt"/>
+                <a:cs typeface="+mn-lt"/>
+              </a:rPr>
+              <a:t> </a:t>
+            </a:r>
+            <a:r>
+              <a:rPr lang="en-US" sz="2400" err="1">
+                <a:latin typeface="Times New Roman"/>
+                <a:ea typeface="+mn-lt"/>
+                <a:cs typeface="+mn-lt"/>
+              </a:rPr>
+              <a:t>mà</a:t>
+            </a:r>
+            <a:r>
+              <a:rPr lang="en-US" sz="2400">
+                <a:latin typeface="Times New Roman"/>
+                <a:ea typeface="+mn-lt"/>
+                <a:cs typeface="+mn-lt"/>
+              </a:rPr>
+              <a:t> </a:t>
+            </a:r>
+            <a:r>
+              <a:rPr lang="en-US" sz="2400" err="1">
+                <a:latin typeface="Times New Roman"/>
+                <a:ea typeface="+mn-lt"/>
+                <a:cs typeface="+mn-lt"/>
+              </a:rPr>
+              <a:t>vẫn</a:t>
+            </a:r>
+            <a:r>
+              <a:rPr lang="en-US" sz="2400">
+                <a:latin typeface="Times New Roman"/>
+                <a:ea typeface="+mn-lt"/>
+                <a:cs typeface="+mn-lt"/>
+              </a:rPr>
+              <a:t> </a:t>
+            </a:r>
+            <a:r>
+              <a:rPr lang="en-US" sz="2400" err="1">
+                <a:latin typeface="Times New Roman"/>
+                <a:ea typeface="+mn-lt"/>
+                <a:cs typeface="+mn-lt"/>
+              </a:rPr>
+              <a:t>làm</a:t>
+            </a:r>
+            <a:r>
+              <a:rPr lang="en-US" sz="2400">
+                <a:latin typeface="Times New Roman"/>
+                <a:ea typeface="+mn-lt"/>
+                <a:cs typeface="+mn-lt"/>
+              </a:rPr>
+              <a:t> </a:t>
+            </a:r>
+            <a:r>
+              <a:rPr lang="en-US" sz="2400" err="1">
+                <a:latin typeface="Times New Roman"/>
+                <a:ea typeface="+mn-lt"/>
+                <a:cs typeface="+mn-lt"/>
+              </a:rPr>
+              <a:t>việc</a:t>
+            </a:r>
+            <a:r>
+              <a:rPr lang="en-US" sz="2400">
+                <a:latin typeface="Times New Roman"/>
+                <a:ea typeface="+mn-lt"/>
+                <a:cs typeface="+mn-lt"/>
+              </a:rPr>
+              <a:t> </a:t>
+            </a:r>
+            <a:r>
+              <a:rPr lang="en-US" sz="2400" err="1">
+                <a:latin typeface="Times New Roman"/>
+                <a:ea typeface="+mn-lt"/>
+                <a:cs typeface="+mn-lt"/>
+              </a:rPr>
+              <a:t>chuyên</a:t>
+            </a:r>
+            <a:r>
+              <a:rPr lang="en-US" sz="2400">
+                <a:latin typeface="Times New Roman"/>
+                <a:ea typeface="+mn-lt"/>
+                <a:cs typeface="+mn-lt"/>
+              </a:rPr>
+              <a:t> </a:t>
+            </a:r>
+            <a:r>
+              <a:rPr lang="en-US" sz="2400" err="1">
+                <a:latin typeface="Times New Roman"/>
+                <a:ea typeface="+mn-lt"/>
+                <a:cs typeface="+mn-lt"/>
+              </a:rPr>
+              <a:t>nghiệp</a:t>
+            </a:r>
+            <a:r>
+              <a:rPr lang="en-US" sz="2400">
+                <a:latin typeface="Times New Roman"/>
+                <a:ea typeface="+mn-lt"/>
+                <a:cs typeface="+mn-lt"/>
+              </a:rPr>
+              <a:t> </a:t>
+            </a:r>
+            <a:r>
+              <a:rPr lang="en-US" sz="2400" err="1">
+                <a:latin typeface="Times New Roman"/>
+                <a:ea typeface="+mn-lt"/>
+                <a:cs typeface="+mn-lt"/>
+              </a:rPr>
+              <a:t>như</a:t>
+            </a:r>
+            <a:r>
+              <a:rPr lang="en-US" sz="2400">
+                <a:latin typeface="Times New Roman"/>
+                <a:ea typeface="+mn-lt"/>
+                <a:cs typeface="+mn-lt"/>
+              </a:rPr>
+              <a:t> </a:t>
+            </a:r>
+            <a:r>
+              <a:rPr lang="en-US" sz="2400" err="1">
+                <a:latin typeface="Times New Roman"/>
+                <a:ea typeface="+mn-lt"/>
+                <a:cs typeface="+mn-lt"/>
+              </a:rPr>
+              <a:t>các</a:t>
+            </a:r>
+            <a:r>
+              <a:rPr lang="en-US" sz="2400">
+                <a:latin typeface="Times New Roman"/>
+                <a:ea typeface="+mn-lt"/>
+                <a:cs typeface="+mn-lt"/>
+              </a:rPr>
+              <a:t> IDE.</a:t>
+            </a:r>
+            <a:endParaRPr lang="en-US" sz="2400">
+              <a:latin typeface="Times New Roman"/>
+              <a:cs typeface="Times New Roman"/>
+            </a:endParaRPr>
+          </a:p>
+          <a:p>
+            <a:r>
+              <a:rPr lang="en-US" sz="2400" err="1">
+                <a:latin typeface="Times New Roman"/>
+                <a:ea typeface="+mn-lt"/>
+                <a:cs typeface="+mn-lt"/>
+              </a:rPr>
+              <a:t>Quá</a:t>
+            </a:r>
+            <a:r>
+              <a:rPr lang="en-US" sz="2400">
+                <a:latin typeface="Times New Roman"/>
+                <a:ea typeface="+mn-lt"/>
+                <a:cs typeface="+mn-lt"/>
+              </a:rPr>
+              <a:t> </a:t>
+            </a:r>
+            <a:r>
+              <a:rPr lang="en-US" sz="2400" err="1">
+                <a:latin typeface="Times New Roman"/>
+                <a:ea typeface="+mn-lt"/>
+                <a:cs typeface="+mn-lt"/>
+              </a:rPr>
+              <a:t>trình</a:t>
+            </a:r>
+            <a:r>
+              <a:rPr lang="en-US" sz="2400">
+                <a:latin typeface="Times New Roman"/>
+                <a:ea typeface="+mn-lt"/>
+                <a:cs typeface="+mn-lt"/>
+              </a:rPr>
+              <a:t> </a:t>
+            </a:r>
+            <a:r>
+              <a:rPr lang="en-US" sz="2400" err="1">
+                <a:latin typeface="Times New Roman"/>
+                <a:ea typeface="+mn-lt"/>
+                <a:cs typeface="+mn-lt"/>
+              </a:rPr>
+              <a:t>phát</a:t>
+            </a:r>
+            <a:r>
+              <a:rPr lang="en-US" sz="2400">
+                <a:latin typeface="Times New Roman"/>
+                <a:ea typeface="+mn-lt"/>
+                <a:cs typeface="+mn-lt"/>
+              </a:rPr>
+              <a:t> </a:t>
+            </a:r>
+            <a:r>
+              <a:rPr lang="en-US" sz="2400" err="1">
+                <a:latin typeface="Times New Roman"/>
+                <a:ea typeface="+mn-lt"/>
+                <a:cs typeface="+mn-lt"/>
+              </a:rPr>
+              <a:t>triển</a:t>
+            </a:r>
+            <a:r>
+              <a:rPr lang="en-US" sz="2400">
+                <a:latin typeface="Times New Roman"/>
+                <a:ea typeface="+mn-lt"/>
+                <a:cs typeface="+mn-lt"/>
+              </a:rPr>
+              <a:t> web app WDP </a:t>
+            </a:r>
+            <a:r>
+              <a:rPr lang="en-US" sz="2400" err="1">
+                <a:latin typeface="Times New Roman"/>
+                <a:ea typeface="+mn-lt"/>
+                <a:cs typeface="+mn-lt"/>
+              </a:rPr>
+              <a:t>sẽ</a:t>
+            </a:r>
+            <a:r>
+              <a:rPr lang="en-US" sz="2400">
+                <a:latin typeface="Times New Roman"/>
+                <a:ea typeface="+mn-lt"/>
+                <a:cs typeface="+mn-lt"/>
+              </a:rPr>
+              <a:t> </a:t>
+            </a:r>
+            <a:r>
+              <a:rPr lang="en-US" sz="2400" err="1">
+                <a:latin typeface="Times New Roman"/>
+                <a:ea typeface="+mn-lt"/>
+                <a:cs typeface="+mn-lt"/>
+              </a:rPr>
+              <a:t>tập</a:t>
+            </a:r>
+            <a:r>
+              <a:rPr lang="en-US" sz="2400">
+                <a:latin typeface="Times New Roman"/>
+                <a:ea typeface="+mn-lt"/>
+                <a:cs typeface="+mn-lt"/>
+              </a:rPr>
+              <a:t> </a:t>
+            </a:r>
+            <a:r>
+              <a:rPr lang="en-US" sz="2400" err="1">
+                <a:latin typeface="Times New Roman"/>
+                <a:ea typeface="+mn-lt"/>
+                <a:cs typeface="+mn-lt"/>
+              </a:rPr>
+              <a:t>trung</a:t>
+            </a:r>
+            <a:r>
+              <a:rPr lang="en-US" sz="2400">
+                <a:latin typeface="Times New Roman"/>
+                <a:ea typeface="+mn-lt"/>
+                <a:cs typeface="+mn-lt"/>
+              </a:rPr>
+              <a:t> </a:t>
+            </a:r>
+            <a:r>
+              <a:rPr lang="en-US" sz="2400" err="1">
+                <a:latin typeface="Times New Roman"/>
+                <a:ea typeface="+mn-lt"/>
+                <a:cs typeface="+mn-lt"/>
+              </a:rPr>
+              <a:t>vào</a:t>
+            </a:r>
+            <a:r>
+              <a:rPr lang="en-US" sz="2400">
+                <a:latin typeface="Times New Roman"/>
+                <a:ea typeface="+mn-lt"/>
+                <a:cs typeface="+mn-lt"/>
+              </a:rPr>
+              <a:t> </a:t>
+            </a:r>
+            <a:r>
+              <a:rPr lang="en-US" sz="2400" err="1">
+                <a:latin typeface="Times New Roman"/>
+                <a:ea typeface="+mn-lt"/>
+                <a:cs typeface="+mn-lt"/>
+              </a:rPr>
+              <a:t>hai</a:t>
+            </a:r>
+            <a:r>
+              <a:rPr lang="en-US" sz="2400">
+                <a:latin typeface="Times New Roman"/>
+                <a:ea typeface="+mn-lt"/>
+                <a:cs typeface="+mn-lt"/>
+              </a:rPr>
+              <a:t> </a:t>
+            </a:r>
+            <a:r>
+              <a:rPr lang="en-US" sz="2400" err="1">
+                <a:latin typeface="Times New Roman"/>
+                <a:ea typeface="+mn-lt"/>
+                <a:cs typeface="+mn-lt"/>
+              </a:rPr>
+              <a:t>vấn</a:t>
+            </a:r>
+            <a:r>
+              <a:rPr lang="en-US" sz="2400">
+                <a:latin typeface="Times New Roman"/>
+                <a:ea typeface="+mn-lt"/>
+                <a:cs typeface="+mn-lt"/>
+              </a:rPr>
+              <a:t> </a:t>
+            </a:r>
+            <a:r>
+              <a:rPr lang="en-US" sz="2400" err="1">
+                <a:latin typeface="Times New Roman"/>
+                <a:ea typeface="+mn-lt"/>
+                <a:cs typeface="+mn-lt"/>
+              </a:rPr>
+              <a:t>đề</a:t>
+            </a:r>
+            <a:r>
+              <a:rPr lang="en-US" sz="2400">
+                <a:latin typeface="Times New Roman"/>
+                <a:ea typeface="+mn-lt"/>
+                <a:cs typeface="+mn-lt"/>
+              </a:rPr>
+              <a:t> </a:t>
+            </a:r>
+            <a:r>
+              <a:rPr lang="en-US" sz="2400" err="1">
+                <a:latin typeface="Times New Roman"/>
+                <a:ea typeface="+mn-lt"/>
+                <a:cs typeface="+mn-lt"/>
+              </a:rPr>
+              <a:t>chính</a:t>
+            </a:r>
+            <a:r>
+              <a:rPr lang="en-US" sz="2400">
+                <a:latin typeface="Times New Roman"/>
+                <a:ea typeface="+mn-lt"/>
+                <a:cs typeface="+mn-lt"/>
+              </a:rPr>
+              <a:t>:</a:t>
+            </a:r>
+            <a:endParaRPr lang="en-US" sz="2400">
+              <a:latin typeface="Times New Roman"/>
+            </a:endParaRPr>
+          </a:p>
+          <a:p>
+            <a:pPr marL="1257300" lvl="3">
+              <a:buNone/>
+            </a:pPr>
+            <a:r>
+              <a:rPr lang="en-US" sz="2400" i="1">
+                <a:latin typeface="Times New Roman"/>
+                <a:cs typeface="Times New Roman"/>
+              </a:rPr>
+              <a:t>- </a:t>
+            </a:r>
+            <a:r>
+              <a:rPr lang="en-US" sz="2400" i="1" err="1">
+                <a:latin typeface="Times New Roman"/>
+                <a:ea typeface="+mn-lt"/>
+                <a:cs typeface="+mn-lt"/>
+              </a:rPr>
+              <a:t>Đơn</a:t>
+            </a:r>
+            <a:r>
+              <a:rPr lang="en-US" sz="2400" i="1">
+                <a:latin typeface="Times New Roman"/>
+                <a:ea typeface="+mn-lt"/>
+                <a:cs typeface="+mn-lt"/>
+              </a:rPr>
+              <a:t> </a:t>
+            </a:r>
+            <a:r>
+              <a:rPr lang="en-US" sz="2400" i="1" err="1">
+                <a:latin typeface="Times New Roman"/>
+                <a:ea typeface="+mn-lt"/>
+                <a:cs typeface="+mn-lt"/>
+              </a:rPr>
+              <a:t>giản</a:t>
+            </a:r>
+            <a:r>
+              <a:rPr lang="en-US" sz="2400" i="1">
+                <a:latin typeface="Times New Roman"/>
+                <a:ea typeface="+mn-lt"/>
+                <a:cs typeface="+mn-lt"/>
+              </a:rPr>
+              <a:t> </a:t>
+            </a:r>
+            <a:r>
+              <a:rPr lang="en-US" sz="2400" i="1" err="1">
+                <a:latin typeface="Times New Roman"/>
+                <a:ea typeface="+mn-lt"/>
+                <a:cs typeface="+mn-lt"/>
+              </a:rPr>
+              <a:t>hóa</a:t>
+            </a:r>
+            <a:r>
+              <a:rPr lang="en-US" sz="2400" i="1">
+                <a:latin typeface="Times New Roman"/>
+                <a:ea typeface="+mn-lt"/>
+                <a:cs typeface="+mn-lt"/>
+              </a:rPr>
+              <a:t> </a:t>
+            </a:r>
+            <a:r>
+              <a:rPr lang="en-US" sz="2400" i="1" err="1">
+                <a:latin typeface="Times New Roman"/>
+                <a:ea typeface="+mn-lt"/>
+                <a:cs typeface="+mn-lt"/>
+              </a:rPr>
+              <a:t>cách</a:t>
+            </a:r>
+            <a:r>
+              <a:rPr lang="en-US" sz="2400" i="1">
+                <a:latin typeface="Times New Roman"/>
+                <a:ea typeface="+mn-lt"/>
+                <a:cs typeface="+mn-lt"/>
+              </a:rPr>
+              <a:t> </a:t>
+            </a:r>
+            <a:r>
+              <a:rPr lang="en-US" sz="2400" i="1" err="1">
+                <a:latin typeface="Times New Roman"/>
+                <a:ea typeface="+mn-lt"/>
+                <a:cs typeface="+mn-lt"/>
+              </a:rPr>
               <a:t>sử</a:t>
             </a:r>
             <a:r>
-              <a:rPr lang="en-US" dirty="0"/>
+              <a:rPr lang="en-US" sz="2400" i="1">
+                <a:latin typeface="Times New Roman"/>
+                <a:ea typeface="+mn-lt"/>
+                <a:cs typeface="+mn-lt"/>
+              </a:rPr>
               <a:t> </a:t>
             </a:r>
             <a:r>
-              <a:rPr lang="en-US" dirty="0" err="1"/>
+              <a:rPr lang="en-US" sz="2400" i="1" err="1">
+                <a:latin typeface="Times New Roman"/>
+                <a:ea typeface="+mn-lt"/>
+                <a:cs typeface="+mn-lt"/>
+              </a:rPr>
               <a:t>dụng</a:t>
             </a:r>
             <a:r>
-              <a:rPr lang="en-US" dirty="0"/>
-              <a:t> 1 code editor </a:t>
-            </a:r>
-            <a:r>
-              <a:rPr lang="en-US" dirty="0" err="1"/>
-              <a:t>được</a:t>
-            </a:r>
-            <a:r>
-              <a:rPr lang="en-US" dirty="0"/>
-              <a:t> </a:t>
-            </a:r>
-            <a:r>
-              <a:rPr lang="en-US" dirty="0" err="1"/>
-              <a:t>cài</a:t>
-            </a:r>
-            <a:r>
-              <a:rPr lang="en-US" dirty="0"/>
+              <a:rPr lang="en-US" sz="2400" i="1">
+                <a:latin typeface="Times New Roman"/>
+                <a:ea typeface="+mn-lt"/>
+                <a:cs typeface="+mn-lt"/>
+              </a:rPr>
               <a:t> </a:t>
             </a:r>
             <a:r>
-              <a:rPr lang="en-US" dirty="0" err="1"/>
-              <a:t>sẵn</a:t>
-            </a:r>
-            <a:r>
-              <a:rPr lang="en-US" dirty="0"/>
+              <a:rPr lang="en-US" sz="2400" i="1" err="1">
+                <a:latin typeface="Times New Roman"/>
+                <a:ea typeface="+mn-lt"/>
+                <a:cs typeface="+mn-lt"/>
+              </a:rPr>
+              <a:t>trình</a:t>
+            </a:r>
+            <a:r>
+              <a:rPr lang="en-US" sz="2400" i="1">
+                <a:latin typeface="Times New Roman"/>
+                <a:ea typeface="+mn-lt"/>
+                <a:cs typeface="+mn-lt"/>
+              </a:rPr>
               <a:t> </a:t>
             </a:r>
             <a:r>
-              <a:rPr lang="en-US" dirty="0" err="1"/>
-              <a:t>trên</a:t>
-            </a:r>
-            <a:r>
-              <a:rPr lang="en-US" dirty="0"/>
+              <a:rPr lang="en-US" sz="2400" i="1" err="1">
+                <a:latin typeface="Times New Roman"/>
+                <a:ea typeface="+mn-lt"/>
+                <a:cs typeface="+mn-lt"/>
+              </a:rPr>
+              <a:t>soạn</a:t>
+            </a:r>
+            <a:r>
+              <a:rPr lang="en-US" sz="2400" i="1">
+                <a:latin typeface="Times New Roman"/>
+                <a:ea typeface="+mn-lt"/>
+                <a:cs typeface="+mn-lt"/>
+              </a:rPr>
               <a:t> </a:t>
             </a:r>
             <a:r>
-              <a:rPr lang="en-US" dirty="0" err="1"/>
-              <a:t>máy</a:t>
-            </a:r>
-            <a:r>
-              <a:rPr lang="en-US" dirty="0"/>
+              <a:rPr lang="en-US" sz="2400" i="1" err="1">
+                <a:latin typeface="Times New Roman"/>
+                <a:ea typeface="+mn-lt"/>
+                <a:cs typeface="+mn-lt"/>
+              </a:rPr>
+              <a:t>thảo</a:t>
+            </a:r>
+            <a:r>
+              <a:rPr lang="en-US" sz="2400" i="1">
+                <a:latin typeface="Times New Roman"/>
+                <a:ea typeface="+mn-lt"/>
+                <a:cs typeface="+mn-lt"/>
+              </a:rPr>
+              <a:t> code:</a:t>
+            </a:r>
+            <a:endParaRPr lang="en-US" sz="2400" i="1">
+              <a:latin typeface="Times New Roman"/>
+              <a:cs typeface="Times New Roman"/>
+            </a:endParaRPr>
+          </a:p>
+          <a:p>
+            <a:pPr marL="1257300" lvl="3">
+              <a:buNone/>
+            </a:pPr>
+            <a:r>
+              <a:rPr lang="en-US" sz="2400" i="1">
+                <a:latin typeface="Times New Roman"/>
+                <a:cs typeface="Times New Roman"/>
+              </a:rPr>
+              <a:t>- </a:t>
+            </a:r>
+            <a:r>
+              <a:rPr lang="en-US" sz="2400" i="1" err="1">
+                <a:latin typeface="Times New Roman"/>
+                <a:ea typeface="+mn-lt"/>
+                <a:cs typeface="+mn-lt"/>
+              </a:rPr>
+              <a:t>Làm</a:t>
+            </a:r>
+            <a:r>
+              <a:rPr lang="en-US" sz="2400" i="1">
+                <a:latin typeface="Times New Roman"/>
+                <a:ea typeface="+mn-lt"/>
+                <a:cs typeface="+mn-lt"/>
+              </a:rPr>
               <a:t> </a:t>
             </a:r>
             <a:r>
-              <a:rPr lang="en-US" dirty="0" err="1"/>
-              <a:t>tính</a:t>
-            </a:r>
-            <a:r>
-              <a:rPr lang="en-US" dirty="0"/>
+              <a:rPr lang="en-US" sz="2400" i="1" err="1">
+                <a:latin typeface="Times New Roman"/>
+                <a:ea typeface="+mn-lt"/>
+                <a:cs typeface="+mn-lt"/>
+              </a:rPr>
+              <a:t>việc</a:t>
+            </a:r>
+            <a:r>
+              <a:rPr lang="en-US" sz="2400" i="1">
+                <a:latin typeface="Times New Roman"/>
+                <a:ea typeface="+mn-lt"/>
+                <a:cs typeface="+mn-lt"/>
+              </a:rPr>
               <a:t> </a:t>
             </a:r>
             <a:r>
-              <a:rPr lang="en-US" dirty="0" err="1"/>
-              <a:t>để</a:t>
-            </a:r>
-            <a:r>
-              <a:rPr lang="en-US" dirty="0"/>
-              <a:t> code </a:t>
-            </a:r>
-            <a:r>
-              <a:rPr lang="en-US" dirty="0" err="1"/>
-              <a:t>sau</a:t>
-            </a:r>
-            <a:r>
-              <a:rPr lang="en-US" dirty="0"/>
-              <a:t> </a:t>
-            </a:r>
-            <a:r>
-              <a:rPr lang="en-US" dirty="0" err="1"/>
-              <a:t>đó</a:t>
-            </a:r>
-            <a:r>
-              <a:rPr lang="en-US" dirty="0"/>
+              <a:rPr lang="en-US" sz="2400" i="1" err="1">
+                <a:latin typeface="Times New Roman"/>
+                <a:ea typeface="+mn-lt"/>
+                <a:cs typeface="+mn-lt"/>
+              </a:rPr>
+              <a:t>như</a:t>
+            </a:r>
+            <a:r>
+              <a:rPr lang="en-US" sz="2400" i="1">
+                <a:latin typeface="Times New Roman"/>
+                <a:ea typeface="+mn-lt"/>
+                <a:cs typeface="+mn-lt"/>
+              </a:rPr>
               <a:t> </a:t>
             </a:r>
             <a:r>
-              <a:rPr lang="en-US" dirty="0" err="1"/>
-              <a:t>xem</a:t>
-            </a:r>
-            <a:r>
-              <a:rPr lang="en-US" dirty="0"/>
-              <a:t> </a:t>
-            </a:r>
-            <a:r>
-              <a:rPr lang="en-US" dirty="0" err="1"/>
-              <a:t>trang</a:t>
-            </a:r>
-            <a:r>
-              <a:rPr lang="en-US" dirty="0"/>
-              <a:t> web </a:t>
-            </a:r>
-            <a:r>
-              <a:rPr lang="en-US" dirty="0" err="1"/>
-              <a:t>của</a:t>
-            </a:r>
-            <a:r>
-              <a:rPr lang="en-US" dirty="0"/>
-              <a:t> </a:t>
-            </a:r>
-            <a:r>
-              <a:rPr lang="en-US" dirty="0" err="1"/>
-              <a:t>mình</a:t>
-            </a:r>
-            <a:r>
-              <a:rPr lang="en-US" dirty="0"/>
-              <a:t> </a:t>
-            </a:r>
-            <a:r>
-              <a:rPr lang="en-US" dirty="0" err="1"/>
-              <a:t>trong</a:t>
-            </a:r>
-            <a:r>
-              <a:rPr lang="en-US" dirty="0"/>
-              <a:t> </a:t>
-            </a:r>
-            <a:r>
-              <a:rPr lang="en-US" dirty="0" err="1"/>
-              <a:t>trình</a:t>
-            </a:r>
-            <a:r>
-              <a:rPr lang="en-US" dirty="0"/>
-              <a:t> </a:t>
-            </a:r>
-            <a:r>
-              <a:rPr lang="en-US" dirty="0" err="1"/>
-              <a:t>duyệt</a:t>
-            </a:r>
-            <a:r>
-              <a:rPr lang="en-US" dirty="0"/>
-              <a:t> web. </a:t>
-            </a:r>
-          </a:p>
-          <a:p>
-            <a:endParaRPr lang="en-US" dirty="0"/>
-          </a:p>
-          <a:p>
-            <a:r>
-              <a:rPr lang="en-US" dirty="0"/>
-              <a:t>=&gt; </a:t>
-            </a:r>
-            <a:r>
-              <a:rPr lang="en-US" dirty="0" err="1"/>
-              <a:t>Để</a:t>
-            </a:r>
-            <a:r>
-              <a:rPr lang="en-US" dirty="0"/>
-              <a:t> </a:t>
-            </a:r>
-            <a:r>
-              <a:rPr lang="en-US" dirty="0" err="1"/>
-              <a:t>tiết</a:t>
-            </a:r>
-            <a:r>
-              <a:rPr lang="en-US" dirty="0"/>
-              <a:t> </a:t>
-            </a:r>
-            <a:r>
-              <a:rPr lang="en-US" dirty="0" err="1"/>
-              <a:t>kiệm</a:t>
-            </a:r>
-            <a:r>
-              <a:rPr lang="en-US" dirty="0"/>
-              <a:t> </a:t>
-            </a:r>
-            <a:r>
-              <a:rPr lang="en-US" dirty="0" err="1"/>
-              <a:t>công</a:t>
-            </a:r>
-            <a:r>
-              <a:rPr lang="en-US" dirty="0"/>
-              <a:t> </a:t>
-            </a:r>
-            <a:r>
-              <a:rPr lang="en-US" dirty="0" err="1"/>
-              <a:t>sức</a:t>
-            </a:r>
-            <a:r>
-              <a:rPr lang="en-US" dirty="0"/>
-              <a:t> </a:t>
-            </a:r>
-            <a:r>
-              <a:rPr lang="en-US" dirty="0" err="1"/>
-              <a:t>chuyển</a:t>
-            </a:r>
-            <a:r>
-              <a:rPr lang="en-US" dirty="0"/>
-              <a:t> qua </a:t>
-            </a:r>
-            <a:r>
-              <a:rPr lang="en-US" dirty="0" err="1"/>
-              <a:t>chuyển</a:t>
-            </a:r>
-            <a:r>
-              <a:rPr lang="en-US" dirty="0"/>
-              <a:t> </a:t>
-            </a:r>
-            <a:r>
-              <a:rPr lang="en-US" dirty="0" err="1"/>
-              <a:t>lại</a:t>
-            </a:r>
-            <a:r>
-              <a:rPr lang="en-US" dirty="0"/>
-              <a:t> </a:t>
-            </a:r>
-            <a:r>
-              <a:rPr lang="en-US" dirty="0" err="1"/>
-              <a:t>giữa</a:t>
-            </a:r>
-            <a:r>
-              <a:rPr lang="en-US" dirty="0"/>
-              <a:t> </a:t>
-            </a:r>
-            <a:r>
-              <a:rPr lang="en-US" dirty="0" err="1"/>
-              <a:t>các</a:t>
-            </a:r>
-            <a:r>
-              <a:rPr lang="en-US" dirty="0"/>
-              <a:t> tab, WDP </a:t>
-            </a:r>
-            <a:r>
-              <a:rPr lang="en-US" dirty="0" err="1"/>
-              <a:t>đã</a:t>
-            </a:r>
-            <a:r>
-              <a:rPr lang="en-US" dirty="0"/>
-              <a:t> </a:t>
-            </a:r>
-            <a:r>
-              <a:rPr lang="en-US" dirty="0" err="1"/>
-              <a:t>tích</a:t>
-            </a:r>
-            <a:r>
-              <a:rPr lang="en-US" dirty="0"/>
-              <a:t> </a:t>
-            </a:r>
-            <a:r>
-              <a:rPr lang="en-US" dirty="0" err="1"/>
-              <a:t>hợp</a:t>
-            </a:r>
-            <a:r>
-              <a:rPr lang="en-US" dirty="0"/>
-              <a:t> </a:t>
-            </a:r>
-            <a:r>
-              <a:rPr lang="en-US" dirty="0" err="1"/>
-              <a:t>việc</a:t>
-            </a:r>
-            <a:r>
-              <a:rPr lang="en-US" dirty="0"/>
-              <a:t> code </a:t>
-            </a:r>
-            <a:r>
-              <a:rPr lang="en-US" dirty="0" err="1"/>
-              <a:t>và</a:t>
-            </a:r>
-            <a:r>
-              <a:rPr lang="en-US" dirty="0"/>
-              <a:t> view </a:t>
-            </a:r>
-            <a:r>
-              <a:rPr lang="en-US" dirty="0" err="1"/>
-              <a:t>trang</a:t>
-            </a:r>
-            <a:r>
-              <a:rPr lang="en-US" dirty="0"/>
-              <a:t> web </a:t>
-            </a:r>
-            <a:r>
-              <a:rPr lang="en-US" dirty="0" err="1"/>
-              <a:t>trên</a:t>
-            </a:r>
-            <a:r>
-              <a:rPr lang="en-US" dirty="0"/>
-              <a:t> </a:t>
-            </a:r>
-            <a:r>
-              <a:rPr lang="en-US" dirty="0" err="1"/>
-              <a:t>cùng</a:t>
-            </a:r>
-            <a:r>
-              <a:rPr lang="en-US" dirty="0"/>
-              <a:t> </a:t>
-            </a:r>
-            <a:r>
-              <a:rPr lang="en-US" dirty="0" err="1"/>
+              <a:rPr lang="en-US" sz="2400" i="1" err="1">
+                <a:latin typeface="Times New Roman"/>
+                <a:ea typeface="+mn-lt"/>
+                <a:cs typeface="+mn-lt"/>
+              </a:rPr>
               <a:t>một</a:t>
             </a:r>
             <a:r>
-              <a:rPr lang="en-US" dirty="0"/>
-              <a:t> </a:t>
-            </a:r>
-            <a:r>
-              <a:rPr lang="en-US" dirty="0" err="1"/>
-              <a:t>ứng</a:t>
-            </a:r>
-            <a:r>
-              <a:rPr lang="en-US" dirty="0"/>
-              <a:t> </a:t>
-            </a:r>
-            <a:r>
-              <a:rPr lang="en-US" dirty="0" err="1"/>
-              <a:t>dụng</a:t>
-            </a:r>
-            <a:r>
-              <a:rPr lang="en-US" dirty="0"/>
-              <a:t>.</a:t>
-            </a:r>
+              <a:rPr lang="en-US" sz="2400" i="1">
+                <a:latin typeface="Times New Roman"/>
+                <a:ea typeface="+mn-lt"/>
+                <a:cs typeface="+mn-lt"/>
+              </a:rPr>
+              <a:t> IDE </a:t>
+            </a:r>
+            <a:endParaRPr lang="en-US" sz="2400" i="1"/>
+          </a:p>
+          <a:p>
+            <a:pPr marL="914400" lvl="2" indent="0">
+              <a:buNone/>
+            </a:pPr>
+            <a:endParaRPr lang="en-US"/>
           </a:p>
           <a:p>
             <a:pPr lvl="2"/>
-            <a:endParaRPr lang="en-US" dirty="0"/>
-          </a:p>
-          <a:p>
-            <a:pPr marL="914400" lvl="2" indent="0">
-              <a:buNone/>
-            </a:pPr>
-            <a:endParaRPr lang="en-US" dirty="0"/>
-          </a:p>
-          <a:p>
-            <a:pPr lvl="2"/>
-            <a:endParaRPr lang="en-US" dirty="0"/>
+            <a:endParaRPr lang="en-US"/>
           </a:p>
         </p:txBody>
       </p:sp>
@@ -14323,53 +15890,93 @@
           <a:lstStyle/>
           <a:p>
             <a:r>
-              <a:rPr lang="en-US" dirty="0"/>
+              <a:rPr lang="en-US" sz="4400">
+                <a:latin typeface="Times New Roman"/>
+                <a:cs typeface="Times New Roman"/>
+              </a:rPr>
               <a:t>2. </a:t>
             </a:r>
             <a:r>
-              <a:rPr lang="en-US" dirty="0" err="1"/>
+              <a:rPr lang="en-US" sz="4400" err="1">
+                <a:latin typeface="Times New Roman"/>
+                <a:cs typeface="Times New Roman"/>
+              </a:rPr>
               <a:t>Các</a:t>
             </a:r>
             <a:r>
-              <a:rPr lang="en-US" dirty="0"/>
+              <a:rPr lang="en-US" sz="4400">
+                <a:latin typeface="Times New Roman"/>
+                <a:cs typeface="Times New Roman"/>
+              </a:rPr>
               <a:t> </a:t>
             </a:r>
             <a:r>
-              <a:rPr lang="en-US" dirty="0" err="1"/>
+              <a:rPr lang="en-US" sz="4400" err="1">
+                <a:latin typeface="Times New Roman"/>
+                <a:cs typeface="Times New Roman"/>
+              </a:rPr>
               <a:t>công</a:t>
             </a:r>
             <a:r>
-              <a:rPr lang="en-US" dirty="0"/>
+              <a:rPr lang="en-US" sz="4400">
+                <a:latin typeface="Times New Roman"/>
+                <a:cs typeface="Times New Roman"/>
+              </a:rPr>
               <a:t> </a:t>
             </a:r>
             <a:r>
-              <a:rPr lang="en-US" dirty="0" err="1"/>
+              <a:rPr lang="en-US" sz="4400" err="1">
+                <a:latin typeface="Times New Roman"/>
+                <a:cs typeface="Times New Roman"/>
+              </a:rPr>
               <a:t>nghệ</a:t>
             </a:r>
             <a:r>
-              <a:rPr lang="en-US" dirty="0"/>
+              <a:rPr lang="en-US" sz="4400">
+                <a:latin typeface="Times New Roman"/>
+                <a:cs typeface="Times New Roman"/>
+              </a:rPr>
               <a:t> </a:t>
             </a:r>
             <a:r>
-              <a:rPr lang="en-US" dirty="0" err="1"/>
+              <a:rPr lang="en-US" sz="4400" err="1">
+                <a:latin typeface="Times New Roman"/>
+                <a:cs typeface="Times New Roman"/>
+              </a:rPr>
               <a:t>được</a:t>
             </a:r>
             <a:r>
-              <a:rPr lang="en-US" dirty="0"/>
+              <a:rPr lang="en-US" sz="4400">
+                <a:latin typeface="Times New Roman"/>
+                <a:cs typeface="Times New Roman"/>
+              </a:rPr>
               <a:t> </a:t>
             </a:r>
             <a:r>
-              <a:rPr lang="en-US" dirty="0" err="1"/>
+              <a:rPr lang="en-US" sz="4400" err="1">
+                <a:latin typeface="Times New Roman"/>
+                <a:cs typeface="Times New Roman"/>
+              </a:rPr>
               <a:t>sử</a:t>
             </a:r>
             <a:r>
-              <a:rPr lang="en-US" dirty="0"/>
+              <a:rPr lang="en-US" sz="4400">
+                <a:latin typeface="Times New Roman"/>
+                <a:cs typeface="Times New Roman"/>
+              </a:rPr>
               <a:t> </a:t>
             </a:r>
             <a:r>
-              <a:rPr lang="en-US" dirty="0" err="1"/>
+              <a:rPr lang="en-US" sz="4400" err="1">
+                <a:latin typeface="Times New Roman"/>
+                <a:cs typeface="Times New Roman"/>
+              </a:rPr>
               <a:t>dụng</a:t>
             </a:r>
+            <a:endParaRPr lang="en-US" sz="4400">
+              <a:latin typeface="Times New Roman"/>
+              <a:cs typeface="Times New Roman"/>
+            </a:endParaRPr>
           </a:p>
         </p:txBody>
       </p:sp>
@@ -14424,7 +16031,7 @@
         </p:blipFill>
         <p:spPr>
           <a:xfrm>
-            <a:off x="2921619" y="4253436"/>
+            <a:off x="2090346" y="4322709"/>
             <a:ext cx="2743200" cy="1510639"/>
           </a:xfrm>
           <a:prstGeom prst="rect">
@@ -14464,10 +16071,10 @@
       </p:pic>
       <p:pic>
         <p:nvPicPr>
-          <p:cNvPr id="10" name="Picture 10" descr="A picture containing drawing&#10;&#10;Description generated with very high confidence">
+          <p:cNvPr id="3" name="Picture 4" descr="A close up of a logo&#10;&#10;Description generated with very high confidence">
             <a:extLst>
               <a:ext uri="{FF2B5EF4-FFF2-40B4-BE49-F238E27FC236}">
-                <a16:creationId xmlns:a16="http://schemas.microsoft.com/office/drawing/2014/main" id="{B9B5D3C1-D3EB-450D-B492-38E8987180FF}"/>
+                <a16:creationId xmlns:a16="http://schemas.microsoft.com/office/drawing/2014/main" id="{509508E8-671D-4212-B354-4CC0A5775471}"/>
               </a:ext>
             </a:extLst>
           </p:cNvPr>
@@ -14484,8 +16091,8 @@
         </p:blipFill>
         <p:spPr>
           <a:xfrm>
-            <a:off x="6638692" y="4255817"/>
-            <a:ext cx="2743200" cy="1543050"/>
+            <a:off x="7284378" y="4325458"/>
+            <a:ext cx="2743200" cy="1700297"/>
           </a:xfrm>
           <a:prstGeom prst="rect">
             <a:avLst/>
@@ -14544,38 +16151,68 @@
           <a:lstStyle/>
           <a:p>
             <a:r>
-              <a:rPr lang="en-US" dirty="0"/>
+              <a:rPr lang="en-US" sz="4400">
+                <a:latin typeface="Times New Roman"/>
+                <a:cs typeface="Times New Roman"/>
+              </a:rPr>
               <a:t>3. </a:t>
             </a:r>
             <a:r>
-              <a:rPr lang="en-US" dirty="0" err="1"/>
-              <a:t>Các</a:t>
-            </a:r>
-            <a:r>
-              <a:rPr lang="en-US" dirty="0"/>
+              <a:rPr lang="en-US" sz="4400" err="1">
+                <a:latin typeface="Times New Roman"/>
+                <a:cs typeface="Times New Roman"/>
+              </a:rPr>
+              <a:t>Một</a:t>
+            </a:r>
+            <a:r>
+              <a:rPr lang="en-US" sz="4400">
+                <a:latin typeface="Times New Roman"/>
+                <a:cs typeface="Times New Roman"/>
+              </a:rPr>
               <a:t> </a:t>
             </a:r>
             <a:r>
-              <a:rPr lang="en-US" dirty="0" err="1"/>
+              <a:rPr lang="en-US" sz="4400" err="1">
+                <a:latin typeface="Times New Roman"/>
+                <a:cs typeface="Times New Roman"/>
+              </a:rPr>
+              <a:t>số</a:t>
+            </a:r>
+            <a:r>
+              <a:rPr lang="en-US" sz="4400">
+                <a:latin typeface="Times New Roman"/>
+                <a:cs typeface="Times New Roman"/>
+              </a:rPr>
+              <a:t> </a:t>
+            </a:r>
+            <a:r>
+              <a:rPr lang="en-US" sz="4400" err="1">
+                <a:latin typeface="Times New Roman"/>
+                <a:cs typeface="Times New Roman"/>
+              </a:rPr>
               <a:t>chức</a:t>
             </a:r>
             <a:r>
-              <a:rPr lang="en-US" dirty="0"/>
+              <a:rPr lang="en-US" sz="4400">
+                <a:latin typeface="Times New Roman"/>
+                <a:cs typeface="Times New Roman"/>
+              </a:rPr>
               <a:t> </a:t>
             </a:r>
             <a:r>
-              <a:rPr lang="en-US" dirty="0" err="1"/>
+              <a:rPr lang="en-US" sz="4400" err="1">
+                <a:latin typeface="Times New Roman"/>
+                <a:cs typeface="Times New Roman"/>
+              </a:rPr>
               <a:t>năng</a:t>
             </a:r>
             <a:r>
-              <a:rPr lang="en-US" dirty="0"/>
-              <a:t> </a:t>
-            </a:r>
-            <a:r>
-              <a:rPr lang="en-US" dirty="0" err="1"/>
-              <a:t>chính</a:t>
-            </a:r>
-            <a:endParaRPr lang="en-US" dirty="0"/>
+              <a:rPr lang="en-US" sz="4400">
+                <a:latin typeface="Times New Roman"/>
+                <a:cs typeface="Times New Roman"/>
+              </a:rPr>
+              <a:t> </a:t>
+            </a:r>
           </a:p>
         </p:txBody>
       </p:sp>
@@ -14595,7 +16232,12 @@
             <p:ph idx="1"/>
           </p:nvPr>
         </p:nvSpPr>
-        <p:spPr/>
+        <p:spPr>
+          <a:xfrm>
+            <a:off x="1336795" y="2369705"/>
+            <a:ext cx="8825659" cy="3416300"/>
+          </a:xfrm>
+        </p:spPr>
         <p:txBody>
           <a:bodyPr vert="horz" lIns="91440" tIns="45720" rIns="91440" bIns="45720" rtlCol="0" anchor="t">
             <a:normAutofit/>
@@ -14603,64 +16245,106 @@
           <a:lstStyle/>
           <a:p>
             <a:r>
-              <a:rPr lang="en-US" dirty="0" err="1"/>
+              <a:rPr lang="en-US" sz="2000" err="1">
+                <a:latin typeface="Times New Roman"/>
+                <a:cs typeface="Times New Roman"/>
+              </a:rPr>
               <a:t>Các</a:t>
             </a:r>
             <a:r>
-              <a:rPr lang="en-US" dirty="0"/>
+              <a:rPr lang="en-US" sz="2000">
+                <a:latin typeface="Times New Roman"/>
+                <a:cs typeface="Times New Roman"/>
+              </a:rPr>
               <a:t> </a:t>
             </a:r>
             <a:r>
-              <a:rPr lang="en-US" dirty="0" err="1"/>
+              <a:rPr lang="en-US" sz="2000" err="1">
+                <a:latin typeface="Times New Roman"/>
+                <a:cs typeface="Times New Roman"/>
+              </a:rPr>
               <a:t>ngôn</a:t>
             </a:r>
             <a:r>
-              <a:rPr lang="en-US" dirty="0"/>
+              <a:rPr lang="en-US" sz="2000">
+                <a:latin typeface="Times New Roman"/>
+                <a:cs typeface="Times New Roman"/>
+              </a:rPr>
               <a:t> </a:t>
             </a:r>
             <a:r>
-              <a:rPr lang="en-US" dirty="0" err="1"/>
+              <a:rPr lang="en-US" sz="2000" err="1">
+                <a:latin typeface="Times New Roman"/>
+                <a:cs typeface="Times New Roman"/>
+              </a:rPr>
               <a:t>ngữ</a:t>
             </a:r>
             <a:r>
-              <a:rPr lang="en-US" dirty="0"/>
+              <a:rPr lang="en-US" sz="2000">
+                <a:latin typeface="Times New Roman"/>
+                <a:cs typeface="Times New Roman"/>
+              </a:rPr>
               <a:t> </a:t>
             </a:r>
             <a:r>
-              <a:rPr lang="en-US" dirty="0" err="1"/>
+              <a:rPr lang="en-US" sz="2000" err="1">
+                <a:latin typeface="Times New Roman"/>
+                <a:cs typeface="Times New Roman"/>
+              </a:rPr>
               <a:t>có</a:t>
             </a:r>
             <a:r>
-              <a:rPr lang="en-US" dirty="0"/>
+              <a:rPr lang="en-US" sz="2000">
+                <a:latin typeface="Times New Roman"/>
+                <a:cs typeface="Times New Roman"/>
+              </a:rPr>
               <a:t> </a:t>
             </a:r>
             <a:r>
-              <a:rPr lang="en-US" dirty="0" err="1"/>
+              <a:rPr lang="en-US" sz="2000" err="1">
+                <a:latin typeface="Times New Roman"/>
+                <a:cs typeface="Times New Roman"/>
+              </a:rPr>
               <a:t>thể</a:t>
             </a:r>
             <a:r>
-              <a:rPr lang="en-US" dirty="0"/>
+              <a:rPr lang="en-US" sz="2000">
+                <a:latin typeface="Times New Roman"/>
+                <a:cs typeface="Times New Roman"/>
+              </a:rPr>
               <a:t> </a:t>
             </a:r>
             <a:r>
-              <a:rPr lang="en-US" dirty="0" err="1"/>
+              <a:rPr lang="en-US" sz="2000" err="1">
+                <a:latin typeface="Times New Roman"/>
+                <a:cs typeface="Times New Roman"/>
+              </a:rPr>
               <a:t>dùng</a:t>
             </a:r>
             <a:r>
-              <a:rPr lang="en-US" dirty="0"/>
+              <a:rPr lang="en-US" sz="2000">
+                <a:latin typeface="Times New Roman"/>
+                <a:cs typeface="Times New Roman"/>
+              </a:rPr>
               <a:t> </a:t>
             </a:r>
             <a:r>
-              <a:rPr lang="en-US" dirty="0" err="1"/>
+              <a:rPr lang="en-US" sz="2000" err="1">
+                <a:latin typeface="Times New Roman"/>
+                <a:cs typeface="Times New Roman"/>
+              </a:rPr>
               <a:t>với</a:t>
             </a:r>
             <a:r>
-              <a:rPr lang="en-US" dirty="0"/>
+              <a:rPr lang="en-US" sz="2000">
+                <a:latin typeface="Times New Roman"/>
+                <a:cs typeface="Times New Roman"/>
+              </a:rPr>
               <a:t> WDP:</a:t>
             </a:r>
           </a:p>
           <a:p>
-            <a:endParaRPr lang="en-US" dirty="0"/>
+            <a:endParaRPr lang="en-US"/>
           </a:p>
         </p:txBody>
       </p:sp>
@@ -14686,8 +16370,8 @@
         </p:blipFill>
         <p:spPr>
           <a:xfrm>
-            <a:off x="2280424" y="3306782"/>
-            <a:ext cx="2743200" cy="913507"/>
+            <a:off x="2202492" y="2977737"/>
+            <a:ext cx="2743200" cy="1104007"/>
           </a:xfrm>
           <a:prstGeom prst="rect">
             <a:avLst/>
@@ -14716,7 +16400,7 @@
         </p:blipFill>
         <p:spPr>
           <a:xfrm>
-            <a:off x="6220522" y="3488473"/>
+            <a:off x="6852636" y="2916973"/>
             <a:ext cx="2743200" cy="2743200"/>
           </a:xfrm>
           <a:prstGeom prst="rect">
@@ -14746,7 +16430,7 @@
         </p:blipFill>
         <p:spPr>
           <a:xfrm>
-            <a:off x="2206083" y="4859144"/>
+            <a:off x="2162788" y="4469485"/>
             <a:ext cx="2743200" cy="1600200"/>
           </a:xfrm>
           <a:prstGeom prst="rect">
@@ -14800,48 +16484,82 @@
             <p:ph type="title"/>
           </p:nvPr>
         </p:nvSpPr>
-        <p:spPr/>
+        <p:spPr>
+          <a:xfrm>
+            <a:off x="1232885" y="973668"/>
+            <a:ext cx="8683482" cy="706964"/>
+          </a:xfrm>
+        </p:spPr>
         <p:txBody>
           <a:bodyPr/>
           <a:lstStyle/>
           <a:p>
-            <a:pPr algn="ctr"/>
-            <a:r>
-              <a:rPr lang="en-US" dirty="0" err="1"/>
+            <a:r>
+              <a:rPr lang="en-US">
+                <a:latin typeface="Times New Roman"/>
+                <a:cs typeface="Times New Roman"/>
+              </a:rPr>
+              <a:t>3. </a:t>
+            </a:r>
+            <a:r>
+              <a:rPr lang="en-US" err="1">
+                <a:latin typeface="Times New Roman"/>
+                <a:cs typeface="Times New Roman"/>
+              </a:rPr>
               <a:t>Một</a:t>
             </a:r>
             <a:r>
-              <a:rPr lang="en-US" dirty="0"/>
-              <a:t> </a:t>
-            </a:r>
-            <a:r>
-              <a:rPr lang="en-US" dirty="0" err="1"/>
+              <a:rPr lang="en-US">
+                <a:latin typeface="Times New Roman"/>
+                <a:cs typeface="Times New Roman"/>
+              </a:rPr>
+              <a:t> </a:t>
+            </a:r>
+            <a:r>
+              <a:rPr lang="en-US" err="1">
+                <a:latin typeface="Times New Roman"/>
+                <a:cs typeface="Times New Roman"/>
+              </a:rPr>
               <a:t>số</a:t>
             </a:r>
             <a:r>
-              <a:rPr lang="en-US" dirty="0"/>
-              <a:t> </a:t>
-            </a:r>
-            <a:r>
-              <a:rPr lang="en-US" dirty="0" err="1"/>
+              <a:rPr lang="en-US">
+                <a:latin typeface="Times New Roman"/>
+                <a:cs typeface="Times New Roman"/>
+              </a:rPr>
+              <a:t> </a:t>
+            </a:r>
+            <a:r>
+              <a:rPr lang="en-US" err="1">
+                <a:latin typeface="Times New Roman"/>
+                <a:cs typeface="Times New Roman"/>
+              </a:rPr>
               <a:t>chức</a:t>
             </a:r>
             <a:r>
-              <a:rPr lang="en-US" dirty="0"/>
-              <a:t> </a:t>
-            </a:r>
-            <a:r>
-              <a:rPr lang="en-US" dirty="0" err="1"/>
+              <a:rPr lang="en-US">
+                <a:latin typeface="Times New Roman"/>
+                <a:cs typeface="Times New Roman"/>
+              </a:rPr>
+              <a:t> </a:t>
+            </a:r>
+            <a:r>
+              <a:rPr lang="en-US" err="1">
+                <a:latin typeface="Times New Roman"/>
+                <a:cs typeface="Times New Roman"/>
+              </a:rPr>
               <a:t>năng</a:t>
             </a:r>
             <a:r>
-              <a:rPr lang="en-US" dirty="0"/>
-              <a:t> </a:t>
-            </a:r>
-            <a:r>
-              <a:rPr lang="en-US" dirty="0" err="1"/>
-              <a:t>chính</a:t>
-            </a:r>
+              <a:rPr lang="en-US">
+                <a:latin typeface="Times New Roman"/>
+                <a:cs typeface="Times New Roman"/>
+              </a:rPr>
+              <a:t> </a:t>
+            </a:r>
+            <a:endParaRPr lang="vi-VN" err="1">
+              <a:cs typeface="Times New Roman" panose="02020603050405020304" pitchFamily="18" charset="0"/>
+            </a:endParaRPr>
           </a:p>
         </p:txBody>
       </p:sp>
@@ -14861,7 +16579,12 @@
             <p:ph idx="1"/>
           </p:nvPr>
         </p:nvSpPr>
-        <p:spPr/>
+        <p:spPr>
+          <a:xfrm>
+            <a:off x="1154954" y="2387023"/>
+            <a:ext cx="8825659" cy="4195617"/>
+          </a:xfrm>
+        </p:spPr>
         <p:txBody>
           <a:bodyPr vert="horz" lIns="91440" tIns="45720" rIns="91440" bIns="45720" rtlCol="0" anchor="t">
             <a:normAutofit/>
@@ -14869,495 +16592,845 @@
           <a:lstStyle/>
           <a:p>
             <a:r>
-              <a:rPr lang="en-US" dirty="0"/>
-              <a:t>1. Login </a:t>
-            </a:r>
-            <a:r>
-              <a:rPr lang="en-US" dirty="0" err="1"/>
+              <a:rPr lang="en-US" sz="2000">
+                <a:latin typeface="Times New Roman"/>
+                <a:cs typeface="Times New Roman"/>
+              </a:rPr>
+              <a:t> Login </a:t>
+            </a:r>
+            <a:r>
+              <a:rPr lang="en-US" sz="2000" err="1">
+                <a:latin typeface="Times New Roman"/>
+                <a:cs typeface="Times New Roman"/>
+              </a:rPr>
               <a:t>bằng</a:t>
             </a:r>
             <a:r>
-              <a:rPr lang="en-US" dirty="0"/>
+              <a:rPr lang="en-US" sz="2000">
+                <a:latin typeface="Times New Roman"/>
+                <a:cs typeface="Times New Roman"/>
+              </a:rPr>
               <a:t> </a:t>
             </a:r>
             <a:r>
-              <a:rPr lang="en-US" dirty="0" err="1"/>
+              <a:rPr lang="en-US" sz="2000" err="1">
+                <a:latin typeface="Times New Roman"/>
+                <a:cs typeface="Times New Roman"/>
+              </a:rPr>
               <a:t>tài</a:t>
             </a:r>
             <a:r>
-              <a:rPr lang="en-US" dirty="0"/>
+              <a:rPr lang="en-US" sz="2000">
+                <a:latin typeface="Times New Roman"/>
+                <a:cs typeface="Times New Roman"/>
+              </a:rPr>
               <a:t> </a:t>
             </a:r>
             <a:r>
-              <a:rPr lang="en-US" dirty="0" err="1"/>
+              <a:rPr lang="en-US" sz="2000" err="1">
+                <a:latin typeface="Times New Roman"/>
+                <a:cs typeface="Times New Roman"/>
+              </a:rPr>
               <a:t>khoản</a:t>
             </a:r>
             <a:r>
-              <a:rPr lang="en-US" dirty="0"/>
+              <a:rPr lang="en-US" sz="2000">
+                <a:latin typeface="Times New Roman"/>
+                <a:cs typeface="Times New Roman"/>
+              </a:rPr>
               <a:t> </a:t>
             </a:r>
             <a:r>
-              <a:rPr lang="en-US" dirty="0" err="1"/>
+              <a:rPr lang="en-US" sz="2000" err="1">
+                <a:latin typeface="Times New Roman"/>
+                <a:cs typeface="Times New Roman"/>
+              </a:rPr>
               <a:t>Github</a:t>
             </a:r>
             <a:r>
-              <a:rPr lang="en-US" dirty="0"/>
+              <a:rPr lang="en-US" sz="2000">
+                <a:latin typeface="Times New Roman"/>
+                <a:cs typeface="Times New Roman"/>
+              </a:rPr>
               <a:t>, </a:t>
             </a:r>
             <a:r>
-              <a:rPr lang="en-US" dirty="0" err="1"/>
+              <a:rPr lang="en-US" sz="2000" err="1">
+                <a:latin typeface="Times New Roman"/>
+                <a:cs typeface="Times New Roman"/>
+              </a:rPr>
               <a:t>nếu</a:t>
             </a:r>
             <a:r>
-              <a:rPr lang="en-US" dirty="0"/>
+              <a:rPr lang="en-US" sz="2000">
+                <a:latin typeface="Times New Roman"/>
+                <a:cs typeface="Times New Roman"/>
+              </a:rPr>
               <a:t> </a:t>
             </a:r>
             <a:r>
-              <a:rPr lang="en-US" dirty="0" err="1"/>
+              <a:rPr lang="en-US" sz="2000" err="1">
+                <a:latin typeface="Times New Roman"/>
+                <a:cs typeface="Times New Roman"/>
+              </a:rPr>
               <a:t>bạn</a:t>
             </a:r>
             <a:r>
-              <a:rPr lang="en-US" dirty="0"/>
+              <a:rPr lang="en-US" sz="2000">
+                <a:latin typeface="Times New Roman"/>
+                <a:cs typeface="Times New Roman"/>
+              </a:rPr>
+              <a:t> </a:t>
+            </a:r>
+            <a:r>
+              <a:rPr lang="en-US" sz="2000" err="1">
+                <a:latin typeface="Times New Roman"/>
+                <a:cs typeface="Times New Roman"/>
+              </a:rPr>
+              <a:t>không</a:t>
+            </a:r>
+            <a:r>
+              <a:rPr lang="en-US" sz="2000">
+                <a:latin typeface="Times New Roman"/>
+                <a:cs typeface="Times New Roman"/>
+              </a:rPr>
               <a:t> </a:t>
             </a:r>
             <a:r>
-              <a:rPr lang="en-US" dirty="0" err="1"/>
+              <a:rPr lang="en-US" sz="2000" err="1">
+                <a:latin typeface="Times New Roman"/>
+                <a:cs typeface="Times New Roman"/>
+              </a:rPr>
+              <a:t>có</a:t>
+            </a:r>
+            <a:r>
+              <a:rPr lang="en-US" sz="2000">
+                <a:latin typeface="Times New Roman"/>
+                <a:cs typeface="Times New Roman"/>
+              </a:rPr>
+              <a:t> Git account, </a:t>
+            </a:r>
+            <a:r>
+              <a:rPr lang="en-US" sz="2000" err="1">
+                <a:latin typeface="Times New Roman"/>
+                <a:cs typeface="Times New Roman"/>
+              </a:rPr>
+              <a:t>thì</a:t>
+            </a:r>
+            <a:r>
+              <a:rPr lang="en-US" sz="2000">
+                <a:latin typeface="Times New Roman"/>
+                <a:cs typeface="Times New Roman"/>
+              </a:rPr>
+              <a:t> </a:t>
+            </a:r>
+            <a:r>
+              <a:rPr lang="en-US" sz="2000" err="1">
+                <a:latin typeface="Times New Roman"/>
+                <a:cs typeface="Times New Roman"/>
+              </a:rPr>
+              <a:t>vẫn</a:t>
+            </a:r>
+            <a:r>
+              <a:rPr lang="en-US" sz="2000">
+                <a:latin typeface="Times New Roman"/>
+                <a:cs typeface="Times New Roman"/>
+              </a:rPr>
+              <a:t> </a:t>
+            </a:r>
+            <a:r>
+              <a:rPr lang="en-US" sz="2000" err="1">
+                <a:latin typeface="Times New Roman"/>
+                <a:cs typeface="Times New Roman"/>
+              </a:rPr>
+              <a:t>có</a:t>
+            </a:r>
+            <a:r>
+              <a:rPr lang="en-US" sz="2000">
+                <a:latin typeface="Times New Roman"/>
+                <a:cs typeface="Times New Roman"/>
+              </a:rPr>
+              <a:t> </a:t>
+            </a:r>
+            <a:r>
+              <a:rPr lang="en-US" sz="2000" err="1">
+                <a:latin typeface="Times New Roman"/>
+                <a:cs typeface="Times New Roman"/>
+              </a:rPr>
+              <a:t>thể</a:t>
+            </a:r>
+            <a:r>
+              <a:rPr lang="en-US" sz="2000">
+                <a:latin typeface="Times New Roman"/>
+                <a:cs typeface="Times New Roman"/>
+              </a:rPr>
+              <a:t> code </a:t>
+            </a:r>
+            <a:r>
+              <a:rPr lang="en-US" sz="2000" err="1">
+                <a:latin typeface="Times New Roman"/>
+                <a:cs typeface="Times New Roman"/>
+              </a:rPr>
+              <a:t>và</a:t>
+            </a:r>
+            <a:r>
+              <a:rPr lang="en-US" sz="2000">
+                <a:latin typeface="Times New Roman"/>
+                <a:cs typeface="Times New Roman"/>
+              </a:rPr>
+              <a:t> view online </a:t>
+            </a:r>
+            <a:r>
+              <a:rPr lang="en-US" sz="2000" err="1">
+                <a:latin typeface="Times New Roman"/>
+                <a:cs typeface="Times New Roman"/>
+              </a:rPr>
+              <a:t>nhưng</a:t>
+            </a:r>
+            <a:r>
+              <a:rPr lang="en-US" sz="2000">
+                <a:latin typeface="Times New Roman"/>
+                <a:cs typeface="Times New Roman"/>
+              </a:rPr>
+              <a:t> </a:t>
+            </a:r>
+            <a:r>
+              <a:rPr lang="en-US" sz="2000" err="1">
+                <a:latin typeface="Times New Roman"/>
+                <a:cs typeface="Times New Roman"/>
+              </a:rPr>
               <a:t>không</a:t>
             </a:r>
             <a:r>
-              <a:rPr lang="en-US" dirty="0"/>
+              <a:rPr lang="en-US" sz="2000">
+                <a:latin typeface="Times New Roman"/>
+                <a:cs typeface="Times New Roman"/>
+              </a:rPr>
               <a:t> </a:t>
             </a:r>
             <a:r>
-              <a:rPr lang="en-US" dirty="0" err="1"/>
-              <a:t>muốn</a:t>
-            </a:r>
-            <a:r>
-              <a:rPr lang="en-US" dirty="0"/>
-              <a:t> login, </a:t>
-            </a:r>
-            <a:r>
-              <a:rPr lang="en-US" dirty="0" err="1"/>
+              <a:rPr lang="en-US" sz="2000" err="1">
+                <a:latin typeface="Times New Roman"/>
+                <a:cs typeface="Times New Roman"/>
+              </a:rPr>
+              <a:t>thể</a:t>
+            </a:r>
+            <a:r>
+              <a:rPr lang="en-US" sz="2000">
+                <a:latin typeface="Times New Roman"/>
+                <a:cs typeface="Times New Roman"/>
+              </a:rPr>
+              <a:t> </a:t>
+            </a:r>
+            <a:r>
+              <a:rPr lang="en-US" sz="2000" err="1">
+                <a:latin typeface="Times New Roman"/>
+                <a:cs typeface="Times New Roman"/>
+              </a:rPr>
+              <a:t>tải</a:t>
+            </a:r>
+            <a:r>
+              <a:rPr lang="en-US" sz="2000">
+                <a:latin typeface="Times New Roman"/>
+                <a:cs typeface="Times New Roman"/>
+              </a:rPr>
+              <a:t> </a:t>
+            </a:r>
+            <a:r>
+              <a:rPr lang="en-US" sz="2000" err="1">
+                <a:latin typeface="Times New Roman"/>
+                <a:cs typeface="Times New Roman"/>
+              </a:rPr>
+              <a:t>xuống</a:t>
+            </a:r>
+            <a:r>
+              <a:rPr lang="en-US" sz="2000">
+                <a:latin typeface="Times New Roman"/>
+                <a:cs typeface="Times New Roman"/>
+              </a:rPr>
+              <a:t> </a:t>
+            </a:r>
+            <a:r>
+              <a:rPr lang="en-US" sz="2000" err="1">
+                <a:latin typeface="Times New Roman"/>
+                <a:cs typeface="Times New Roman"/>
+              </a:rPr>
+              <a:t>được</a:t>
+            </a:r>
+            <a:r>
+              <a:rPr lang="en-US" sz="2000">
+                <a:latin typeface="Times New Roman"/>
+                <a:cs typeface="Times New Roman"/>
+              </a:rPr>
+              <a:t>.</a:t>
+            </a:r>
+          </a:p>
+          <a:p>
+            <a:r>
+              <a:rPr lang="en-US" sz="2000">
+                <a:latin typeface="Times New Roman"/>
+                <a:cs typeface="Times New Roman"/>
+              </a:rPr>
+              <a:t> Dashboard </a:t>
+            </a:r>
+            <a:r>
+              <a:rPr lang="en-US" sz="2000" err="1">
+                <a:latin typeface="Times New Roman"/>
+                <a:cs typeface="Times New Roman"/>
+              </a:rPr>
+              <a:t>là</a:t>
+            </a:r>
+            <a:r>
+              <a:rPr lang="en-US" sz="2000">
+                <a:latin typeface="Times New Roman"/>
+                <a:cs typeface="Times New Roman"/>
+              </a:rPr>
+              <a:t> </a:t>
+            </a:r>
+            <a:r>
+              <a:rPr lang="en-US" sz="2000" err="1">
+                <a:latin typeface="Times New Roman"/>
+                <a:cs typeface="Times New Roman"/>
+              </a:rPr>
+              <a:t>những</a:t>
+            </a:r>
+            <a:r>
+              <a:rPr lang="en-US" sz="2000">
+                <a:latin typeface="Times New Roman"/>
+                <a:cs typeface="Times New Roman"/>
+              </a:rPr>
+              <a:t> repository </a:t>
+            </a:r>
+            <a:r>
+              <a:rPr lang="en-US" sz="2000" err="1">
+                <a:latin typeface="Times New Roman"/>
+                <a:cs typeface="Times New Roman"/>
+              </a:rPr>
+              <a:t>trên</a:t>
+            </a:r>
+            <a:r>
+              <a:rPr lang="en-US" sz="2000">
+                <a:latin typeface="Times New Roman"/>
+                <a:cs typeface="Times New Roman"/>
+              </a:rPr>
+              <a:t> </a:t>
+            </a:r>
+            <a:r>
+              <a:rPr lang="en-US" sz="2000" err="1">
+                <a:latin typeface="Times New Roman"/>
+                <a:cs typeface="Times New Roman"/>
+              </a:rPr>
+              <a:t>tài</a:t>
+            </a:r>
+            <a:r>
+              <a:rPr lang="en-US" sz="2000">
+                <a:latin typeface="Times New Roman"/>
+                <a:cs typeface="Times New Roman"/>
+              </a:rPr>
+              <a:t> </a:t>
+            </a:r>
+            <a:r>
+              <a:rPr lang="en-US" sz="2000" err="1">
+                <a:latin typeface="Times New Roman"/>
+                <a:cs typeface="Times New Roman"/>
+              </a:rPr>
+              <a:t>khoản</a:t>
+            </a:r>
+            <a:r>
+              <a:rPr lang="en-US" sz="2000">
+                <a:latin typeface="Times New Roman"/>
+                <a:cs typeface="Times New Roman"/>
+              </a:rPr>
+              <a:t> </a:t>
+            </a:r>
+            <a:r>
+              <a:rPr lang="en-US" sz="2000" err="1">
+                <a:latin typeface="Times New Roman"/>
+                <a:cs typeface="Times New Roman"/>
+              </a:rPr>
+              <a:t>github</a:t>
+            </a:r>
+            <a:r>
+              <a:rPr lang="en-US" sz="2000">
+                <a:latin typeface="Times New Roman"/>
+                <a:cs typeface="Times New Roman"/>
+              </a:rPr>
+              <a:t> </a:t>
+            </a:r>
+            <a:r>
+              <a:rPr lang="en-US" sz="2000" err="1">
+                <a:latin typeface="Times New Roman"/>
+                <a:cs typeface="Times New Roman"/>
+              </a:rPr>
+              <a:t>của</a:t>
+            </a:r>
+            <a:r>
+              <a:rPr lang="en-US" sz="2000">
+                <a:latin typeface="Times New Roman"/>
+                <a:cs typeface="Times New Roman"/>
+              </a:rPr>
+              <a:t> </a:t>
+            </a:r>
+            <a:r>
+              <a:rPr lang="en-US" sz="2000" err="1">
+                <a:latin typeface="Times New Roman"/>
+                <a:cs typeface="Times New Roman"/>
+              </a:rPr>
+              <a:t>bạn</a:t>
+            </a:r>
+            <a:r>
+              <a:rPr lang="en-US" sz="2000">
+                <a:latin typeface="Times New Roman"/>
+                <a:cs typeface="Times New Roman"/>
+              </a:rPr>
+              <a:t>, </a:t>
+            </a:r>
+            <a:r>
+              <a:rPr lang="en-US" sz="2000" err="1">
+                <a:latin typeface="Times New Roman"/>
+                <a:cs typeface="Times New Roman"/>
+              </a:rPr>
               <a:t>có</a:t>
             </a:r>
             <a:r>
-              <a:rPr lang="en-US" dirty="0"/>
+              <a:rPr lang="en-US" sz="2000">
+                <a:latin typeface="Times New Roman"/>
+                <a:cs typeface="Times New Roman"/>
+              </a:rPr>
               <a:t> </a:t>
             </a:r>
             <a:r>
-              <a:rPr lang="en-US" dirty="0" err="1"/>
+              <a:rPr lang="en-US" sz="2000" err="1">
+                <a:latin typeface="Times New Roman"/>
+                <a:cs typeface="Times New Roman"/>
+              </a:rPr>
               <a:t>thể</a:t>
             </a:r>
             <a:r>
-              <a:rPr lang="en-US" dirty="0"/>
+              <a:rPr lang="en-US" sz="2000">
+                <a:latin typeface="Times New Roman"/>
+                <a:cs typeface="Times New Roman"/>
+              </a:rPr>
+              <a:t> add </a:t>
+            </a:r>
+            <a:r>
+              <a:rPr lang="en-US" sz="2000" err="1">
+                <a:latin typeface="Times New Roman"/>
+                <a:cs typeface="Times New Roman"/>
+              </a:rPr>
+              <a:t>và</a:t>
+            </a:r>
+            <a:r>
+              <a:rPr lang="en-US" sz="2000">
+                <a:latin typeface="Times New Roman"/>
+                <a:cs typeface="Times New Roman"/>
+              </a:rPr>
+              <a:t> delete repositories.</a:t>
+            </a:r>
+          </a:p>
+          <a:p>
+            <a:r>
+              <a:rPr lang="en-US" sz="2000">
+                <a:latin typeface="Times New Roman"/>
+                <a:cs typeface="Times New Roman"/>
+              </a:rPr>
+              <a:t> </a:t>
+            </a:r>
+            <a:r>
+              <a:rPr lang="en-US" sz="2000" err="1">
+                <a:latin typeface="Times New Roman"/>
+                <a:cs typeface="Times New Roman"/>
+              </a:rPr>
+              <a:t>Có</a:t>
+            </a:r>
+            <a:r>
+              <a:rPr lang="en-US" sz="2000">
+                <a:latin typeface="Times New Roman"/>
+                <a:cs typeface="Times New Roman"/>
+              </a:rPr>
+              <a:t> </a:t>
+            </a:r>
+            <a:r>
+              <a:rPr lang="en-US" sz="2000" err="1">
+                <a:latin typeface="Times New Roman"/>
+                <a:cs typeface="Times New Roman"/>
+              </a:rPr>
+              <a:t>thể</a:t>
+            </a:r>
+            <a:r>
+              <a:rPr lang="en-US" sz="2000">
+                <a:latin typeface="Times New Roman"/>
+                <a:cs typeface="Times New Roman"/>
+              </a:rPr>
+              <a:t> add file </a:t>
+            </a:r>
+            <a:r>
+              <a:rPr lang="en-US" sz="2000" err="1">
+                <a:latin typeface="Times New Roman"/>
+                <a:cs typeface="Times New Roman"/>
+              </a:rPr>
+              <a:t>hoặc</a:t>
+            </a:r>
+            <a:r>
+              <a:rPr lang="en-US" sz="2000">
+                <a:latin typeface="Times New Roman"/>
+                <a:cs typeface="Times New Roman"/>
+              </a:rPr>
+              <a:t> folder </a:t>
+            </a:r>
+            <a:r>
+              <a:rPr lang="en-US" sz="2000" err="1">
+                <a:latin typeface="Times New Roman"/>
+                <a:cs typeface="Times New Roman"/>
+              </a:rPr>
+              <a:t>vào</a:t>
+            </a:r>
+            <a:r>
+              <a:rPr lang="en-US" sz="2000">
+                <a:latin typeface="Times New Roman"/>
+                <a:cs typeface="Times New Roman"/>
+              </a:rPr>
+              <a:t> repository </a:t>
+            </a:r>
+            <a:r>
+              <a:rPr lang="en-US" sz="2000" err="1">
+                <a:latin typeface="Times New Roman"/>
+                <a:cs typeface="Times New Roman"/>
+              </a:rPr>
+              <a:t>đang</a:t>
+            </a:r>
+            <a:r>
+              <a:rPr lang="en-US" sz="2000">
+                <a:latin typeface="Times New Roman"/>
+                <a:cs typeface="Times New Roman"/>
+              </a:rPr>
+              <a:t> code</a:t>
+            </a:r>
+          </a:p>
+          <a:p>
+            <a:r>
+              <a:rPr lang="en-US" sz="2000">
+                <a:latin typeface="Times New Roman"/>
+                <a:cs typeface="Times New Roman"/>
+              </a:rPr>
+              <a:t> Code editor </a:t>
+            </a:r>
+            <a:r>
+              <a:rPr lang="en-US" sz="2000" err="1">
+                <a:latin typeface="Times New Roman"/>
+                <a:cs typeface="Times New Roman"/>
+              </a:rPr>
+              <a:t>có</a:t>
+            </a:r>
+            <a:r>
+              <a:rPr lang="en-US" sz="2000">
+                <a:latin typeface="Times New Roman"/>
+                <a:cs typeface="Times New Roman"/>
+              </a:rPr>
+              <a:t> </a:t>
+            </a:r>
+            <a:r>
+              <a:rPr lang="en-US" sz="2000" err="1">
+                <a:latin typeface="Times New Roman"/>
+                <a:cs typeface="Times New Roman"/>
+              </a:rPr>
+              <a:t>gợi</a:t>
+            </a:r>
+            <a:r>
+              <a:rPr lang="en-US" sz="2000">
+                <a:latin typeface="Times New Roman"/>
+                <a:cs typeface="Times New Roman"/>
+              </a:rPr>
+              <a:t> ý, highlight </a:t>
+            </a:r>
+            <a:r>
+              <a:rPr lang="en-US" sz="2000" err="1">
+                <a:latin typeface="Times New Roman"/>
+                <a:cs typeface="Times New Roman"/>
+              </a:rPr>
+              <a:t>giúp</a:t>
+            </a:r>
+            <a:r>
+              <a:rPr lang="en-US" sz="2000">
+                <a:latin typeface="Times New Roman"/>
+                <a:cs typeface="Times New Roman"/>
+              </a:rPr>
+              <a:t> </a:t>
+            </a:r>
+            <a:r>
+              <a:rPr lang="en-US" sz="2000" err="1">
+                <a:latin typeface="Times New Roman"/>
+                <a:cs typeface="Times New Roman"/>
+              </a:rPr>
+              <a:t>cho</a:t>
+            </a:r>
+            <a:r>
+              <a:rPr lang="en-US" sz="2000">
+                <a:latin typeface="Times New Roman"/>
+                <a:cs typeface="Times New Roman"/>
+              </a:rPr>
+              <a:t> </a:t>
+            </a:r>
+            <a:r>
+              <a:rPr lang="en-US" sz="2000" err="1">
+                <a:latin typeface="Times New Roman"/>
+                <a:cs typeface="Times New Roman"/>
+              </a:rPr>
+              <a:t>việc</a:t>
+            </a:r>
+            <a:r>
+              <a:rPr lang="en-US" sz="2000">
+                <a:latin typeface="Times New Roman"/>
+                <a:cs typeface="Times New Roman"/>
+              </a:rPr>
+              <a:t> code </a:t>
+            </a:r>
+            <a:r>
+              <a:rPr lang="en-US" sz="2000" err="1">
+                <a:latin typeface="Times New Roman"/>
+                <a:cs typeface="Times New Roman"/>
+              </a:rPr>
+              <a:t>hiệu</a:t>
+            </a:r>
+            <a:r>
+              <a:rPr lang="en-US" sz="2000">
+                <a:latin typeface="Times New Roman"/>
+                <a:cs typeface="Times New Roman"/>
+              </a:rPr>
+              <a:t> </a:t>
+            </a:r>
+            <a:r>
+              <a:rPr lang="en-US" sz="2000" err="1">
+                <a:latin typeface="Times New Roman"/>
+                <a:cs typeface="Times New Roman"/>
+              </a:rPr>
+              <a:t>quả</a:t>
+            </a:r>
+            <a:r>
+              <a:rPr lang="en-US" sz="2000">
+                <a:latin typeface="Times New Roman"/>
+                <a:cs typeface="Times New Roman"/>
+              </a:rPr>
+              <a:t> </a:t>
+            </a:r>
+            <a:r>
+              <a:rPr lang="en-US" sz="2000" err="1">
+                <a:latin typeface="Times New Roman"/>
+                <a:cs typeface="Times New Roman"/>
+              </a:rPr>
+              <a:t>hơn</a:t>
+            </a:r>
+            <a:endParaRPr lang="en-US" sz="2000">
+              <a:latin typeface="Times New Roman"/>
+              <a:cs typeface="Times New Roman"/>
+            </a:endParaRPr>
+          </a:p>
+          <a:p>
+            <a:r>
+              <a:rPr lang="en-US" sz="2000">
+                <a:latin typeface="Times New Roman"/>
+                <a:cs typeface="Times New Roman"/>
+              </a:rPr>
+              <a:t> </a:t>
+            </a:r>
+            <a:r>
+              <a:rPr lang="en-US" sz="2000" err="1">
+                <a:latin typeface="Times New Roman"/>
+                <a:cs typeface="Times New Roman"/>
+              </a:rPr>
+              <a:t>Màn</a:t>
+            </a:r>
+            <a:r>
+              <a:rPr lang="en-US" sz="2000">
+                <a:latin typeface="Times New Roman"/>
+                <a:cs typeface="Times New Roman"/>
+              </a:rPr>
+              <a:t> </a:t>
+            </a:r>
+            <a:r>
+              <a:rPr lang="en-US" sz="2000" err="1">
+                <a:latin typeface="Times New Roman"/>
+                <a:cs typeface="Times New Roman"/>
+              </a:rPr>
+              <a:t>hình</a:t>
+            </a:r>
+            <a:r>
+              <a:rPr lang="en-US" sz="2000">
+                <a:latin typeface="Times New Roman"/>
+                <a:cs typeface="Times New Roman"/>
+              </a:rPr>
+              <a:t> console </a:t>
+            </a:r>
+            <a:r>
+              <a:rPr lang="en-US" sz="2000" err="1">
+                <a:latin typeface="Times New Roman"/>
+                <a:cs typeface="Times New Roman"/>
+              </a:rPr>
+              <a:t>giống</a:t>
+            </a:r>
+            <a:r>
+              <a:rPr lang="en-US" sz="2000">
+                <a:latin typeface="Times New Roman"/>
+                <a:cs typeface="Times New Roman"/>
+              </a:rPr>
+              <a:t> </a:t>
+            </a:r>
+            <a:r>
+              <a:rPr lang="en-US" sz="2000" err="1">
+                <a:latin typeface="Times New Roman"/>
+                <a:cs typeface="Times New Roman"/>
+              </a:rPr>
+              <a:t>như</a:t>
+            </a:r>
+            <a:r>
+              <a:rPr lang="en-US" sz="2000">
+                <a:latin typeface="Times New Roman"/>
+                <a:cs typeface="Times New Roman"/>
+              </a:rPr>
+              <a:t> browser console</a:t>
+            </a:r>
+          </a:p>
+          <a:p>
+            <a:r>
+              <a:rPr lang="en-US" sz="2000">
+                <a:latin typeface="Times New Roman"/>
+                <a:cs typeface="Times New Roman"/>
+              </a:rPr>
+              <a:t> Commit </a:t>
+            </a:r>
+            <a:r>
+              <a:rPr lang="en-US" sz="2000" err="1">
+                <a:latin typeface="Times New Roman"/>
+                <a:cs typeface="Times New Roman"/>
+              </a:rPr>
+              <a:t>thay</a:t>
+            </a:r>
+            <a:r>
+              <a:rPr lang="en-US" sz="2000">
+                <a:latin typeface="Times New Roman"/>
+                <a:cs typeface="Times New Roman"/>
+              </a:rPr>
+              <a:t> </a:t>
+            </a:r>
+            <a:r>
+              <a:rPr lang="en-US" sz="2000" err="1">
+                <a:latin typeface="Times New Roman"/>
+                <a:cs typeface="Times New Roman"/>
+              </a:rPr>
+              <a:t>đổi</a:t>
+            </a:r>
+            <a:r>
+              <a:rPr lang="en-US" sz="2000">
+                <a:latin typeface="Times New Roman"/>
+                <a:cs typeface="Times New Roman"/>
+              </a:rPr>
+              <a:t> </a:t>
+            </a:r>
+            <a:r>
+              <a:rPr lang="en-US" sz="2000" err="1">
+                <a:latin typeface="Times New Roman"/>
+                <a:cs typeface="Times New Roman"/>
+              </a:rPr>
+              <a:t>lên</a:t>
+            </a:r>
+            <a:r>
+              <a:rPr lang="en-US" sz="2000">
+                <a:latin typeface="Times New Roman"/>
+                <a:cs typeface="Times New Roman"/>
+              </a:rPr>
+              <a:t> </a:t>
+            </a:r>
+            <a:r>
+              <a:rPr lang="en-US" sz="2000" err="1">
+                <a:latin typeface="Times New Roman"/>
+                <a:cs typeface="Times New Roman"/>
+              </a:rPr>
+              <a:t>thẳng</a:t>
+            </a:r>
+            <a:r>
+              <a:rPr lang="en-US" sz="2000">
+                <a:latin typeface="Times New Roman"/>
+                <a:cs typeface="Times New Roman"/>
+              </a:rPr>
+              <a:t> </a:t>
+            </a:r>
+            <a:r>
+              <a:rPr lang="en-US" sz="2000" err="1">
+                <a:latin typeface="Times New Roman"/>
+                <a:cs typeface="Times New Roman"/>
+              </a:rPr>
+              <a:t>github</a:t>
+            </a:r>
+            <a:r>
+              <a:rPr lang="en-US" sz="2000">
+                <a:latin typeface="Times New Roman"/>
+                <a:cs typeface="Times New Roman"/>
+              </a:rPr>
+              <a:t> repository.</a:t>
+            </a:r>
+          </a:p>
+          <a:p>
+            <a:r>
+              <a:rPr lang="en-US" sz="2000">
+                <a:latin typeface="Times New Roman"/>
+                <a:cs typeface="Times New Roman"/>
+              </a:rPr>
+              <a:t> Download repository </a:t>
+            </a:r>
+            <a:r>
+              <a:rPr lang="en-US" sz="2000" err="1">
+                <a:latin typeface="Times New Roman"/>
+                <a:cs typeface="Times New Roman"/>
+              </a:rPr>
+              <a:t>về</a:t>
+            </a:r>
+            <a:r>
+              <a:rPr lang="en-US" sz="2000">
+                <a:latin typeface="Times New Roman"/>
+                <a:cs typeface="Times New Roman"/>
+              </a:rPr>
+              <a:t> </a:t>
+            </a:r>
+            <a:r>
+              <a:rPr lang="en-US" sz="2000" err="1">
+                <a:latin typeface="Times New Roman"/>
+                <a:cs typeface="Times New Roman"/>
+              </a:rPr>
+              <a:t>máy</a:t>
+            </a:r>
+            <a:r>
+              <a:rPr lang="en-US" sz="2000">
+                <a:latin typeface="Times New Roman"/>
+                <a:cs typeface="Times New Roman"/>
+              </a:rPr>
+              <a:t> </a:t>
+            </a:r>
+            <a:r>
+              <a:rPr lang="en-US" sz="2000" err="1">
+                <a:latin typeface="Times New Roman"/>
+                <a:cs typeface="Times New Roman"/>
+              </a:rPr>
+              <a:t>để</a:t>
+            </a:r>
+            <a:r>
+              <a:rPr lang="en-US" sz="2000">
+                <a:latin typeface="Times New Roman"/>
+                <a:cs typeface="Times New Roman"/>
+              </a:rPr>
               <a:t> code </a:t>
             </a:r>
             <a:r>
-              <a:rPr lang="en-US" dirty="0" err="1"/>
-              <a:t>và</a:t>
-            </a:r>
-            <a:r>
-              <a:rPr lang="en-US" dirty="0"/>
-              <a:t> view online </a:t>
-            </a:r>
-            <a:r>
-              <a:rPr lang="en-US" dirty="0" err="1"/>
-              <a:t>nhưng</a:t>
-            </a:r>
-            <a:r>
-              <a:rPr lang="en-US" dirty="0"/>
-              <a:t> </a:t>
-            </a:r>
-            <a:r>
-              <a:rPr lang="en-US" dirty="0" err="1"/>
-              <a:t>không</a:t>
-            </a:r>
-            <a:r>
-              <a:rPr lang="en-US" dirty="0"/>
-              <a:t> </a:t>
-            </a:r>
-            <a:r>
-              <a:rPr lang="en-US" dirty="0" err="1"/>
-              <a:t>thể</a:t>
-            </a:r>
-            <a:r>
-              <a:rPr lang="en-US" dirty="0"/>
-              <a:t> </a:t>
-            </a:r>
-            <a:r>
-              <a:rPr lang="en-US" dirty="0" err="1"/>
-              <a:t>tải</a:t>
-            </a:r>
-            <a:r>
-              <a:rPr lang="en-US" dirty="0"/>
-              <a:t> </a:t>
-            </a:r>
-            <a:r>
-              <a:rPr lang="en-US" dirty="0" err="1"/>
-              <a:t>xuống</a:t>
-            </a:r>
-            <a:r>
-              <a:rPr lang="en-US" dirty="0"/>
-              <a:t> </a:t>
-            </a:r>
-            <a:r>
-              <a:rPr lang="en-US" dirty="0" err="1"/>
-              <a:t>được</a:t>
-            </a:r>
-            <a:r>
-              <a:rPr lang="en-US" dirty="0"/>
-              <a:t>.</a:t>
-            </a:r>
-          </a:p>
-          <a:p>
-            <a:r>
-              <a:rPr lang="en-US" dirty="0"/>
-              <a:t>2. Dashboard </a:t>
-            </a:r>
-            <a:r>
-              <a:rPr lang="en-US" dirty="0" err="1"/>
-              <a:t>là</a:t>
-            </a:r>
-            <a:r>
-              <a:rPr lang="en-US" dirty="0"/>
-              <a:t> </a:t>
-            </a:r>
-            <a:r>
-              <a:rPr lang="en-US" dirty="0" err="1"/>
-              <a:t>những</a:t>
-            </a:r>
-            <a:r>
-              <a:rPr lang="en-US" dirty="0"/>
-              <a:t> repository </a:t>
-            </a:r>
-            <a:r>
-              <a:rPr lang="en-US" dirty="0" err="1"/>
-              <a:t>trên</a:t>
-            </a:r>
-            <a:r>
-              <a:rPr lang="en-US" dirty="0"/>
-              <a:t> </a:t>
-            </a:r>
-            <a:r>
-              <a:rPr lang="en-US" dirty="0" err="1"/>
-              <a:t>tài</a:t>
-            </a:r>
-            <a:r>
-              <a:rPr lang="en-US" dirty="0"/>
-              <a:t> </a:t>
-            </a:r>
-            <a:r>
-              <a:rPr lang="en-US" dirty="0" err="1"/>
-              <a:t>khoản</a:t>
-            </a:r>
-            <a:r>
-              <a:rPr lang="en-US" dirty="0"/>
-              <a:t> </a:t>
-            </a:r>
-            <a:r>
-              <a:rPr lang="en-US" dirty="0" err="1"/>
-              <a:t>github</a:t>
-            </a:r>
-            <a:r>
-              <a:rPr lang="en-US" dirty="0"/>
-              <a:t> </a:t>
-            </a:r>
-            <a:r>
-              <a:rPr lang="en-US" dirty="0" err="1"/>
-              <a:t>của</a:t>
-            </a:r>
-            <a:r>
-              <a:rPr lang="en-US" dirty="0"/>
-              <a:t> </a:t>
-            </a:r>
-            <a:r>
-              <a:rPr lang="en-US" dirty="0" err="1"/>
-              <a:t>bạn</a:t>
-            </a:r>
-            <a:r>
-              <a:rPr lang="en-US" dirty="0"/>
-              <a:t>, </a:t>
-            </a:r>
-            <a:r>
-              <a:rPr lang="en-US" dirty="0" err="1"/>
-              <a:t>có</a:t>
-            </a:r>
-            <a:r>
-              <a:rPr lang="en-US" dirty="0"/>
-              <a:t> </a:t>
-            </a:r>
-            <a:r>
-              <a:rPr lang="en-US" dirty="0" err="1"/>
-              <a:t>thể</a:t>
-            </a:r>
-            <a:r>
-              <a:rPr lang="en-US" dirty="0"/>
-              <a:t> </a:t>
-            </a:r>
-            <a:r>
-              <a:rPr lang="en-US" dirty="0" err="1"/>
-              <a:t>thêm</a:t>
-            </a:r>
-            <a:r>
-              <a:rPr lang="en-US" dirty="0"/>
-              <a:t> </a:t>
-            </a:r>
-            <a:r>
-              <a:rPr lang="en-US" dirty="0" err="1"/>
-              <a:t>và</a:t>
-            </a:r>
-            <a:r>
-              <a:rPr lang="en-US" dirty="0"/>
-              <a:t> </a:t>
-            </a:r>
-            <a:r>
-              <a:rPr lang="en-US" dirty="0" err="1"/>
-              <a:t>xóa</a:t>
-            </a:r>
-            <a:r>
-              <a:rPr lang="en-US" dirty="0"/>
-              <a:t> repository.</a:t>
-            </a:r>
-          </a:p>
-          <a:p>
-            <a:r>
-              <a:rPr lang="en-US" dirty="0"/>
-              <a:t>3. </a:t>
-            </a:r>
-            <a:r>
-              <a:rPr lang="en-US" dirty="0" err="1"/>
-              <a:t>Có</a:t>
-            </a:r>
-            <a:r>
-              <a:rPr lang="en-US" dirty="0"/>
-              <a:t> </a:t>
-            </a:r>
-            <a:r>
-              <a:rPr lang="en-US" dirty="0" err="1"/>
-              <a:t>thể</a:t>
-            </a:r>
-            <a:r>
-              <a:rPr lang="en-US" dirty="0"/>
-              <a:t> </a:t>
-            </a:r>
-            <a:r>
-              <a:rPr lang="en-US" dirty="0" err="1"/>
-              <a:t>thêm</a:t>
-            </a:r>
-            <a:r>
-              <a:rPr lang="en-US" dirty="0"/>
-              <a:t> file </a:t>
-            </a:r>
-            <a:r>
-              <a:rPr lang="en-US" dirty="0" err="1"/>
-              <a:t>hoặc</a:t>
-            </a:r>
-            <a:r>
-              <a:rPr lang="en-US" dirty="0"/>
-              <a:t> folder </a:t>
-            </a:r>
-            <a:r>
-              <a:rPr lang="en-US" dirty="0" err="1"/>
-              <a:t>vào</a:t>
-            </a:r>
-            <a:r>
-              <a:rPr lang="en-US" dirty="0"/>
-              <a:t> repository </a:t>
-            </a:r>
-            <a:r>
-              <a:rPr lang="en-US" dirty="0" err="1"/>
-              <a:t>đang</a:t>
-            </a:r>
-            <a:r>
-              <a:rPr lang="en-US" dirty="0"/>
-              <a:t> code</a:t>
-            </a:r>
-          </a:p>
-          <a:p>
-            <a:r>
-              <a:rPr lang="en-US" dirty="0"/>
-              <a:t>4. Code editor </a:t>
-            </a:r>
-            <a:r>
-              <a:rPr lang="en-US" dirty="0" err="1"/>
-              <a:t>có</a:t>
-            </a:r>
-            <a:r>
-              <a:rPr lang="en-US" dirty="0"/>
-              <a:t> </a:t>
-            </a:r>
-            <a:r>
-              <a:rPr lang="en-US" dirty="0" err="1"/>
-              <a:t>gợi</a:t>
-            </a:r>
-            <a:r>
-              <a:rPr lang="en-US" dirty="0"/>
-              <a:t> í, highlight </a:t>
-            </a:r>
-            <a:r>
-              <a:rPr lang="en-US" dirty="0" err="1"/>
-              <a:t>giúp</a:t>
-            </a:r>
-            <a:r>
-              <a:rPr lang="en-US" dirty="0"/>
-              <a:t> </a:t>
-            </a:r>
-            <a:r>
-              <a:rPr lang="en-US" dirty="0" err="1"/>
-              <a:t>cho</a:t>
-            </a:r>
-            <a:r>
-              <a:rPr lang="en-US" dirty="0"/>
-              <a:t> </a:t>
-            </a:r>
-            <a:r>
-              <a:rPr lang="en-US" dirty="0" err="1"/>
-              <a:t>việc</a:t>
-            </a:r>
-            <a:r>
-              <a:rPr lang="en-US" dirty="0"/>
-              <a:t> code </a:t>
-            </a:r>
-            <a:r>
-              <a:rPr lang="en-US" dirty="0" err="1"/>
-              <a:t>hiệu</a:t>
-            </a:r>
-            <a:r>
-              <a:rPr lang="en-US" dirty="0"/>
-              <a:t> </a:t>
-            </a:r>
-            <a:r>
-              <a:rPr lang="en-US" dirty="0" err="1"/>
-              <a:t>quả</a:t>
-            </a:r>
-            <a:r>
-              <a:rPr lang="en-US" dirty="0"/>
-              <a:t> </a:t>
-            </a:r>
-            <a:r>
-              <a:rPr lang="en-US" dirty="0" err="1"/>
-              <a:t>hơn</a:t>
-            </a:r>
-          </a:p>
-          <a:p>
-            <a:r>
-              <a:rPr lang="en-US" dirty="0"/>
-              <a:t>5. </a:t>
-            </a:r>
-            <a:r>
-              <a:rPr lang="en-US" dirty="0" err="1"/>
-              <a:t>Màn</a:t>
-            </a:r>
-            <a:r>
-              <a:rPr lang="en-US" dirty="0"/>
-              <a:t> </a:t>
-            </a:r>
-            <a:r>
-              <a:rPr lang="en-US" dirty="0" err="1"/>
-              <a:t>hình</a:t>
-            </a:r>
-            <a:r>
-              <a:rPr lang="en-US" dirty="0"/>
-              <a:t> console </a:t>
-            </a:r>
-            <a:r>
-              <a:rPr lang="en-US" dirty="0" err="1"/>
-              <a:t>giống</a:t>
-            </a:r>
-            <a:r>
-              <a:rPr lang="en-US" dirty="0"/>
-              <a:t> </a:t>
-            </a:r>
-            <a:r>
-              <a:rPr lang="en-US" dirty="0" err="1"/>
-              <a:t>như</a:t>
-            </a:r>
-            <a:r>
-              <a:rPr lang="en-US" dirty="0"/>
-              <a:t> browser console</a:t>
-            </a:r>
-          </a:p>
-          <a:p>
-            <a:r>
-              <a:rPr lang="en-US" dirty="0"/>
-              <a:t>6. Commit </a:t>
-            </a:r>
-            <a:r>
-              <a:rPr lang="en-US" dirty="0" err="1"/>
-              <a:t>thay</a:t>
-            </a:r>
-            <a:r>
-              <a:rPr lang="en-US" dirty="0"/>
-              <a:t> </a:t>
-            </a:r>
-            <a:r>
-              <a:rPr lang="en-US" dirty="0" err="1"/>
-              <a:t>đổi</a:t>
-            </a:r>
-            <a:r>
-              <a:rPr lang="en-US" dirty="0"/>
-              <a:t> </a:t>
-            </a:r>
-            <a:r>
-              <a:rPr lang="en-US" dirty="0" err="1"/>
-              <a:t>lên</a:t>
-            </a:r>
-            <a:r>
-              <a:rPr lang="en-US" dirty="0"/>
-              <a:t> </a:t>
-            </a:r>
-            <a:r>
-              <a:rPr lang="en-US" dirty="0" err="1"/>
-              <a:t>thẳng</a:t>
-            </a:r>
-            <a:r>
-              <a:rPr lang="en-US" dirty="0"/>
-              <a:t> </a:t>
-            </a:r>
-            <a:r>
-              <a:rPr lang="en-US" dirty="0" err="1"/>
-              <a:t>github</a:t>
-            </a:r>
-            <a:r>
-              <a:rPr lang="en-US" dirty="0"/>
-              <a:t> repository.</a:t>
-            </a:r>
-          </a:p>
-          <a:p>
-            <a:r>
-              <a:rPr lang="en-US" dirty="0"/>
-              <a:t>7. Download repository </a:t>
-            </a:r>
-            <a:r>
-              <a:rPr lang="en-US" dirty="0" err="1"/>
-              <a:t>về</a:t>
-            </a:r>
-            <a:r>
-              <a:rPr lang="en-US" dirty="0"/>
-              <a:t> </a:t>
-            </a:r>
-            <a:r>
-              <a:rPr lang="en-US" dirty="0" err="1"/>
-              <a:t>máy</a:t>
-            </a:r>
-            <a:r>
-              <a:rPr lang="en-US" dirty="0"/>
-              <a:t> </a:t>
-            </a:r>
-            <a:r>
-              <a:rPr lang="en-US" dirty="0" err="1"/>
-              <a:t>để</a:t>
-            </a:r>
-            <a:r>
-              <a:rPr lang="en-US" dirty="0"/>
-              <a:t> code </a:t>
-            </a:r>
-            <a:r>
-              <a:rPr lang="en-US" dirty="0" err="1"/>
+              <a:rPr lang="en-US" sz="2000" err="1">
+                <a:latin typeface="Times New Roman"/>
+                <a:cs typeface="Times New Roman"/>
+              </a:rPr>
               <a:t>tiếp</a:t>
             </a:r>
             <a:r>
-              <a:rPr lang="en-US" dirty="0"/>
+              <a:rPr lang="en-US" sz="2000">
+                <a:latin typeface="Times New Roman"/>
+                <a:cs typeface="Times New Roman"/>
+              </a:rPr>
               <a:t>.</a:t>
             </a:r>
           </a:p>
@@ -15446,15 +17519,17 @@
           </a:p>
           <a:p>
             <a:pPr lvl="8"/>
-            <a:endParaRPr lang="en-US" sz="3400" dirty="0"/>
+            <a:endParaRPr lang="en-US" sz="3400"/>
           </a:p>
           <a:p>
             <a:pPr lvl="8"/>
             <a:r>
-              <a:rPr lang="en-US" sz="3400" dirty="0"/>
+              <a:rPr lang="en-US" sz="4400">
+                <a:latin typeface="Times New Roman"/>
+                <a:cs typeface="Times New Roman"/>
+              </a:rPr>
               <a:t>DEMO</a:t>
             </a:r>
-            <a:endParaRPr lang="en-US" dirty="0"/>
           </a:p>
         </p:txBody>
       </p:sp>

--- a/docs/WDP_Presentation.pptx
+++ b/docs/WDP_Presentation.pptx
@@ -15,6 +15,9 @@
   </p:sldIdLst>
   <p:sldSz cx="12192000" cy="6858000"/>
   <p:notesSz cx="6858000" cy="9144000"/>
+  <p:custDataLst>
+    <p:tags r:id="rId9"/>
+  </p:custDataLst>
   <p:defaultTextStyle>
     <a:defPPr>
       <a:defRPr lang="en-US"/>
@@ -1138,7 +1141,7 @@
             <a:fld id="{5923F103-BC34-4FE4-A40E-EDDEECFDA5D0}" type="datetimeFigureOut">
               <a:rPr lang="en-US" dirty="0"/>
               <a:pPr/>
-              <a:t>12/21/2019</a:t>
+              <a:t>12/22/2019</a:t>
             </a:fld>
             <a:endParaRPr lang="en-US"/>
           </a:p>
@@ -2220,7 +2223,7 @@
           <a:p>
             <a:fld id="{923A1CC3-2375-41D4-9E03-427CAF2A4C1A}" type="datetimeFigureOut">
               <a:rPr lang="en-US" dirty="0"/>
-              <a:t>12/21/2019</a:t>
+              <a:t>12/22/2019</a:t>
             </a:fld>
             <a:endParaRPr lang="en-US"/>
           </a:p>
@@ -3195,7 +3198,7 @@
           <a:p>
             <a:fld id="{AFF16868-8199-4C2C-A5B1-63AEE139F88E}" type="datetimeFigureOut">
               <a:rPr lang="en-US" dirty="0"/>
-              <a:t>12/21/2019</a:t>
+              <a:t>12/22/2019</a:t>
             </a:fld>
             <a:endParaRPr lang="en-US"/>
           </a:p>
@@ -4324,7 +4327,7 @@
           <a:p>
             <a:fld id="{AAD9FF7F-6988-44CC-821B-644E70CD2F73}" type="datetimeFigureOut">
               <a:rPr lang="en-US" dirty="0"/>
-              <a:t>12/21/2019</a:t>
+              <a:t>12/22/2019</a:t>
             </a:fld>
             <a:endParaRPr lang="en-US"/>
           </a:p>
@@ -5352,7 +5355,7 @@
           <a:p>
             <a:fld id="{5C12C299-16B2-4475-990D-751901EACC14}" type="datetimeFigureOut">
               <a:rPr lang="en-US" dirty="0"/>
-              <a:t>12/21/2019</a:t>
+              <a:t>12/22/2019</a:t>
             </a:fld>
             <a:endParaRPr lang="en-US"/>
           </a:p>
@@ -6007,7 +6010,7 @@
           <a:p>
             <a:fld id="{9FE86839-B9D8-4651-8783-F325ECE74E65}" type="datetimeFigureOut">
               <a:rPr lang="en-US" dirty="0"/>
-              <a:t>12/21/2019</a:t>
+              <a:t>12/22/2019</a:t>
             </a:fld>
             <a:endParaRPr lang="en-US"/>
           </a:p>
@@ -6860,7 +6863,7 @@
           <a:p>
             <a:fld id="{FD484F64-32F6-45C5-931F-ADC1662401D0}" type="datetimeFigureOut">
               <a:rPr lang="en-US" dirty="0"/>
-              <a:t>12/21/2019</a:t>
+              <a:t>12/22/2019</a:t>
             </a:fld>
             <a:endParaRPr lang="en-US"/>
           </a:p>
@@ -7044,7 +7047,7 @@
           <a:p>
             <a:fld id="{53086D93-FCAC-47E0-A2EE-787E62CA814C}" type="datetimeFigureOut">
               <a:rPr lang="en-US" dirty="0"/>
-              <a:t>12/21/2019</a:t>
+              <a:t>12/22/2019</a:t>
             </a:fld>
             <a:endParaRPr lang="en-US"/>
           </a:p>
@@ -8010,7 +8013,7 @@
           <a:p>
             <a:fld id="{CDA879A6-0FD0-4734-A311-86BFCA472E6E}" type="datetimeFigureOut">
               <a:rPr lang="en-US" dirty="0"/>
-              <a:t>12/21/2019</a:t>
+              <a:t>12/22/2019</a:t>
             </a:fld>
             <a:endParaRPr lang="en-US"/>
           </a:p>
@@ -8215,7 +8218,7 @@
           <a:p>
             <a:fld id="{19C9CA7B-DFD4-44B5-8C60-D14B8CD1FB59}" type="datetimeFigureOut">
               <a:rPr lang="en-US" dirty="0"/>
-              <a:t>12/21/2019</a:t>
+              <a:t>12/22/2019</a:t>
             </a:fld>
             <a:endParaRPr lang="en-US"/>
           </a:p>
@@ -9244,7 +9247,7 @@
           <a:p>
             <a:fld id="{F34E6425-0181-43F2-84FC-787E803FD2F8}" type="datetimeFigureOut">
               <a:rPr lang="en-US" dirty="0"/>
-              <a:t>12/21/2019</a:t>
+              <a:t>12/22/2019</a:t>
             </a:fld>
             <a:endParaRPr lang="en-US"/>
           </a:p>
@@ -9509,7 +9512,7 @@
           <a:p>
             <a:fld id="{3BDB8791-F1B0-41E7-B7FD-A781E65C4266}" type="datetimeFigureOut">
               <a:rPr lang="en-US" dirty="0"/>
-              <a:t>12/21/2019</a:t>
+              <a:t>12/22/2019</a:t>
             </a:fld>
             <a:endParaRPr lang="en-US"/>
           </a:p>
@@ -9912,7 +9915,7 @@
           <a:p>
             <a:fld id="{5FDD63B2-E120-4ED8-B27B-C685F510A5FE}" type="datetimeFigureOut">
               <a:rPr lang="en-US" dirty="0"/>
-              <a:t>12/21/2019</a:t>
+              <a:t>12/22/2019</a:t>
             </a:fld>
             <a:endParaRPr lang="en-US"/>
           </a:p>
@@ -10034,7 +10037,7 @@
           <a:p>
             <a:fld id="{7AA18ACC-A947-437B-A130-35BD54FDF1E9}" type="datetimeFigureOut">
               <a:rPr lang="en-US" dirty="0"/>
-              <a:t>12/21/2019</a:t>
+              <a:t>12/22/2019</a:t>
             </a:fld>
             <a:endParaRPr lang="en-US"/>
           </a:p>
@@ -10125,7 +10128,7 @@
           <a:p>
             <a:fld id="{7C8D7E02-BCB8-4D50-A234-369438C08659}" type="datetimeFigureOut">
               <a:rPr lang="en-US" dirty="0"/>
-              <a:t>12/21/2019</a:t>
+              <a:t>12/22/2019</a:t>
             </a:fld>
             <a:endParaRPr lang="en-US"/>
           </a:p>
@@ -11200,7 +11203,7 @@
           <a:p>
             <a:fld id="{76E86A4C-8E40-4F87-A4F0-01A0687C5742}" type="datetimeFigureOut">
               <a:rPr lang="en-US" dirty="0"/>
-              <a:t>12/21/2019</a:t>
+              <a:t>12/22/2019</a:t>
             </a:fld>
             <a:endParaRPr lang="en-US"/>
           </a:p>
@@ -12302,7 +12305,7 @@
           <a:p>
             <a:fld id="{35E72C73-2D91-4E12-BA25-F0AA0C03599B}" type="datetimeFigureOut">
               <a:rPr lang="en-US" dirty="0"/>
-              <a:t>12/21/2019</a:t>
+              <a:t>12/22/2019</a:t>
             </a:fld>
             <a:endParaRPr lang="en-US"/>
           </a:p>
@@ -13293,7 +13296,7 @@
           <a:p>
             <a:fld id="{2BE451C3-0FF4-47C4-B829-773ADF60F88C}" type="datetimeFigureOut">
               <a:rPr lang="en-US" dirty="0"/>
-              <a:t>12/21/2019</a:t>
+              <a:t>12/22/2019</a:t>
             </a:fld>
             <a:endParaRPr lang="en-US"/>
           </a:p>
@@ -13440,7 +13443,7 @@
           <a:spcPct val="0"/>
         </a:spcBef>
         <a:buNone/>
-        <a:defRPr sz="3600" b="0" i="0" kern="1200">
+        <a:defRPr sz="3600" b="0" i="0" u="none" kern="1200">
           <a:solidFill>
             <a:schemeClr val="bg2"/>
           </a:solidFill>
@@ -13938,41 +13941,6 @@
       </p:sp>
       <p:sp>
         <p:nvSpPr>
-          <p:cNvPr id="2" name="Title 1"/>
-          <p:cNvSpPr>
-            <a:spLocks noGrp="1"/>
-          </p:cNvSpPr>
-          <p:nvPr>
-            <p:ph type="ctrTitle"/>
-          </p:nvPr>
-        </p:nvSpPr>
-        <p:spPr>
-          <a:xfrm>
-            <a:off x="6744929" y="1241266"/>
-            <a:ext cx="4798142" cy="3153753"/>
-          </a:xfrm>
-        </p:spPr>
-        <p:txBody>
-          <a:bodyPr>
-            <a:normAutofit/>
-          </a:bodyPr>
-          <a:lstStyle/>
-          <a:p>
-            <a:r>
-              <a:rPr lang="en-US" sz="6600">
-                <a:solidFill>
-                  <a:srgbClr val="EBEBEB"/>
-                </a:solidFill>
-                <a:latin typeface="Times New Roman"/>
-                <a:cs typeface="Times New Roman"/>
-              </a:rPr>
-              <a:t>Web Development Platform</a:t>
-            </a:r>
-          </a:p>
-        </p:txBody>
-      </p:sp>
-      <p:sp>
-        <p:nvSpPr>
           <p:cNvPr id="3" name="Subtitle 2"/>
           <p:cNvSpPr>
             <a:spLocks noGrp="1"/>
@@ -13983,12 +13951,12 @@
         </p:nvSpPr>
         <p:spPr>
           <a:xfrm>
-            <a:off x="6900793" y="4401165"/>
-            <a:ext cx="4798142" cy="1622322"/>
+            <a:off x="5982570" y="4510929"/>
+            <a:ext cx="5141042" cy="1622322"/>
           </a:xfrm>
         </p:spPr>
         <p:txBody>
-          <a:bodyPr vert="horz" lIns="91440" tIns="45720" rIns="91440" bIns="45720" rtlCol="0" anchor="t">
+          <a:bodyPr vert="horz" lIns="91440" tIns="45720" rIns="91440" bIns="45720" numCol="2" spcCol="274320" rtlCol="0" anchor="t">
             <a:noAutofit/>
           </a:bodyPr>
           <a:lstStyle/>
@@ -13999,7 +13967,7 @@
               </a:lnSpc>
             </a:pPr>
             <a:r>
-              <a:rPr lang="en-US" sz="1200" err="1">
+              <a:rPr lang="en-US" sz="1600" dirty="0" err="1">
                 <a:solidFill>
                   <a:srgbClr val="FFFF00"/>
                 </a:solidFill>
@@ -14009,7 +13977,7 @@
               <a:t>Nhóm</a:t>
             </a:r>
             <a:r>
-              <a:rPr lang="en-US" sz="1200">
+              <a:rPr lang="en-US" sz="1600" dirty="0">
                 <a:solidFill>
                   <a:srgbClr val="FFFF00"/>
                 </a:solidFill>
@@ -14026,7 +13994,7 @@
               </a:lnSpc>
             </a:pPr>
             <a:r>
-              <a:rPr lang="en-US" sz="1200">
+              <a:rPr lang="en-US" sz="1600" dirty="0">
                 <a:solidFill>
                   <a:srgbClr val="FFFF00"/>
                 </a:solidFill>
@@ -14036,7 +14004,7 @@
               <a:t>- Lê </a:t>
             </a:r>
             <a:r>
-              <a:rPr lang="en-US" sz="1200" err="1">
+              <a:rPr lang="en-US" sz="1600" dirty="0" err="1">
                 <a:solidFill>
                   <a:srgbClr val="FFFF00"/>
                 </a:solidFill>
@@ -14046,7 +14014,7 @@
               <a:t>Văn</a:t>
             </a:r>
             <a:r>
-              <a:rPr lang="en-US" sz="1200">
+              <a:rPr lang="en-US" sz="1600" dirty="0">
                 <a:solidFill>
                   <a:srgbClr val="FFFF00"/>
                 </a:solidFill>
@@ -14056,7 +14024,7 @@
               <a:t> </a:t>
             </a:r>
             <a:r>
-              <a:rPr lang="en-US" sz="1200" err="1">
+              <a:rPr lang="en-US" sz="1600" dirty="0" err="1">
                 <a:solidFill>
                   <a:srgbClr val="FFFF00"/>
                 </a:solidFill>
@@ -14065,7 +14033,7 @@
               </a:rPr>
               <a:t>thịnh</a:t>
             </a:r>
-            <a:endParaRPr lang="en-US" sz="1200">
+            <a:endParaRPr lang="en-US" sz="1600" dirty="0">
               <a:solidFill>
                 <a:srgbClr val="FFFF00"/>
               </a:solidFill>
@@ -14080,27 +14048,27 @@
               </a:lnSpc>
             </a:pPr>
             <a:r>
-              <a:rPr lang="en-US" sz="1200">
+              <a:rPr lang="en-US" sz="1600" dirty="0">
                 <a:solidFill>
                   <a:srgbClr val="FFFF00"/>
                 </a:solidFill>
                 <a:latin typeface="Times New Roman"/>
                 <a:cs typeface="Times New Roman"/>
               </a:rPr>
-              <a:t>- </a:t>
-            </a:r>
-            <a:r>
-              <a:rPr lang="en-US" sz="1200" err="1">
+              <a:t>- Nguyễn </a:t>
+            </a:r>
+            <a:r>
+              <a:rPr lang="en-US" sz="1600" dirty="0" err="1">
                 <a:solidFill>
                   <a:srgbClr val="FFFF00"/>
                 </a:solidFill>
                 <a:latin typeface="Times New Roman"/>
                 <a:cs typeface="Times New Roman"/>
               </a:rPr>
-              <a:t>Nguyễn</a:t>
-            </a:r>
-            <a:r>
-              <a:rPr lang="en-US" sz="1200">
+              <a:t>tuấn</a:t>
+            </a:r>
+            <a:r>
+              <a:rPr lang="en-US" sz="1600" dirty="0">
                 <a:solidFill>
                   <a:srgbClr val="FFFF00"/>
                 </a:solidFill>
@@ -14110,36 +14078,16 @@
               <a:t> </a:t>
             </a:r>
             <a:r>
-              <a:rPr lang="en-US" sz="1200" err="1">
+              <a:rPr lang="en-US" sz="1600" dirty="0" err="1">
                 <a:solidFill>
                   <a:srgbClr val="FFFF00"/>
                 </a:solidFill>
                 <a:latin typeface="Times New Roman"/>
                 <a:cs typeface="Times New Roman"/>
               </a:rPr>
-              <a:t>tuấn</a:t>
-            </a:r>
-            <a:r>
-              <a:rPr lang="en-US" sz="1200">
-                <a:solidFill>
-                  <a:srgbClr val="FFFF00"/>
-                </a:solidFill>
-                <a:latin typeface="Times New Roman"/>
-                <a:cs typeface="Times New Roman"/>
-              </a:rPr>
-              <a:t> </a:t>
-            </a:r>
-            <a:r>
-              <a:rPr lang="en-US" sz="1200" err="1">
-                <a:solidFill>
-                  <a:srgbClr val="FFFF00"/>
-                </a:solidFill>
-                <a:latin typeface="Times New Roman"/>
-                <a:cs typeface="Times New Roman"/>
-              </a:rPr>
               <a:t>quốc</a:t>
             </a:r>
-            <a:endParaRPr lang="en-US" sz="1200">
+            <a:endParaRPr lang="en-US" sz="1600" dirty="0">
               <a:solidFill>
                 <a:srgbClr val="FFFF00"/>
               </a:solidFill>
@@ -14154,7 +14102,7 @@
               </a:lnSpc>
             </a:pPr>
             <a:r>
-              <a:rPr lang="en-US" sz="1200">
+              <a:rPr lang="en-US" sz="1600" dirty="0">
                 <a:solidFill>
                   <a:srgbClr val="FFFF00"/>
                 </a:solidFill>
@@ -14164,7 +14112,7 @@
               <a:t>- </a:t>
             </a:r>
             <a:r>
-              <a:rPr lang="en-US" sz="1200" err="1">
+              <a:rPr lang="en-US" sz="1600" dirty="0" err="1">
                 <a:solidFill>
                   <a:srgbClr val="FFFF00"/>
                 </a:solidFill>
@@ -14174,7 +14122,7 @@
               <a:t>Trần</a:t>
             </a:r>
             <a:r>
-              <a:rPr lang="en-US" sz="1200">
+              <a:rPr lang="en-US" sz="1600" dirty="0">
                 <a:solidFill>
                   <a:srgbClr val="FFFF00"/>
                 </a:solidFill>
@@ -14184,7 +14132,7 @@
               <a:t> </a:t>
             </a:r>
             <a:r>
-              <a:rPr lang="en-US" sz="1200" err="1">
+              <a:rPr lang="en-US" sz="1600" dirty="0" err="1">
                 <a:solidFill>
                   <a:srgbClr val="FFFF00"/>
                 </a:solidFill>
@@ -14194,7 +14142,7 @@
               <a:t>thu</a:t>
             </a:r>
             <a:r>
-              <a:rPr lang="en-US" sz="1200">
+              <a:rPr lang="en-US" sz="1600" dirty="0">
                 <a:solidFill>
                   <a:srgbClr val="FFFF00"/>
                 </a:solidFill>
@@ -14204,7 +14152,7 @@
               <a:t> </a:t>
             </a:r>
             <a:r>
-              <a:rPr lang="en-US" sz="1200" err="1">
+              <a:rPr lang="en-US" sz="1600" dirty="0" err="1">
                 <a:solidFill>
                   <a:srgbClr val="FFFF00"/>
                 </a:solidFill>
@@ -14213,7 +14161,7 @@
               </a:rPr>
               <a:t>phương</a:t>
             </a:r>
-            <a:endParaRPr lang="en-US" sz="1200">
+            <a:endParaRPr lang="en-US" sz="1600" dirty="0">
               <a:solidFill>
                 <a:srgbClr val="FFFF00"/>
               </a:solidFill>
@@ -14227,67 +14175,7 @@
                 <a:spcPct val="90000"/>
               </a:lnSpc>
             </a:pPr>
-            <a:r>
-              <a:rPr lang="en-US" sz="1200">
-                <a:solidFill>
-                  <a:srgbClr val="FFFF00"/>
-                </a:solidFill>
-                <a:latin typeface="Times New Roman"/>
-                <a:cs typeface="Times New Roman"/>
-              </a:rPr>
-              <a:t>- </a:t>
-            </a:r>
-            <a:r>
-              <a:rPr lang="en-US" sz="1200" err="1">
-                <a:solidFill>
-                  <a:srgbClr val="FFFF00"/>
-                </a:solidFill>
-                <a:latin typeface="Times New Roman"/>
-                <a:cs typeface="Times New Roman"/>
-              </a:rPr>
-              <a:t>Nguyễn</a:t>
-            </a:r>
-            <a:r>
-              <a:rPr lang="en-US" sz="1200">
-                <a:solidFill>
-                  <a:srgbClr val="FFFF00"/>
-                </a:solidFill>
-                <a:latin typeface="Times New Roman"/>
-                <a:cs typeface="Times New Roman"/>
-              </a:rPr>
-              <a:t> </a:t>
-            </a:r>
-            <a:r>
-              <a:rPr lang="en-US" sz="1200" err="1">
-                <a:solidFill>
-                  <a:srgbClr val="FFFF00"/>
-                </a:solidFill>
-                <a:latin typeface="Times New Roman"/>
-                <a:cs typeface="Times New Roman"/>
-              </a:rPr>
-              <a:t>minh</a:t>
-            </a:r>
-            <a:r>
-              <a:rPr lang="en-US" sz="1200">
-                <a:solidFill>
-                  <a:srgbClr val="FFFF00"/>
-                </a:solidFill>
-                <a:latin typeface="Times New Roman"/>
-                <a:cs typeface="Times New Roman"/>
-              </a:rPr>
-              <a:t> </a:t>
-            </a:r>
-            <a:r>
-              <a:rPr lang="en-US" sz="1200" err="1">
-                <a:solidFill>
-                  <a:srgbClr val="FFFF00"/>
-                </a:solidFill>
-                <a:latin typeface="Times New Roman"/>
-                <a:cs typeface="Times New Roman"/>
-              </a:rPr>
-              <a:t>quân</a:t>
-            </a:r>
-            <a:endParaRPr lang="en-US" sz="1200">
+            <a:endParaRPr lang="vi-VN" sz="1600" dirty="0">
               <a:solidFill>
                 <a:srgbClr val="FFFF00"/>
               </a:solidFill>
@@ -14302,27 +14190,27 @@
               </a:lnSpc>
             </a:pPr>
             <a:r>
-              <a:rPr lang="en-US" sz="1200">
+              <a:rPr lang="en-US" sz="1600" dirty="0">
                 <a:solidFill>
                   <a:srgbClr val="FFFF00"/>
                 </a:solidFill>
                 <a:latin typeface="Times New Roman"/>
                 <a:cs typeface="Times New Roman"/>
               </a:rPr>
-              <a:t>- Lê </a:t>
-            </a:r>
-            <a:r>
-              <a:rPr lang="en-US" sz="1200" err="1">
+              <a:t>- Nguyễn </a:t>
+            </a:r>
+            <a:r>
+              <a:rPr lang="en-US" sz="1600" dirty="0" err="1">
                 <a:solidFill>
                   <a:srgbClr val="FFFF00"/>
                 </a:solidFill>
                 <a:latin typeface="Times New Roman"/>
                 <a:cs typeface="Times New Roman"/>
               </a:rPr>
-              <a:t>thanh</a:t>
-            </a:r>
-            <a:r>
-              <a:rPr lang="en-US" sz="1200">
+              <a:t>minh</a:t>
+            </a:r>
+            <a:r>
+              <a:rPr lang="en-US" sz="1600" dirty="0">
                 <a:solidFill>
                   <a:srgbClr val="FFFF00"/>
                 </a:solidFill>
@@ -14332,16 +14220,70 @@
               <a:t> </a:t>
             </a:r>
             <a:r>
-              <a:rPr lang="en-US" sz="1200" err="1">
+              <a:rPr lang="en-US" sz="1600" dirty="0" err="1">
                 <a:solidFill>
                   <a:srgbClr val="FFFF00"/>
                 </a:solidFill>
                 <a:latin typeface="Times New Roman"/>
                 <a:cs typeface="Times New Roman"/>
               </a:rPr>
+              <a:t>quân</a:t>
+            </a:r>
+            <a:endParaRPr lang="en-US" sz="1600" dirty="0">
+              <a:solidFill>
+                <a:srgbClr val="FFFF00"/>
+              </a:solidFill>
+              <a:latin typeface="Times New Roman"/>
+              <a:cs typeface="Times New Roman"/>
+            </a:endParaRPr>
+          </a:p>
+          <a:p>
+            <a:pPr>
+              <a:lnSpc>
+                <a:spcPct val="90000"/>
+              </a:lnSpc>
+            </a:pPr>
+            <a:r>
+              <a:rPr lang="en-US" sz="1600" dirty="0">
+                <a:solidFill>
+                  <a:srgbClr val="FFFF00"/>
+                </a:solidFill>
+                <a:latin typeface="Times New Roman"/>
+                <a:cs typeface="Times New Roman"/>
+              </a:rPr>
+              <a:t>- Lê </a:t>
+            </a:r>
+            <a:r>
+              <a:rPr lang="en-US" sz="1600" dirty="0" err="1">
+                <a:solidFill>
+                  <a:srgbClr val="FFFF00"/>
+                </a:solidFill>
+                <a:latin typeface="Times New Roman"/>
+                <a:cs typeface="Times New Roman"/>
+              </a:rPr>
+              <a:t>thanh</a:t>
+            </a:r>
+            <a:r>
+              <a:rPr lang="en-US" sz="1600" dirty="0">
+                <a:solidFill>
+                  <a:srgbClr val="FFFF00"/>
+                </a:solidFill>
+                <a:latin typeface="Times New Roman"/>
+                <a:cs typeface="Times New Roman"/>
+              </a:rPr>
+              <a:t> </a:t>
+            </a:r>
+            <a:r>
+              <a:rPr lang="en-US" sz="1600" dirty="0" err="1">
+                <a:solidFill>
+                  <a:srgbClr val="FFFF00"/>
+                </a:solidFill>
+                <a:latin typeface="Times New Roman"/>
+                <a:cs typeface="Times New Roman"/>
+              </a:rPr>
               <a:t>tùng</a:t>
             </a:r>
-            <a:endParaRPr lang="en-US" sz="1200">
+            <a:endParaRPr lang="en-US" sz="1600" dirty="0">
               <a:solidFill>
                 <a:srgbClr val="FFFF00"/>
               </a:solidFill>
@@ -14406,10 +14348,10 @@
       </p:sp>
       <p:pic>
         <p:nvPicPr>
-          <p:cNvPr id="4" name="Picture 4" descr="A close up of a sign&#10;&#10;Description generated with very high confidence">
+          <p:cNvPr id="8" name="Picture 7" descr="A close up of a sign&#10;&#10;Description automatically generated">
             <a:extLst>
               <a:ext uri="{FF2B5EF4-FFF2-40B4-BE49-F238E27FC236}">
-                <a16:creationId xmlns:a16="http://schemas.microsoft.com/office/drawing/2014/main" id="{EA3D2D5F-A069-4CE3-B042-20233ECA7BD5}"/>
+                <a16:creationId xmlns:a16="http://schemas.microsoft.com/office/drawing/2014/main" id="{62B8290A-53CA-4B3E-9C4E-31B122D7FC87}"/>
               </a:ext>
             </a:extLst>
           </p:cNvPr>
@@ -14418,28 +14360,20 @@
           </p:cNvPicPr>
           <p:nvPr/>
         </p:nvPicPr>
-        <p:blipFill rotWithShape="1">
+        <p:blipFill>
           <a:blip r:embed="rId2"/>
-          <a:srcRect t="3904" b="4317"/>
-          <a:stretch/>
+          <a:stretch>
+            <a:fillRect/>
+          </a:stretch>
         </p:blipFill>
         <p:spPr>
           <a:xfrm>
-            <a:off x="1109764" y="1180761"/>
-            <a:ext cx="4986236" cy="4493362"/>
+            <a:off x="1614791" y="927528"/>
+            <a:ext cx="8962418" cy="3583401"/>
           </a:xfrm>
-          <a:prstGeom prst="roundRect">
-            <a:avLst>
-              <a:gd name="adj" fmla="val 1858"/>
-            </a:avLst>
+          <a:prstGeom prst="rect">
+            <a:avLst/>
           </a:prstGeom>
-          <a:effectLst>
-            <a:outerShdw blurRad="50800" dist="50800" dir="5400000" algn="tl" rotWithShape="0">
-              <a:srgbClr val="000000">
-                <a:alpha val="43000"/>
-              </a:srgbClr>
-            </a:outerShdw>
-          </a:effectLst>
         </p:spPr>
       </p:pic>
     </p:spTree>
@@ -16235,7 +16169,7 @@
         <p:spPr>
           <a:xfrm>
             <a:off x="1336795" y="2369705"/>
-            <a:ext cx="8825659" cy="3416300"/>
+            <a:ext cx="8825659" cy="568048"/>
           </a:xfrm>
         </p:spPr>
         <p:txBody>
@@ -16245,98 +16179,98 @@
           <a:lstStyle/>
           <a:p>
             <a:r>
-              <a:rPr lang="en-US" sz="2000" err="1">
+              <a:rPr lang="en-US" sz="2000" dirty="0" err="1">
                 <a:latin typeface="Times New Roman"/>
                 <a:cs typeface="Times New Roman"/>
               </a:rPr>
               <a:t>Các</a:t>
             </a:r>
             <a:r>
-              <a:rPr lang="en-US" sz="2000">
+              <a:rPr lang="en-US" sz="2000" dirty="0">
                 <a:latin typeface="Times New Roman"/>
                 <a:cs typeface="Times New Roman"/>
               </a:rPr>
               <a:t> </a:t>
             </a:r>
             <a:r>
-              <a:rPr lang="en-US" sz="2000" err="1">
+              <a:rPr lang="en-US" sz="2000" dirty="0" err="1">
                 <a:latin typeface="Times New Roman"/>
                 <a:cs typeface="Times New Roman"/>
               </a:rPr>
               <a:t>ngôn</a:t>
             </a:r>
             <a:r>
-              <a:rPr lang="en-US" sz="2000">
+              <a:rPr lang="en-US" sz="2000" dirty="0">
                 <a:latin typeface="Times New Roman"/>
                 <a:cs typeface="Times New Roman"/>
               </a:rPr>
               <a:t> </a:t>
             </a:r>
             <a:r>
-              <a:rPr lang="en-US" sz="2000" err="1">
+              <a:rPr lang="en-US" sz="2000" dirty="0" err="1">
                 <a:latin typeface="Times New Roman"/>
                 <a:cs typeface="Times New Roman"/>
               </a:rPr>
               <a:t>ngữ</a:t>
             </a:r>
             <a:r>
-              <a:rPr lang="en-US" sz="2000">
+              <a:rPr lang="en-US" sz="2000" dirty="0">
                 <a:latin typeface="Times New Roman"/>
                 <a:cs typeface="Times New Roman"/>
               </a:rPr>
               <a:t> </a:t>
             </a:r>
             <a:r>
-              <a:rPr lang="en-US" sz="2000" err="1">
+              <a:rPr lang="en-US" sz="2000" dirty="0" err="1">
                 <a:latin typeface="Times New Roman"/>
                 <a:cs typeface="Times New Roman"/>
               </a:rPr>
               <a:t>có</a:t>
             </a:r>
             <a:r>
-              <a:rPr lang="en-US" sz="2000">
+              <a:rPr lang="en-US" sz="2000" dirty="0">
                 <a:latin typeface="Times New Roman"/>
                 <a:cs typeface="Times New Roman"/>
               </a:rPr>
               <a:t> </a:t>
             </a:r>
             <a:r>
-              <a:rPr lang="en-US" sz="2000" err="1">
+              <a:rPr lang="en-US" sz="2000" dirty="0" err="1">
                 <a:latin typeface="Times New Roman"/>
                 <a:cs typeface="Times New Roman"/>
               </a:rPr>
               <a:t>thể</a:t>
             </a:r>
             <a:r>
-              <a:rPr lang="en-US" sz="2000">
+              <a:rPr lang="en-US" sz="2000" dirty="0">
                 <a:latin typeface="Times New Roman"/>
                 <a:cs typeface="Times New Roman"/>
               </a:rPr>
               <a:t> </a:t>
             </a:r>
             <a:r>
-              <a:rPr lang="en-US" sz="2000" err="1">
+              <a:rPr lang="en-US" sz="2000" dirty="0" err="1">
                 <a:latin typeface="Times New Roman"/>
                 <a:cs typeface="Times New Roman"/>
               </a:rPr>
               <a:t>dùng</a:t>
             </a:r>
             <a:r>
-              <a:rPr lang="en-US" sz="2000">
+              <a:rPr lang="en-US" sz="2000" dirty="0">
                 <a:latin typeface="Times New Roman"/>
                 <a:cs typeface="Times New Roman"/>
               </a:rPr>
               <a:t> </a:t>
             </a:r>
             <a:r>
-              <a:rPr lang="en-US" sz="2000" err="1">
+              <a:rPr lang="en-US" sz="2000" dirty="0" err="1">
                 <a:latin typeface="Times New Roman"/>
                 <a:cs typeface="Times New Roman"/>
               </a:rPr>
               <a:t>với</a:t>
             </a:r>
             <a:r>
-              <a:rPr lang="en-US" sz="2000">
+              <a:rPr lang="en-US" sz="2000" dirty="0">
                 <a:latin typeface="Times New Roman"/>
                 <a:cs typeface="Times New Roman"/>
               </a:rPr>
@@ -16344,16 +16278,16 @@
             </a:r>
           </a:p>
           <a:p>
-            <a:endParaRPr lang="en-US"/>
+            <a:endParaRPr lang="en-US" dirty="0"/>
           </a:p>
         </p:txBody>
       </p:sp>
       <p:pic>
         <p:nvPicPr>
-          <p:cNvPr id="4" name="Picture 4" descr="A close up of a sign&#10;&#10;Description generated with very high confidence">
+          <p:cNvPr id="7" name="Graphic 6">
             <a:extLst>
               <a:ext uri="{FF2B5EF4-FFF2-40B4-BE49-F238E27FC236}">
-                <a16:creationId xmlns:a16="http://schemas.microsoft.com/office/drawing/2014/main" id="{4419B726-8668-4EB9-8745-1D3324F75F15}"/>
+                <a16:creationId xmlns:a16="http://schemas.microsoft.com/office/drawing/2014/main" id="{15381537-7536-463E-BDD3-212A7BE963A3}"/>
               </a:ext>
             </a:extLst>
           </p:cNvPr>
@@ -16363,15 +16297,21 @@
           <p:nvPr/>
         </p:nvPicPr>
         <p:blipFill>
-          <a:blip r:embed="rId2"/>
+          <a:blip r:embed="rId2">
+            <a:extLst>
+              <a:ext uri="{96DAC541-7B7A-43D3-8B79-37D633B846F1}">
+                <asvg:svgBlip xmlns:asvg="http://schemas.microsoft.com/office/drawing/2016/SVG/main" r:embed="rId3"/>
+              </a:ext>
+            </a:extLst>
+          </a:blip>
           <a:stretch>
             <a:fillRect/>
           </a:stretch>
         </p:blipFill>
         <p:spPr>
           <a:xfrm>
-            <a:off x="2202492" y="2977737"/>
-            <a:ext cx="2743200" cy="1104007"/>
+            <a:off x="8192382" y="3439376"/>
+            <a:ext cx="1463040" cy="1463040"/>
           </a:xfrm>
           <a:prstGeom prst="rect">
             <a:avLst/>
@@ -16380,10 +16320,10 @@
       </p:pic>
       <p:pic>
         <p:nvPicPr>
-          <p:cNvPr id="6" name="Picture 6" descr="A close up of a sign&#10;&#10;Description generated with very high confidence">
+          <p:cNvPr id="10" name="Graphic 9">
             <a:extLst>
               <a:ext uri="{FF2B5EF4-FFF2-40B4-BE49-F238E27FC236}">
-                <a16:creationId xmlns:a16="http://schemas.microsoft.com/office/drawing/2014/main" id="{4F0F4C72-5AFB-447A-B901-3747AEE29A8A}"/>
+                <a16:creationId xmlns:a16="http://schemas.microsoft.com/office/drawing/2014/main" id="{B78BFA8D-868E-4F2E-B983-3D150A8650CB}"/>
               </a:ext>
             </a:extLst>
           </p:cNvPr>
@@ -16393,15 +16333,21 @@
           <p:nvPr/>
         </p:nvPicPr>
         <p:blipFill>
-          <a:blip r:embed="rId3"/>
+          <a:blip r:embed="rId4">
+            <a:extLst>
+              <a:ext uri="{96DAC541-7B7A-43D3-8B79-37D633B846F1}">
+                <asvg:svgBlip xmlns:asvg="http://schemas.microsoft.com/office/drawing/2016/SVG/main" r:embed="rId5"/>
+              </a:ext>
+            </a:extLst>
+          </a:blip>
           <a:stretch>
             <a:fillRect/>
           </a:stretch>
         </p:blipFill>
         <p:spPr>
           <a:xfrm>
-            <a:off x="6852636" y="2916973"/>
-            <a:ext cx="2743200" cy="2743200"/>
+            <a:off x="5616750" y="3439376"/>
+            <a:ext cx="1463040" cy="1463040"/>
           </a:xfrm>
           <a:prstGeom prst="rect">
             <a:avLst/>
@@ -16410,10 +16356,10 @@
       </p:pic>
       <p:pic>
         <p:nvPicPr>
-          <p:cNvPr id="8" name="Picture 8" descr="A close up of a sign&#10;&#10;Description generated with high confidence">
+          <p:cNvPr id="12" name="Graphic 11">
             <a:extLst>
               <a:ext uri="{FF2B5EF4-FFF2-40B4-BE49-F238E27FC236}">
-                <a16:creationId xmlns:a16="http://schemas.microsoft.com/office/drawing/2014/main" id="{3BB04397-2DD6-41EC-8169-074BF3C93488}"/>
+                <a16:creationId xmlns:a16="http://schemas.microsoft.com/office/drawing/2014/main" id="{7FB0D2D4-39C5-4BD5-A7CC-6BD069F1F7FC}"/>
               </a:ext>
             </a:extLst>
           </p:cNvPr>
@@ -16423,21 +16369,138 @@
           <p:nvPr/>
         </p:nvPicPr>
         <p:blipFill>
-          <a:blip r:embed="rId4"/>
+          <a:blip r:embed="rId6">
+            <a:extLst>
+              <a:ext uri="{96DAC541-7B7A-43D3-8B79-37D633B846F1}">
+                <asvg:svgBlip xmlns:asvg="http://schemas.microsoft.com/office/drawing/2016/SVG/main" r:embed="rId7"/>
+              </a:ext>
+            </a:extLst>
+          </a:blip>
           <a:stretch>
             <a:fillRect/>
           </a:stretch>
         </p:blipFill>
         <p:spPr>
           <a:xfrm>
-            <a:off x="2162788" y="4469485"/>
-            <a:ext cx="2743200" cy="1600200"/>
+            <a:off x="2553438" y="3195536"/>
+            <a:ext cx="1950720" cy="1950720"/>
           </a:xfrm>
           <a:prstGeom prst="rect">
             <a:avLst/>
           </a:prstGeom>
         </p:spPr>
       </p:pic>
+      <p:sp>
+        <p:nvSpPr>
+          <p:cNvPr id="13" name="TextBox 12">
+            <a:extLst>
+              <a:ext uri="{FF2B5EF4-FFF2-40B4-BE49-F238E27FC236}">
+                <a16:creationId xmlns:a16="http://schemas.microsoft.com/office/drawing/2014/main" id="{600DC888-A2BC-40E6-9D0B-EDB6748ED611}"/>
+              </a:ext>
+            </a:extLst>
+          </p:cNvPr>
+          <p:cNvSpPr txBox="1"/>
+          <p:nvPr/>
+        </p:nvSpPr>
+        <p:spPr>
+          <a:xfrm flipH="1">
+            <a:off x="3123640" y="5194571"/>
+            <a:ext cx="810315" cy="369332"/>
+          </a:xfrm>
+          <a:prstGeom prst="rect">
+            <a:avLst/>
+          </a:prstGeom>
+          <a:noFill/>
+        </p:spPr>
+        <p:txBody>
+          <a:bodyPr wrap="square" rtlCol="0">
+            <a:spAutoFit/>
+          </a:bodyPr>
+          <a:lstStyle/>
+          <a:p>
+            <a:pPr algn="ctr"/>
+            <a:r>
+              <a:rPr lang="vi-VN" dirty="0"/>
+              <a:t>HTML</a:t>
+            </a:r>
+            <a:endParaRPr lang="en-US" dirty="0"/>
+          </a:p>
+        </p:txBody>
+      </p:sp>
+      <p:sp>
+        <p:nvSpPr>
+          <p:cNvPr id="14" name="TextBox 13">
+            <a:extLst>
+              <a:ext uri="{FF2B5EF4-FFF2-40B4-BE49-F238E27FC236}">
+                <a16:creationId xmlns:a16="http://schemas.microsoft.com/office/drawing/2014/main" id="{67569E51-F9E7-4DA6-B076-3C2EEDCE5215}"/>
+              </a:ext>
+            </a:extLst>
+          </p:cNvPr>
+          <p:cNvSpPr txBox="1"/>
+          <p:nvPr/>
+        </p:nvSpPr>
+        <p:spPr>
+          <a:xfrm flipH="1">
+            <a:off x="5943112" y="5194571"/>
+            <a:ext cx="810315" cy="369332"/>
+          </a:xfrm>
+          <a:prstGeom prst="rect">
+            <a:avLst/>
+          </a:prstGeom>
+          <a:noFill/>
+        </p:spPr>
+        <p:txBody>
+          <a:bodyPr wrap="square" rtlCol="0">
+            <a:spAutoFit/>
+          </a:bodyPr>
+          <a:lstStyle/>
+          <a:p>
+            <a:pPr algn="ctr"/>
+            <a:r>
+              <a:rPr lang="vi-VN" dirty="0"/>
+              <a:t>CSS</a:t>
+            </a:r>
+            <a:endParaRPr lang="en-US" dirty="0"/>
+          </a:p>
+        </p:txBody>
+      </p:sp>
+      <p:sp>
+        <p:nvSpPr>
+          <p:cNvPr id="15" name="TextBox 14">
+            <a:extLst>
+              <a:ext uri="{FF2B5EF4-FFF2-40B4-BE49-F238E27FC236}">
+                <a16:creationId xmlns:a16="http://schemas.microsoft.com/office/drawing/2014/main" id="{770504F7-8ED1-4BDA-98E7-22A89652D438}"/>
+              </a:ext>
+            </a:extLst>
+          </p:cNvPr>
+          <p:cNvSpPr txBox="1"/>
+          <p:nvPr/>
+        </p:nvSpPr>
+        <p:spPr>
+          <a:xfrm flipH="1">
+            <a:off x="8102047" y="5194571"/>
+            <a:ext cx="1643710" cy="369332"/>
+          </a:xfrm>
+          <a:prstGeom prst="rect">
+            <a:avLst/>
+          </a:prstGeom>
+          <a:noFill/>
+        </p:spPr>
+        <p:txBody>
+          <a:bodyPr wrap="square" rtlCol="0">
+            <a:spAutoFit/>
+          </a:bodyPr>
+          <a:lstStyle/>
+          <a:p>
+            <a:pPr algn="ctr"/>
+            <a:r>
+              <a:rPr lang="vi-VN" dirty="0"/>
+              <a:t>JAVASCRIPT</a:t>
+            </a:r>
+            <a:endParaRPr lang="en-US" dirty="0"/>
+          </a:p>
+        </p:txBody>
+      </p:sp>
     </p:spTree>
     <p:extLst>
       <p:ext uri="{BB962C8B-B14F-4D97-AF65-F5344CB8AC3E}">
@@ -17515,11 +17578,11 @@
           <a:lstStyle/>
           <a:p>
             <a:pPr lvl="8"/>
-            <a:endParaRPr lang="en-US" sz="3400"/>
+            <a:endParaRPr lang="en-US" sz="3400" dirty="0"/>
           </a:p>
           <a:p>
             <a:pPr lvl="8"/>
-            <a:endParaRPr lang="en-US" sz="3400"/>
+            <a:endParaRPr lang="en-US" sz="3400" dirty="0"/>
           </a:p>
           <a:p>
             <a:pPr lvl="8"/>
@@ -17527,9 +17590,20 @@
               <a:rPr lang="en-US" sz="4400">
                 <a:latin typeface="Times New Roman"/>
                 <a:cs typeface="Times New Roman"/>
+                <a:hlinkClick r:id="rId2">
+                  <a:extLst>
+                    <a:ext uri="{A12FA001-AC4F-418D-AE19-62706E023703}">
+                      <ahyp:hlinkClr xmlns:ahyp="http://schemas.microsoft.com/office/drawing/2018/hyperlinkcolor" val="tx"/>
+                    </a:ext>
+                  </a:extLst>
+                </a:hlinkClick>
               </a:rPr>
               <a:t>DEMO</a:t>
             </a:r>
+            <a:endParaRPr lang="en-US" sz="4400">
+              <a:latin typeface="Times New Roman"/>
+              <a:cs typeface="Times New Roman"/>
+            </a:endParaRPr>
           </a:p>
         </p:txBody>
       </p:sp>
@@ -17544,6 +17618,14 @@
     <a:masterClrMapping/>
   </p:clrMapOvr>
 </p:sld>
+</file>
+
+<file path=ppt/tags/tag1.xml><?xml version="1.0" encoding="utf-8"?>
+<p:tagLst xmlns:a="http://schemas.openxmlformats.org/drawingml/2006/main" xmlns:r="http://schemas.openxmlformats.org/officeDocument/2006/relationships" xmlns:p="http://schemas.openxmlformats.org/presentationml/2006/main">
+  <p:tag name="MMPROD_NEXTUNIQUEID" val="10009"/>
+  <p:tag name="MMPROD_UIDATA" val="&lt;database version=&quot;11.0&quot;&gt;&lt;object type=&quot;1&quot; unique_id=&quot;10001&quot;&gt;&lt;object type=&quot;2&quot; unique_id=&quot;10002&quot;&gt;&lt;object type=&quot;3&quot; unique_id=&quot;10003&quot;&gt;&lt;property id=&quot;20148&quot; value=&quot;5&quot;/&gt;&lt;property id=&quot;20300&quot; value=&quot;Slide 1&quot;/&gt;&lt;property id=&quot;20307&quot; value=&quot;256&quot;/&gt;&lt;/object&gt;&lt;object type=&quot;3&quot; unique_id=&quot;10004&quot;&gt;&lt;property id=&quot;20148&quot; value=&quot;5&quot;/&gt;&lt;property id=&quot;20300&quot; value=&quot;Slide 2 - &amp;quot;Outline&amp;quot;&quot;/&gt;&lt;property id=&quot;20307&quot; value=&quot;257&quot;/&gt;&lt;/object&gt;&lt;object type=&quot;3&quot; unique_id=&quot;10005&quot;&gt;&lt;property id=&quot;20148&quot; value=&quot;5&quot;/&gt;&lt;property id=&quot;20300&quot; value=&quot;Slide 3 - &amp;quot;1. Tổng quan&amp;quot;&quot;/&gt;&lt;property id=&quot;20307&quot; value=&quot;258&quot;/&gt;&lt;/object&gt;&lt;object type=&quot;3&quot; unique_id=&quot;10006&quot;&gt;&lt;property id=&quot;20148&quot; value=&quot;5&quot;/&gt;&lt;property id=&quot;20300&quot; value=&quot;Slide 4 - &amp;quot;2. Các công nghệ được sử dụng&amp;quot;&quot;/&gt;&lt;property id=&quot;20307&quot; value=&quot;259&quot;/&gt;&lt;/object&gt;&lt;object type=&quot;3&quot; unique_id=&quot;10007&quot;&gt;&lt;property id=&quot;20148&quot; value=&quot;5&quot;/&gt;&lt;property id=&quot;20300&quot; value=&quot;Slide 5 - &amp;quot;3. Một số chức năng &amp;quot;&quot;/&gt;&lt;property id=&quot;20307&quot; value=&quot;260&quot;/&gt;&lt;/object&gt;&lt;object type=&quot;3&quot; unique_id=&quot;10008&quot;&gt;&lt;property id=&quot;20148&quot; value=&quot;5&quot;/&gt;&lt;property id=&quot;20300&quot; value=&quot;Slide 6 - &amp;quot;3. Một số chức năng &amp;quot;&quot;/&gt;&lt;property id=&quot;20307&quot; value=&quot;261&quot;/&gt;&lt;/object&gt;&lt;object type=&quot;3&quot; unique_id=&quot;10009&quot;&gt;&lt;property id=&quot;20148&quot; value=&quot;5&quot;/&gt;&lt;property id=&quot;20300&quot; value=&quot;Slide 7&quot;/&gt;&lt;property id=&quot;20307&quot; value=&quot;262&quot;/&gt;&lt;/object&gt;&lt;/object&gt;&lt;object type=&quot;8&quot; unique_id=&quot;10018&quot;&gt;&lt;/object&gt;&lt;/object&gt;&lt;/database&gt;"/>
+  <p:tag name="SECTOMILLISECCONVERTED" val="1"/>
+</p:tagLst>
 </file>
 
 <file path=ppt/theme/theme1.xml><?xml version="1.0" encoding="utf-8"?>
